--- a/צוללות - BattleShips.pptx
+++ b/צוללות - BattleShips.pptx
@@ -12,8 +12,10 @@
     <p:sldId id="260" r:id="rId6"/>
     <p:sldId id="261" r:id="rId7"/>
     <p:sldId id="262" r:id="rId8"/>
-    <p:sldId id="263" r:id="rId9"/>
-    <p:sldId id="264" r:id="rId10"/>
+    <p:sldId id="265" r:id="rId9"/>
+    <p:sldId id="266" r:id="rId10"/>
+    <p:sldId id="263" r:id="rId11"/>
+    <p:sldId id="264" r:id="rId12"/>
   </p:sldIdLst>
   <p:sldSz cx="12192000" cy="6858000"/>
   <p:notesSz cx="6858000" cy="9144000"/>
@@ -112,6 +114,11 @@
       </a:defRPr>
     </a:lvl9pPr>
   </p:defaultTextStyle>
+  <p:extLst>
+    <p:ext uri="{EFAFB233-063F-42B5-8137-9DF3F51BA10A}">
+      <p15:sldGuideLst xmlns:p15="http://schemas.microsoft.com/office/powerpoint/2012/main"/>
+    </p:ext>
+  </p:extLst>
 </p:presentation>
 </file>
 
@@ -157,7 +164,7 @@
           </a:lstStyle>
           <a:p>
             <a:r>
-              <a:rPr lang="he-IL" smtClean="0"/>
+              <a:rPr lang="he-IL"/>
               <a:t>לחץ כדי לערוך סגנון כותרת של תבנית בסיס</a:t>
             </a:r>
             <a:endParaRPr lang="en-US" dirty="0"/>
@@ -277,7 +284,7 @@
           </a:lstStyle>
           <a:p>
             <a:r>
-              <a:rPr lang="he-IL" smtClean="0"/>
+              <a:rPr lang="he-IL"/>
               <a:t>לחץ כדי לערוך סגנון כותרת משנה של תבנית בסיס</a:t>
             </a:r>
             <a:endParaRPr lang="en-US" dirty="0"/>
@@ -301,7 +308,7 @@
           <a:p>
             <a:fld id="{843413FE-69AF-4638-8265-5C9A900F483E}" type="datetimeFigureOut">
               <a:rPr lang="he-IL" smtClean="0"/>
-              <a:t>כ"ג/סיון/תשע"ט</a:t>
+              <a:t>כ"ט/סיון/תשע"ט</a:t>
             </a:fld>
             <a:endParaRPr lang="he-IL"/>
           </a:p>
@@ -406,7 +413,7 @@
           </a:lstStyle>
           <a:p>
             <a:r>
-              <a:rPr lang="he-IL" smtClean="0"/>
+              <a:rPr lang="he-IL"/>
               <a:t>לחץ כדי לערוך סגנון כותרת של תבנית בסיס</a:t>
             </a:r>
             <a:endParaRPr lang="en-US" dirty="0"/>
@@ -485,7 +492,7 @@
           </a:lstStyle>
           <a:p>
             <a:r>
-              <a:rPr lang="he-IL" smtClean="0"/>
+              <a:rPr lang="he-IL"/>
               <a:t>לחץ על הסמל כדי להוסיף תמונה</a:t>
             </a:r>
             <a:endParaRPr lang="en-US" dirty="0"/>
@@ -553,7 +560,7 @@
           <a:p>
             <a:pPr lvl="0"/>
             <a:r>
-              <a:rPr lang="he-IL" smtClean="0"/>
+              <a:rPr lang="he-IL"/>
               <a:t>ערוך סגנונות טקסט של תבנית בסיס</a:t>
             </a:r>
           </a:p>
@@ -576,7 +583,7 @@
           <a:p>
             <a:fld id="{843413FE-69AF-4638-8265-5C9A900F483E}" type="datetimeFigureOut">
               <a:rPr lang="he-IL" smtClean="0"/>
-              <a:t>כ"ג/סיון/תשע"ט</a:t>
+              <a:t>כ"ט/סיון/תשע"ט</a:t>
             </a:fld>
             <a:endParaRPr lang="he-IL"/>
           </a:p>
@@ -679,7 +686,7 @@
           </a:lstStyle>
           <a:p>
             <a:r>
-              <a:rPr lang="he-IL" smtClean="0"/>
+              <a:rPr lang="he-IL"/>
               <a:t>לחץ כדי לערוך סגנון כותרת של תבנית בסיס</a:t>
             </a:r>
             <a:endParaRPr lang="en-US" dirty="0"/>
@@ -747,7 +754,7 @@
           <a:p>
             <a:pPr lvl="0"/>
             <a:r>
-              <a:rPr lang="he-IL" smtClean="0"/>
+              <a:rPr lang="he-IL"/>
               <a:t>ערוך סגנונות טקסט של תבנית בסיס</a:t>
             </a:r>
           </a:p>
@@ -770,7 +777,7 @@
           <a:p>
             <a:fld id="{843413FE-69AF-4638-8265-5C9A900F483E}" type="datetimeFigureOut">
               <a:rPr lang="he-IL" smtClean="0"/>
-              <a:t>כ"ג/סיון/תשע"ט</a:t>
+              <a:t>כ"ט/סיון/תשע"ט</a:t>
             </a:fld>
             <a:endParaRPr lang="he-IL"/>
           </a:p>
@@ -873,7 +880,7 @@
           </a:lstStyle>
           <a:p>
             <a:r>
-              <a:rPr lang="he-IL" smtClean="0"/>
+              <a:rPr lang="he-IL"/>
               <a:t>לחץ כדי לערוך סגנון כותרת של תבנית בסיס</a:t>
             </a:r>
             <a:endParaRPr lang="en-US" dirty="0"/>
@@ -953,7 +960,7 @@
               <a:buNone/>
             </a:pPr>
             <a:r>
-              <a:rPr lang="he-IL" smtClean="0"/>
+              <a:rPr lang="he-IL"/>
               <a:t>ערוך סגנונות טקסט של תבנית בסיס</a:t>
             </a:r>
           </a:p>
@@ -1020,7 +1027,7 @@
           <a:p>
             <a:pPr lvl="0"/>
             <a:r>
-              <a:rPr lang="he-IL" smtClean="0"/>
+              <a:rPr lang="he-IL"/>
               <a:t>ערוך סגנונות טקסט של תבנית בסיס</a:t>
             </a:r>
           </a:p>
@@ -1043,7 +1050,7 @@
           <a:p>
             <a:fld id="{843413FE-69AF-4638-8265-5C9A900F483E}" type="datetimeFigureOut">
               <a:rPr lang="he-IL" smtClean="0"/>
-              <a:t>כ"ג/סיון/תשע"ט</a:t>
+              <a:t>כ"ט/סיון/תשע"ט</a:t>
             </a:fld>
             <a:endParaRPr lang="he-IL"/>
           </a:p>
@@ -1240,7 +1247,7 @@
           </a:lstStyle>
           <a:p>
             <a:r>
-              <a:rPr lang="he-IL" smtClean="0"/>
+              <a:rPr lang="he-IL"/>
               <a:t>לחץ כדי לערוך סגנון כותרת של תבנית בסיס</a:t>
             </a:r>
             <a:endParaRPr lang="en-US" dirty="0"/>
@@ -1361,7 +1368,7 @@
           <a:p>
             <a:pPr lvl="0"/>
             <a:r>
-              <a:rPr lang="he-IL" smtClean="0"/>
+              <a:rPr lang="he-IL"/>
               <a:t>ערוך סגנונות טקסט של תבנית בסיס</a:t>
             </a:r>
           </a:p>
@@ -1384,7 +1391,7 @@
           <a:p>
             <a:fld id="{843413FE-69AF-4638-8265-5C9A900F483E}" type="datetimeFigureOut">
               <a:rPr lang="he-IL" smtClean="0"/>
-              <a:t>כ"ג/סיון/תשע"ט</a:t>
+              <a:t>כ"ט/סיון/תשע"ט</a:t>
             </a:fld>
             <a:endParaRPr lang="he-IL"/>
           </a:p>
@@ -1482,7 +1489,7 @@
           </a:lstStyle>
           <a:p>
             <a:r>
-              <a:rPr lang="he-IL" smtClean="0"/>
+              <a:rPr lang="he-IL"/>
               <a:t>לחץ כדי לערוך סגנון כותרת של תבנית בסיס</a:t>
             </a:r>
             <a:endParaRPr lang="en-US" dirty="0"/>
@@ -1557,7 +1564,7 @@
           <a:p>
             <a:pPr lvl="0"/>
             <a:r>
-              <a:rPr lang="he-IL" smtClean="0"/>
+              <a:rPr lang="he-IL"/>
               <a:t>ערוך סגנונות טקסט של תבנית בסיס</a:t>
             </a:r>
           </a:p>
@@ -1624,7 +1631,7 @@
           <a:p>
             <a:pPr lvl="0"/>
             <a:r>
-              <a:rPr lang="he-IL" smtClean="0"/>
+              <a:rPr lang="he-IL"/>
               <a:t>ערוך סגנונות טקסט של תבנית בסיס</a:t>
             </a:r>
           </a:p>
@@ -1698,7 +1705,7 @@
           <a:p>
             <a:pPr lvl="0"/>
             <a:r>
-              <a:rPr lang="he-IL" smtClean="0"/>
+              <a:rPr lang="he-IL"/>
               <a:t>ערוך סגנונות טקסט של תבנית בסיס</a:t>
             </a:r>
           </a:p>
@@ -1765,7 +1772,7 @@
           <a:p>
             <a:pPr lvl="0"/>
             <a:r>
-              <a:rPr lang="he-IL" smtClean="0"/>
+              <a:rPr lang="he-IL"/>
               <a:t>ערוך סגנונות טקסט של תבנית בסיס</a:t>
             </a:r>
           </a:p>
@@ -1839,7 +1846,7 @@
           <a:p>
             <a:pPr lvl="0"/>
             <a:r>
-              <a:rPr lang="he-IL" smtClean="0"/>
+              <a:rPr lang="he-IL"/>
               <a:t>ערוך סגנונות טקסט של תבנית בסיס</a:t>
             </a:r>
           </a:p>
@@ -1906,7 +1913,7 @@
           <a:p>
             <a:pPr lvl="0"/>
             <a:r>
-              <a:rPr lang="he-IL" smtClean="0"/>
+              <a:rPr lang="he-IL"/>
               <a:t>ערוך סגנונות טקסט של תבנית בסיס</a:t>
             </a:r>
           </a:p>
@@ -2007,7 +2014,7 @@
           <a:p>
             <a:fld id="{843413FE-69AF-4638-8265-5C9A900F483E}" type="datetimeFigureOut">
               <a:rPr lang="he-IL" smtClean="0"/>
-              <a:t>כ"ג/סיון/תשע"ט</a:t>
+              <a:t>כ"ט/סיון/תשע"ט</a:t>
             </a:fld>
             <a:endParaRPr lang="he-IL"/>
           </a:p>
@@ -2105,7 +2112,7 @@
           </a:lstStyle>
           <a:p>
             <a:r>
-              <a:rPr lang="he-IL" smtClean="0"/>
+              <a:rPr lang="he-IL"/>
               <a:t>לחץ כדי לערוך סגנון כותרת של תבנית בסיס</a:t>
             </a:r>
             <a:endParaRPr lang="en-US" dirty="0"/>
@@ -2180,7 +2187,7 @@
           <a:p>
             <a:pPr lvl="0"/>
             <a:r>
-              <a:rPr lang="he-IL" smtClean="0"/>
+              <a:rPr lang="he-IL"/>
               <a:t>ערוך סגנונות טקסט של תבנית בסיס</a:t>
             </a:r>
           </a:p>
@@ -2258,7 +2265,7 @@
           </a:lstStyle>
           <a:p>
             <a:r>
-              <a:rPr lang="he-IL" smtClean="0"/>
+              <a:rPr lang="he-IL"/>
               <a:t>לחץ על הסמל כדי להוסיף תמונה</a:t>
             </a:r>
             <a:endParaRPr lang="en-US" dirty="0"/>
@@ -2326,7 +2333,7 @@
           <a:p>
             <a:pPr lvl="0"/>
             <a:r>
-              <a:rPr lang="he-IL" smtClean="0"/>
+              <a:rPr lang="he-IL"/>
               <a:t>ערוך סגנונות טקסט של תבנית בסיס</a:t>
             </a:r>
           </a:p>
@@ -2400,7 +2407,7 @@
           <a:p>
             <a:pPr lvl="0"/>
             <a:r>
-              <a:rPr lang="he-IL" smtClean="0"/>
+              <a:rPr lang="he-IL"/>
               <a:t>ערוך סגנונות טקסט של תבנית בסיס</a:t>
             </a:r>
           </a:p>
@@ -2478,7 +2485,7 @@
           </a:lstStyle>
           <a:p>
             <a:r>
-              <a:rPr lang="he-IL" smtClean="0"/>
+              <a:rPr lang="he-IL"/>
               <a:t>לחץ על הסמל כדי להוסיף תמונה</a:t>
             </a:r>
             <a:endParaRPr lang="en-US" dirty="0"/>
@@ -2546,7 +2553,7 @@
           <a:p>
             <a:pPr lvl="0"/>
             <a:r>
-              <a:rPr lang="he-IL" smtClean="0"/>
+              <a:rPr lang="he-IL"/>
               <a:t>ערוך סגנונות טקסט של תבנית בסיס</a:t>
             </a:r>
           </a:p>
@@ -2620,7 +2627,7 @@
           <a:p>
             <a:pPr lvl="0"/>
             <a:r>
-              <a:rPr lang="he-IL" smtClean="0"/>
+              <a:rPr lang="he-IL"/>
               <a:t>ערוך סגנונות טקסט של תבנית בסיס</a:t>
             </a:r>
           </a:p>
@@ -2698,7 +2705,7 @@
           </a:lstStyle>
           <a:p>
             <a:r>
-              <a:rPr lang="he-IL" smtClean="0"/>
+              <a:rPr lang="he-IL"/>
               <a:t>לחץ על הסמל כדי להוסיף תמונה</a:t>
             </a:r>
             <a:endParaRPr lang="en-US" dirty="0"/>
@@ -2766,7 +2773,7 @@
           <a:p>
             <a:pPr lvl="0"/>
             <a:r>
-              <a:rPr lang="he-IL" smtClean="0"/>
+              <a:rPr lang="he-IL"/>
               <a:t>ערוך סגנונות טקסט של תבנית בסיס</a:t>
             </a:r>
           </a:p>
@@ -2867,7 +2874,7 @@
           <a:p>
             <a:fld id="{843413FE-69AF-4638-8265-5C9A900F483E}" type="datetimeFigureOut">
               <a:rPr lang="he-IL" smtClean="0"/>
-              <a:t>כ"ג/סיון/תשע"ט</a:t>
+              <a:t>כ"ט/סיון/תשע"ט</a:t>
             </a:fld>
             <a:endParaRPr lang="he-IL"/>
           </a:p>
@@ -2961,7 +2968,7 @@
           <a:lstStyle/>
           <a:p>
             <a:r>
-              <a:rPr lang="he-IL" smtClean="0"/>
+              <a:rPr lang="he-IL"/>
               <a:t>לחץ כדי לערוך סגנון כותרת של תבנית בסיס</a:t>
             </a:r>
             <a:endParaRPr lang="en-US" dirty="0"/>
@@ -2985,35 +2992,35 @@
           <a:p>
             <a:pPr lvl="0"/>
             <a:r>
-              <a:rPr lang="he-IL" smtClean="0"/>
+              <a:rPr lang="he-IL"/>
               <a:t>ערוך סגנונות טקסט של תבנית בסיס</a:t>
             </a:r>
           </a:p>
           <a:p>
             <a:pPr lvl="1"/>
             <a:r>
-              <a:rPr lang="he-IL" smtClean="0"/>
+              <a:rPr lang="he-IL"/>
               <a:t>רמה שניה</a:t>
             </a:r>
           </a:p>
           <a:p>
             <a:pPr lvl="2"/>
             <a:r>
-              <a:rPr lang="he-IL" smtClean="0"/>
+              <a:rPr lang="he-IL"/>
               <a:t>רמה שלישית</a:t>
             </a:r>
           </a:p>
           <a:p>
             <a:pPr lvl="3"/>
             <a:r>
-              <a:rPr lang="he-IL" smtClean="0"/>
+              <a:rPr lang="he-IL"/>
               <a:t>רמה רביעית</a:t>
             </a:r>
           </a:p>
           <a:p>
             <a:pPr lvl="4"/>
             <a:r>
-              <a:rPr lang="he-IL" smtClean="0"/>
+              <a:rPr lang="he-IL"/>
               <a:t>רמה חמישית</a:t>
             </a:r>
             <a:endParaRPr lang="en-US" dirty="0"/>
@@ -3037,7 +3044,7 @@
           <a:p>
             <a:fld id="{843413FE-69AF-4638-8265-5C9A900F483E}" type="datetimeFigureOut">
               <a:rPr lang="he-IL" smtClean="0"/>
-              <a:t>כ"ג/סיון/תשע"ט</a:t>
+              <a:t>כ"ט/סיון/תשע"ט</a:t>
             </a:fld>
             <a:endParaRPr lang="he-IL"/>
           </a:p>
@@ -3136,7 +3143,7 @@
           <a:lstStyle/>
           <a:p>
             <a:r>
-              <a:rPr lang="he-IL" smtClean="0"/>
+              <a:rPr lang="he-IL"/>
               <a:t>לחץ כדי לערוך סגנון כותרת של תבנית בסיס</a:t>
             </a:r>
             <a:endParaRPr lang="en-US" dirty="0"/>
@@ -3165,35 +3172,35 @@
           <a:p>
             <a:pPr lvl="0"/>
             <a:r>
-              <a:rPr lang="he-IL" smtClean="0"/>
+              <a:rPr lang="he-IL"/>
               <a:t>ערוך סגנונות טקסט של תבנית בסיס</a:t>
             </a:r>
           </a:p>
           <a:p>
             <a:pPr lvl="1"/>
             <a:r>
-              <a:rPr lang="he-IL" smtClean="0"/>
+              <a:rPr lang="he-IL"/>
               <a:t>רמה שניה</a:t>
             </a:r>
           </a:p>
           <a:p>
             <a:pPr lvl="2"/>
             <a:r>
-              <a:rPr lang="he-IL" smtClean="0"/>
+              <a:rPr lang="he-IL"/>
               <a:t>רמה שלישית</a:t>
             </a:r>
           </a:p>
           <a:p>
             <a:pPr lvl="3"/>
             <a:r>
-              <a:rPr lang="he-IL" smtClean="0"/>
+              <a:rPr lang="he-IL"/>
               <a:t>רמה רביעית</a:t>
             </a:r>
           </a:p>
           <a:p>
             <a:pPr lvl="4"/>
             <a:r>
-              <a:rPr lang="he-IL" smtClean="0"/>
+              <a:rPr lang="he-IL"/>
               <a:t>רמה חמישית</a:t>
             </a:r>
             <a:endParaRPr lang="en-US" dirty="0"/>
@@ -3217,7 +3224,7 @@
           <a:p>
             <a:fld id="{843413FE-69AF-4638-8265-5C9A900F483E}" type="datetimeFigureOut">
               <a:rPr lang="he-IL" smtClean="0"/>
-              <a:t>כ"ג/סיון/תשע"ט</a:t>
+              <a:t>כ"ט/סיון/תשע"ט</a:t>
             </a:fld>
             <a:endParaRPr lang="he-IL"/>
           </a:p>
@@ -3311,7 +3318,7 @@
           <a:lstStyle/>
           <a:p>
             <a:r>
-              <a:rPr lang="he-IL" smtClean="0"/>
+              <a:rPr lang="he-IL"/>
               <a:t>לחץ כדי לערוך סגנון כותרת של תבנית בסיס</a:t>
             </a:r>
             <a:endParaRPr lang="en-US" dirty="0"/>
@@ -3335,35 +3342,35 @@
           <a:p>
             <a:pPr lvl="0"/>
             <a:r>
-              <a:rPr lang="he-IL" smtClean="0"/>
+              <a:rPr lang="he-IL"/>
               <a:t>ערוך סגנונות טקסט של תבנית בסיס</a:t>
             </a:r>
           </a:p>
           <a:p>
             <a:pPr lvl="1"/>
             <a:r>
-              <a:rPr lang="he-IL" smtClean="0"/>
+              <a:rPr lang="he-IL"/>
               <a:t>רמה שניה</a:t>
             </a:r>
           </a:p>
           <a:p>
             <a:pPr lvl="2"/>
             <a:r>
-              <a:rPr lang="he-IL" smtClean="0"/>
+              <a:rPr lang="he-IL"/>
               <a:t>רמה שלישית</a:t>
             </a:r>
           </a:p>
           <a:p>
             <a:pPr lvl="3"/>
             <a:r>
-              <a:rPr lang="he-IL" smtClean="0"/>
+              <a:rPr lang="he-IL"/>
               <a:t>רמה רביעית</a:t>
             </a:r>
           </a:p>
           <a:p>
             <a:pPr lvl="4"/>
             <a:r>
-              <a:rPr lang="he-IL" smtClean="0"/>
+              <a:rPr lang="he-IL"/>
               <a:t>רמה חמישית</a:t>
             </a:r>
             <a:endParaRPr lang="en-US" dirty="0"/>
@@ -3387,7 +3394,7 @@
           <a:p>
             <a:fld id="{843413FE-69AF-4638-8265-5C9A900F483E}" type="datetimeFigureOut">
               <a:rPr lang="he-IL" smtClean="0"/>
-              <a:t>כ"ג/סיון/תשע"ט</a:t>
+              <a:t>כ"ט/סיון/תשע"ט</a:t>
             </a:fld>
             <a:endParaRPr lang="he-IL"/>
           </a:p>
@@ -3490,7 +3497,7 @@
           </a:lstStyle>
           <a:p>
             <a:r>
-              <a:rPr lang="he-IL" smtClean="0"/>
+              <a:rPr lang="he-IL"/>
               <a:t>לחץ כדי לערוך סגנון כותרת של תבנית בסיס</a:t>
             </a:r>
             <a:endParaRPr lang="en-US" dirty="0"/>
@@ -3611,7 +3618,7 @@
           <a:p>
             <a:pPr lvl="0"/>
             <a:r>
-              <a:rPr lang="he-IL" smtClean="0"/>
+              <a:rPr lang="he-IL"/>
               <a:t>ערוך סגנונות טקסט של תבנית בסיס</a:t>
             </a:r>
           </a:p>
@@ -3634,7 +3641,7 @@
           <a:p>
             <a:fld id="{843413FE-69AF-4638-8265-5C9A900F483E}" type="datetimeFigureOut">
               <a:rPr lang="he-IL" smtClean="0"/>
-              <a:t>כ"ג/סיון/תשע"ט</a:t>
+              <a:t>כ"ט/סיון/תשע"ט</a:t>
             </a:fld>
             <a:endParaRPr lang="he-IL"/>
           </a:p>
@@ -3728,7 +3735,7 @@
           <a:lstStyle/>
           <a:p>
             <a:r>
-              <a:rPr lang="he-IL" smtClean="0"/>
+              <a:rPr lang="he-IL"/>
               <a:t>לחץ כדי לערוך סגנון כותרת של תבנית בסיס</a:t>
             </a:r>
             <a:endParaRPr lang="en-US" dirty="0"/>
@@ -3787,35 +3794,35 @@
           <a:p>
             <a:pPr lvl="0"/>
             <a:r>
-              <a:rPr lang="he-IL" smtClean="0"/>
+              <a:rPr lang="he-IL"/>
               <a:t>ערוך סגנונות טקסט של תבנית בסיס</a:t>
             </a:r>
           </a:p>
           <a:p>
             <a:pPr lvl="1"/>
             <a:r>
-              <a:rPr lang="he-IL" smtClean="0"/>
+              <a:rPr lang="he-IL"/>
               <a:t>רמה שניה</a:t>
             </a:r>
           </a:p>
           <a:p>
             <a:pPr lvl="2"/>
             <a:r>
-              <a:rPr lang="he-IL" smtClean="0"/>
+              <a:rPr lang="he-IL"/>
               <a:t>רמה שלישית</a:t>
             </a:r>
           </a:p>
           <a:p>
             <a:pPr lvl="3"/>
             <a:r>
-              <a:rPr lang="he-IL" smtClean="0"/>
+              <a:rPr lang="he-IL"/>
               <a:t>רמה רביעית</a:t>
             </a:r>
           </a:p>
           <a:p>
             <a:pPr lvl="4"/>
             <a:r>
-              <a:rPr lang="he-IL" smtClean="0"/>
+              <a:rPr lang="he-IL"/>
               <a:t>רמה חמישית</a:t>
             </a:r>
             <a:endParaRPr lang="en-US" dirty="0"/>
@@ -3874,35 +3881,35 @@
           <a:p>
             <a:pPr lvl="0"/>
             <a:r>
-              <a:rPr lang="he-IL" smtClean="0"/>
+              <a:rPr lang="he-IL"/>
               <a:t>ערוך סגנונות טקסט של תבנית בסיס</a:t>
             </a:r>
           </a:p>
           <a:p>
             <a:pPr lvl="1"/>
             <a:r>
-              <a:rPr lang="he-IL" smtClean="0"/>
+              <a:rPr lang="he-IL"/>
               <a:t>רמה שניה</a:t>
             </a:r>
           </a:p>
           <a:p>
             <a:pPr lvl="2"/>
             <a:r>
-              <a:rPr lang="he-IL" smtClean="0"/>
+              <a:rPr lang="he-IL"/>
               <a:t>רמה שלישית</a:t>
             </a:r>
           </a:p>
           <a:p>
             <a:pPr lvl="3"/>
             <a:r>
-              <a:rPr lang="he-IL" smtClean="0"/>
+              <a:rPr lang="he-IL"/>
               <a:t>רמה רביעית</a:t>
             </a:r>
           </a:p>
           <a:p>
             <a:pPr lvl="4"/>
             <a:r>
-              <a:rPr lang="he-IL" smtClean="0"/>
+              <a:rPr lang="he-IL"/>
               <a:t>רמה חמישית</a:t>
             </a:r>
             <a:endParaRPr lang="en-US" dirty="0"/>
@@ -3926,7 +3933,7 @@
           <a:p>
             <a:fld id="{843413FE-69AF-4638-8265-5C9A900F483E}" type="datetimeFigureOut">
               <a:rPr lang="he-IL" smtClean="0"/>
-              <a:t>כ"ג/סיון/תשע"ט</a:t>
+              <a:t>כ"ט/סיון/תשע"ט</a:t>
             </a:fld>
             <a:endParaRPr lang="he-IL"/>
           </a:p>
@@ -4024,7 +4031,7 @@
           </a:lstStyle>
           <a:p>
             <a:r>
-              <a:rPr lang="he-IL" smtClean="0"/>
+              <a:rPr lang="he-IL"/>
               <a:t>לחץ כדי לערוך סגנון כותרת של תבנית בסיס</a:t>
             </a:r>
             <a:endParaRPr lang="en-US" dirty="0"/>
@@ -4099,7 +4106,7 @@
           <a:p>
             <a:pPr lvl="0"/>
             <a:r>
-              <a:rPr lang="he-IL" smtClean="0"/>
+              <a:rPr lang="he-IL"/>
               <a:t>ערוך סגנונות טקסט של תבנית בסיס</a:t>
             </a:r>
           </a:p>
@@ -4157,35 +4164,35 @@
           <a:p>
             <a:pPr lvl="0"/>
             <a:r>
-              <a:rPr lang="he-IL" smtClean="0"/>
+              <a:rPr lang="he-IL"/>
               <a:t>ערוך סגנונות טקסט של תבנית בסיס</a:t>
             </a:r>
           </a:p>
           <a:p>
             <a:pPr lvl="1"/>
             <a:r>
-              <a:rPr lang="he-IL" smtClean="0"/>
+              <a:rPr lang="he-IL"/>
               <a:t>רמה שניה</a:t>
             </a:r>
           </a:p>
           <a:p>
             <a:pPr lvl="2"/>
             <a:r>
-              <a:rPr lang="he-IL" smtClean="0"/>
+              <a:rPr lang="he-IL"/>
               <a:t>רמה שלישית</a:t>
             </a:r>
           </a:p>
           <a:p>
             <a:pPr lvl="3"/>
             <a:r>
-              <a:rPr lang="he-IL" smtClean="0"/>
+              <a:rPr lang="he-IL"/>
               <a:t>רמה רביעית</a:t>
             </a:r>
           </a:p>
           <a:p>
             <a:pPr lvl="4"/>
             <a:r>
-              <a:rPr lang="he-IL" smtClean="0"/>
+              <a:rPr lang="he-IL"/>
               <a:t>רמה חמישית</a:t>
             </a:r>
             <a:endParaRPr lang="en-US" dirty="0"/>
@@ -4260,7 +4267,7 @@
           <a:p>
             <a:pPr lvl="0"/>
             <a:r>
-              <a:rPr lang="he-IL" smtClean="0"/>
+              <a:rPr lang="he-IL"/>
               <a:t>ערוך סגנונות טקסט של תבנית בסיס</a:t>
             </a:r>
           </a:p>
@@ -4318,35 +4325,35 @@
           <a:p>
             <a:pPr lvl="0"/>
             <a:r>
-              <a:rPr lang="he-IL" smtClean="0"/>
+              <a:rPr lang="he-IL"/>
               <a:t>ערוך סגנונות טקסט של תבנית בסיס</a:t>
             </a:r>
           </a:p>
           <a:p>
             <a:pPr lvl="1"/>
             <a:r>
-              <a:rPr lang="he-IL" smtClean="0"/>
+              <a:rPr lang="he-IL"/>
               <a:t>רמה שניה</a:t>
             </a:r>
           </a:p>
           <a:p>
             <a:pPr lvl="2"/>
             <a:r>
-              <a:rPr lang="he-IL" smtClean="0"/>
+              <a:rPr lang="he-IL"/>
               <a:t>רמה שלישית</a:t>
             </a:r>
           </a:p>
           <a:p>
             <a:pPr lvl="3"/>
             <a:r>
-              <a:rPr lang="he-IL" smtClean="0"/>
+              <a:rPr lang="he-IL"/>
               <a:t>רמה רביעית</a:t>
             </a:r>
           </a:p>
           <a:p>
             <a:pPr lvl="4"/>
             <a:r>
-              <a:rPr lang="he-IL" smtClean="0"/>
+              <a:rPr lang="he-IL"/>
               <a:t>רמה חמישית</a:t>
             </a:r>
             <a:endParaRPr lang="en-US" dirty="0"/>
@@ -4370,7 +4377,7 @@
           <a:p>
             <a:fld id="{843413FE-69AF-4638-8265-5C9A900F483E}" type="datetimeFigureOut">
               <a:rPr lang="he-IL" smtClean="0"/>
-              <a:t>כ"ג/סיון/תשע"ט</a:t>
+              <a:t>כ"ט/סיון/תשע"ט</a:t>
             </a:fld>
             <a:endParaRPr lang="he-IL"/>
           </a:p>
@@ -4464,7 +4471,7 @@
           <a:lstStyle/>
           <a:p>
             <a:r>
-              <a:rPr lang="he-IL" smtClean="0"/>
+              <a:rPr lang="he-IL"/>
               <a:t>לחץ כדי לערוך סגנון כותרת של תבנית בסיס</a:t>
             </a:r>
             <a:endParaRPr lang="en-US" dirty="0"/>
@@ -4488,7 +4495,7 @@
           <a:p>
             <a:fld id="{843413FE-69AF-4638-8265-5C9A900F483E}" type="datetimeFigureOut">
               <a:rPr lang="he-IL" smtClean="0"/>
-              <a:t>כ"ג/סיון/תשע"ט</a:t>
+              <a:t>כ"ט/סיון/תשע"ט</a:t>
             </a:fld>
             <a:endParaRPr lang="he-IL"/>
           </a:p>
@@ -4583,7 +4590,7 @@
           <a:p>
             <a:fld id="{843413FE-69AF-4638-8265-5C9A900F483E}" type="datetimeFigureOut">
               <a:rPr lang="he-IL" smtClean="0"/>
-              <a:t>כ"ג/סיון/תשע"ט</a:t>
+              <a:t>כ"ט/סיון/תשע"ט</a:t>
             </a:fld>
             <a:endParaRPr lang="he-IL"/>
           </a:p>
@@ -4686,7 +4693,7 @@
           </a:lstStyle>
           <a:p>
             <a:r>
-              <a:rPr lang="he-IL" smtClean="0"/>
+              <a:rPr lang="he-IL"/>
               <a:t>לחץ כדי לערוך סגנון כותרת של תבנית בסיס</a:t>
             </a:r>
             <a:endParaRPr lang="en-US" dirty="0"/>
@@ -4745,35 +4752,35 @@
           <a:p>
             <a:pPr lvl="0"/>
             <a:r>
-              <a:rPr lang="he-IL" smtClean="0"/>
+              <a:rPr lang="he-IL"/>
               <a:t>ערוך סגנונות טקסט של תבנית בסיס</a:t>
             </a:r>
           </a:p>
           <a:p>
             <a:pPr lvl="1"/>
             <a:r>
-              <a:rPr lang="he-IL" smtClean="0"/>
+              <a:rPr lang="he-IL"/>
               <a:t>רמה שניה</a:t>
             </a:r>
           </a:p>
           <a:p>
             <a:pPr lvl="2"/>
             <a:r>
-              <a:rPr lang="he-IL" smtClean="0"/>
+              <a:rPr lang="he-IL"/>
               <a:t>רמה שלישית</a:t>
             </a:r>
           </a:p>
           <a:p>
             <a:pPr lvl="3"/>
             <a:r>
-              <a:rPr lang="he-IL" smtClean="0"/>
+              <a:rPr lang="he-IL"/>
               <a:t>רמה רביעית</a:t>
             </a:r>
           </a:p>
           <a:p>
             <a:pPr lvl="4"/>
             <a:r>
-              <a:rPr lang="he-IL" smtClean="0"/>
+              <a:rPr lang="he-IL"/>
               <a:t>רמה חמישית</a:t>
             </a:r>
             <a:endParaRPr lang="en-US" dirty="0"/>
@@ -4839,7 +4846,7 @@
           <a:p>
             <a:pPr lvl="0"/>
             <a:r>
-              <a:rPr lang="he-IL" smtClean="0"/>
+              <a:rPr lang="he-IL"/>
               <a:t>ערוך סגנונות טקסט של תבנית בסיס</a:t>
             </a:r>
           </a:p>
@@ -4862,7 +4869,7 @@
           <a:p>
             <a:fld id="{843413FE-69AF-4638-8265-5C9A900F483E}" type="datetimeFigureOut">
               <a:rPr lang="he-IL" smtClean="0"/>
-              <a:t>כ"ג/סיון/תשע"ט</a:t>
+              <a:t>כ"ט/סיון/תשע"ט</a:t>
             </a:fld>
             <a:endParaRPr lang="he-IL"/>
           </a:p>
@@ -4967,7 +4974,7 @@
           </a:lstStyle>
           <a:p>
             <a:r>
-              <a:rPr lang="he-IL" smtClean="0"/>
+              <a:rPr lang="he-IL"/>
               <a:t>לחץ כדי לערוך סגנון כותרת של תבנית בסיס</a:t>
             </a:r>
             <a:endParaRPr lang="en-US" dirty="0"/>
@@ -5046,7 +5053,7 @@
           </a:lstStyle>
           <a:p>
             <a:r>
-              <a:rPr lang="he-IL" smtClean="0"/>
+              <a:rPr lang="he-IL"/>
               <a:t>לחץ על הסמל כדי להוסיף תמונה</a:t>
             </a:r>
             <a:endParaRPr lang="en-US" dirty="0"/>
@@ -5114,7 +5121,7 @@
           <a:p>
             <a:pPr lvl="0"/>
             <a:r>
-              <a:rPr lang="he-IL" smtClean="0"/>
+              <a:rPr lang="he-IL"/>
               <a:t>ערוך סגנונות טקסט של תבנית בסיס</a:t>
             </a:r>
           </a:p>
@@ -5137,7 +5144,7 @@
           <a:p>
             <a:fld id="{843413FE-69AF-4638-8265-5C9A900F483E}" type="datetimeFigureOut">
               <a:rPr lang="he-IL" smtClean="0"/>
-              <a:t>כ"ג/סיון/תשע"ט</a:t>
+              <a:t>כ"ט/סיון/תשע"ט</a:t>
             </a:fld>
             <a:endParaRPr lang="he-IL"/>
           </a:p>
@@ -5461,7 +5468,7 @@
           <a:lstStyle/>
           <a:p>
             <a:r>
-              <a:rPr lang="he-IL" smtClean="0"/>
+              <a:rPr lang="he-IL"/>
               <a:t>לחץ כדי לערוך סגנון כותרת של תבנית בסיס</a:t>
             </a:r>
             <a:endParaRPr lang="en-US" dirty="0"/>
@@ -5495,35 +5502,35 @@
           <a:p>
             <a:pPr lvl="0"/>
             <a:r>
-              <a:rPr lang="he-IL" smtClean="0"/>
+              <a:rPr lang="he-IL"/>
               <a:t>ערוך סגנונות טקסט של תבנית בסיס</a:t>
             </a:r>
           </a:p>
           <a:p>
             <a:pPr lvl="1"/>
             <a:r>
-              <a:rPr lang="he-IL" smtClean="0"/>
+              <a:rPr lang="he-IL"/>
               <a:t>רמה שניה</a:t>
             </a:r>
           </a:p>
           <a:p>
             <a:pPr lvl="2"/>
             <a:r>
-              <a:rPr lang="he-IL" smtClean="0"/>
+              <a:rPr lang="he-IL"/>
               <a:t>רמה שלישית</a:t>
             </a:r>
           </a:p>
           <a:p>
             <a:pPr lvl="3"/>
             <a:r>
-              <a:rPr lang="he-IL" smtClean="0"/>
+              <a:rPr lang="he-IL"/>
               <a:t>רמה רביעית</a:t>
             </a:r>
           </a:p>
           <a:p>
             <a:pPr lvl="4"/>
             <a:r>
-              <a:rPr lang="he-IL" smtClean="0"/>
+              <a:rPr lang="he-IL"/>
               <a:t>רמה חמישית</a:t>
             </a:r>
             <a:endParaRPr lang="en-US" dirty="0"/>
@@ -5566,7 +5573,7 @@
           <a:p>
             <a:fld id="{843413FE-69AF-4638-8265-5C9A900F483E}" type="datetimeFigureOut">
               <a:rPr lang="he-IL" smtClean="0"/>
-              <a:t>כ"ג/סיון/תשע"ט</a:t>
+              <a:t>כ"ט/סיון/תשע"ט</a:t>
             </a:fld>
             <a:endParaRPr lang="he-IL"/>
           </a:p>
@@ -6118,14 +6125,14 @@
           <a:p>
             <a:pPr algn="ctr"/>
             <a:r>
-              <a:rPr lang="he-IL" sz="7200" dirty="0" smtClean="0">
+              <a:rPr lang="he-IL" sz="7200" dirty="0">
                 <a:latin typeface="Calibri" panose="020F0502020204030204" pitchFamily="34" charset="0"/>
                 <a:cs typeface="Calibri" panose="020F0502020204030204" pitchFamily="34" charset="0"/>
               </a:rPr>
               <a:t>צוללות - </a:t>
             </a:r>
             <a:r>
-              <a:rPr lang="en-US" sz="7200" dirty="0" err="1" smtClean="0">
+              <a:rPr lang="en-US" sz="7200" dirty="0" err="1">
                 <a:latin typeface="Calibri" panose="020F0502020204030204" pitchFamily="34" charset="0"/>
                 <a:cs typeface="Calibri" panose="020F0502020204030204" pitchFamily="34" charset="0"/>
               </a:rPr>
@@ -6162,59 +6169,51 @@
           <a:p>
             <a:pPr algn="r"/>
             <a:r>
-              <a:rPr lang="he-IL" sz="3200" dirty="0" smtClean="0">
+              <a:rPr lang="he-IL" sz="3200" dirty="0">
                 <a:latin typeface="Calibri" panose="020F0502020204030204" pitchFamily="34" charset="0"/>
                 <a:cs typeface="Calibri" panose="020F0502020204030204" pitchFamily="34" charset="0"/>
               </a:rPr>
-              <a:t>מתן לביב – ת"ז:</a:t>
-            </a:r>
-          </a:p>
-          <a:p>
-            <a:pPr algn="r"/>
-            <a:r>
-              <a:rPr lang="he-IL" sz="3200" dirty="0" smtClean="0">
+              <a:t>מתן לביב </a:t>
+            </a:r>
+            <a:br>
+              <a:rPr lang="en-US" sz="3200" dirty="0">
+                <a:latin typeface="Calibri" panose="020F0502020204030204" pitchFamily="34" charset="0"/>
+                <a:cs typeface="Calibri" panose="020F0502020204030204" pitchFamily="34" charset="0"/>
+              </a:rPr>
+            </a:br>
+            <a:r>
+              <a:rPr lang="he-IL" sz="3200" dirty="0">
                 <a:latin typeface="Calibri" panose="020F0502020204030204" pitchFamily="34" charset="0"/>
                 <a:cs typeface="Calibri" panose="020F0502020204030204" pitchFamily="34" charset="0"/>
               </a:rPr>
               <a:t>סער </a:t>
             </a:r>
             <a:r>
-              <a:rPr lang="he-IL" sz="3200" dirty="0" err="1" smtClean="0">
+              <a:rPr lang="he-IL" sz="3200" dirty="0" err="1">
                 <a:latin typeface="Calibri" panose="020F0502020204030204" pitchFamily="34" charset="0"/>
                 <a:cs typeface="Calibri" panose="020F0502020204030204" pitchFamily="34" charset="0"/>
               </a:rPr>
               <a:t>רפאילוב</a:t>
             </a:r>
             <a:r>
-              <a:rPr lang="he-IL" sz="3200" dirty="0" smtClean="0">
+              <a:rPr lang="he-IL" sz="3200" dirty="0">
                 <a:latin typeface="Calibri" panose="020F0502020204030204" pitchFamily="34" charset="0"/>
                 <a:cs typeface="Calibri" panose="020F0502020204030204" pitchFamily="34" charset="0"/>
               </a:rPr>
               <a:t> </a:t>
             </a:r>
+            <a:br>
+              <a:rPr lang="en-US" sz="3200" dirty="0">
+                <a:latin typeface="Calibri" panose="020F0502020204030204" pitchFamily="34" charset="0"/>
+                <a:cs typeface="Calibri" panose="020F0502020204030204" pitchFamily="34" charset="0"/>
+              </a:rPr>
+            </a:br>
             <a:r>
               <a:rPr lang="he-IL" sz="3200" dirty="0">
                 <a:latin typeface="Calibri" panose="020F0502020204030204" pitchFamily="34" charset="0"/>
                 <a:cs typeface="Calibri" panose="020F0502020204030204" pitchFamily="34" charset="0"/>
               </a:rPr>
-              <a:t>– ת"ז</a:t>
-            </a:r>
-            <a:r>
-              <a:rPr lang="he-IL" sz="3200" dirty="0" smtClean="0">
-                <a:latin typeface="Calibri" panose="020F0502020204030204" pitchFamily="34" charset="0"/>
-                <a:cs typeface="Calibri" panose="020F0502020204030204" pitchFamily="34" charset="0"/>
-              </a:rPr>
-              <a:t>:</a:t>
-            </a:r>
-          </a:p>
-          <a:p>
-            <a:pPr algn="r"/>
-            <a:r>
-              <a:rPr lang="he-IL" sz="3200" dirty="0" smtClean="0">
-                <a:latin typeface="Calibri" panose="020F0502020204030204" pitchFamily="34" charset="0"/>
-                <a:cs typeface="Calibri" panose="020F0502020204030204" pitchFamily="34" charset="0"/>
-              </a:rPr>
-              <a:t>דניאל מנור – ת"ז: 315838417</a:t>
+              <a:t>דניאל מנור</a:t>
             </a:r>
           </a:p>
         </p:txBody>
@@ -6349,6 +6348,209 @@
     <p:extLst>
       <p:ext uri="{BB962C8B-B14F-4D97-AF65-F5344CB8AC3E}">
         <p14:creationId xmlns:p14="http://schemas.microsoft.com/office/powerpoint/2010/main" val="3012691471"/>
+      </p:ext>
+    </p:extLst>
+  </p:cSld>
+  <p:clrMapOvr>
+    <a:masterClrMapping/>
+  </p:clrMapOvr>
+</p:sld>
+</file>
+
+<file path=ppt/slides/slide10.xml><?xml version="1.0" encoding="utf-8"?>
+<p:sld xmlns:a="http://schemas.openxmlformats.org/drawingml/2006/main" xmlns:r="http://schemas.openxmlformats.org/officeDocument/2006/relationships" xmlns:p="http://schemas.openxmlformats.org/presentationml/2006/main">
+  <p:cSld>
+    <p:spTree>
+      <p:nvGrpSpPr>
+        <p:cNvPr id="1" name=""/>
+        <p:cNvGrpSpPr/>
+        <p:nvPr/>
+      </p:nvGrpSpPr>
+      <p:grpSpPr>
+        <a:xfrm>
+          <a:off x="0" y="0"/>
+          <a:ext cx="0" cy="0"/>
+          <a:chOff x="0" y="0"/>
+          <a:chExt cx="0" cy="0"/>
+        </a:xfrm>
+      </p:grpSpPr>
+      <p:sp>
+        <p:nvSpPr>
+          <p:cNvPr id="2" name="כותרת 1"/>
+          <p:cNvSpPr>
+            <a:spLocks noGrp="1"/>
+          </p:cNvSpPr>
+          <p:nvPr>
+            <p:ph type="title"/>
+          </p:nvPr>
+        </p:nvSpPr>
+        <p:spPr>
+          <a:xfrm>
+            <a:off x="1870404" y="684538"/>
+            <a:ext cx="7870535" cy="951079"/>
+          </a:xfrm>
+        </p:spPr>
+        <p:txBody>
+          <a:bodyPr/>
+          <a:lstStyle/>
+          <a:p>
+            <a:pPr algn="ctr"/>
+            <a:r>
+              <a:rPr lang="he-IL" sz="5400" dirty="0">
+                <a:latin typeface="Calibri" panose="020F0502020204030204" pitchFamily="34" charset="0"/>
+                <a:cs typeface="Calibri" panose="020F0502020204030204" pitchFamily="34" charset="0"/>
+              </a:rPr>
+              <a:t>בעיות בהן נתקלנו ואיך פתרנו</a:t>
+            </a:r>
+          </a:p>
+        </p:txBody>
+      </p:sp>
+      <p:sp>
+        <p:nvSpPr>
+          <p:cNvPr id="3" name="מציין מיקום תוכן 2"/>
+          <p:cNvSpPr>
+            <a:spLocks noGrp="1"/>
+          </p:cNvSpPr>
+          <p:nvPr>
+            <p:ph idx="1"/>
+          </p:nvPr>
+        </p:nvSpPr>
+        <p:spPr>
+          <a:xfrm>
+            <a:off x="1332400" y="2194585"/>
+            <a:ext cx="8946541" cy="4195481"/>
+          </a:xfrm>
+        </p:spPr>
+        <p:txBody>
+          <a:bodyPr>
+            <a:normAutofit/>
+          </a:bodyPr>
+          <a:lstStyle/>
+          <a:p>
+            <a:r>
+              <a:rPr lang="he-IL" sz="3200" dirty="0">
+                <a:latin typeface="Calibri" panose="020F0502020204030204" pitchFamily="34" charset="0"/>
+                <a:cs typeface="Calibri" panose="020F0502020204030204" pitchFamily="34" charset="0"/>
+              </a:rPr>
+              <a:t>בעיות בתשדורת – </a:t>
+            </a:r>
+            <a:r>
+              <a:rPr lang="en-US" sz="3200" dirty="0">
+                <a:latin typeface="Calibri" panose="020F0502020204030204" pitchFamily="34" charset="0"/>
+                <a:cs typeface="Calibri" panose="020F0502020204030204" pitchFamily="34" charset="0"/>
+              </a:rPr>
+              <a:t>UART</a:t>
+            </a:r>
+            <a:endParaRPr lang="he-IL" sz="3200" dirty="0">
+              <a:latin typeface="Calibri" panose="020F0502020204030204" pitchFamily="34" charset="0"/>
+              <a:cs typeface="Calibri" panose="020F0502020204030204" pitchFamily="34" charset="0"/>
+            </a:endParaRPr>
+          </a:p>
+          <a:p>
+            <a:r>
+              <a:rPr lang="he-IL" sz="3200" dirty="0">
+                <a:latin typeface="Calibri" panose="020F0502020204030204" pitchFamily="34" charset="0"/>
+                <a:cs typeface="Calibri" panose="020F0502020204030204" pitchFamily="34" charset="0"/>
+              </a:rPr>
+              <a:t>שימוש בפסיקות חיצוניות</a:t>
+            </a:r>
+          </a:p>
+          <a:p>
+            <a:r>
+              <a:rPr lang="he-IL" sz="3200" dirty="0">
+                <a:latin typeface="Calibri" panose="020F0502020204030204" pitchFamily="34" charset="0"/>
+                <a:cs typeface="Calibri" panose="020F0502020204030204" pitchFamily="34" charset="0"/>
+              </a:rPr>
+              <a:t>בעיות סנכרון זמנים – </a:t>
+            </a:r>
+            <a:r>
+              <a:rPr lang="en-US" sz="3200" dirty="0">
+                <a:latin typeface="Calibri" panose="020F0502020204030204" pitchFamily="34" charset="0"/>
+                <a:cs typeface="Calibri" panose="020F0502020204030204" pitchFamily="34" charset="0"/>
+              </a:rPr>
+              <a:t>8051, ARM</a:t>
+            </a:r>
+            <a:endParaRPr lang="he-IL" sz="3200" dirty="0">
+              <a:latin typeface="Calibri" panose="020F0502020204030204" pitchFamily="34" charset="0"/>
+              <a:cs typeface="Calibri" panose="020F0502020204030204" pitchFamily="34" charset="0"/>
+            </a:endParaRPr>
+          </a:p>
+          <a:p>
+            <a:r>
+              <a:rPr lang="he-IL" sz="3200" dirty="0">
+                <a:latin typeface="Calibri" panose="020F0502020204030204" pitchFamily="34" charset="0"/>
+                <a:cs typeface="Calibri" panose="020F0502020204030204" pitchFamily="34" charset="0"/>
+              </a:rPr>
+              <a:t>בעיות מגעים של הלחצנים</a:t>
+            </a:r>
+          </a:p>
+        </p:txBody>
+      </p:sp>
+    </p:spTree>
+    <p:extLst>
+      <p:ext uri="{BB962C8B-B14F-4D97-AF65-F5344CB8AC3E}">
+        <p14:creationId xmlns:p14="http://schemas.microsoft.com/office/powerpoint/2010/main" val="3547512910"/>
+      </p:ext>
+    </p:extLst>
+  </p:cSld>
+  <p:clrMapOvr>
+    <a:masterClrMapping/>
+  </p:clrMapOvr>
+</p:sld>
+</file>
+
+<file path=ppt/slides/slide11.xml><?xml version="1.0" encoding="utf-8"?>
+<p:sld xmlns:a="http://schemas.openxmlformats.org/drawingml/2006/main" xmlns:r="http://schemas.openxmlformats.org/officeDocument/2006/relationships" xmlns:p="http://schemas.openxmlformats.org/presentationml/2006/main">
+  <p:cSld>
+    <p:spTree>
+      <p:nvGrpSpPr>
+        <p:cNvPr id="1" name=""/>
+        <p:cNvGrpSpPr/>
+        <p:nvPr/>
+      </p:nvGrpSpPr>
+      <p:grpSpPr>
+        <a:xfrm>
+          <a:off x="0" y="0"/>
+          <a:ext cx="0" cy="0"/>
+          <a:chOff x="0" y="0"/>
+          <a:chExt cx="0" cy="0"/>
+        </a:xfrm>
+      </p:grpSpPr>
+      <p:sp>
+        <p:nvSpPr>
+          <p:cNvPr id="2" name="כותרת 1"/>
+          <p:cNvSpPr>
+            <a:spLocks noGrp="1"/>
+          </p:cNvSpPr>
+          <p:nvPr>
+            <p:ph type="title"/>
+          </p:nvPr>
+        </p:nvSpPr>
+        <p:spPr>
+          <a:xfrm>
+            <a:off x="1174145" y="529992"/>
+            <a:ext cx="9404723" cy="1400530"/>
+          </a:xfrm>
+        </p:spPr>
+        <p:txBody>
+          <a:bodyPr/>
+          <a:lstStyle/>
+          <a:p>
+            <a:pPr algn="ctr"/>
+            <a:r>
+              <a:rPr lang="he-IL" sz="6000" dirty="0">
+                <a:latin typeface="Calibri" panose="020F0502020204030204" pitchFamily="34" charset="0"/>
+                <a:cs typeface="Calibri" panose="020F0502020204030204" pitchFamily="34" charset="0"/>
+              </a:rPr>
+              <a:t>סרטון הדגמה</a:t>
+            </a:r>
+          </a:p>
+        </p:txBody>
+      </p:sp>
+    </p:spTree>
+    <p:extLst>
+      <p:ext uri="{BB962C8B-B14F-4D97-AF65-F5344CB8AC3E}">
+        <p14:creationId xmlns:p14="http://schemas.microsoft.com/office/powerpoint/2010/main" val="1550869796"/>
       </p:ext>
     </p:extLst>
   </p:cSld>
@@ -6421,7 +6623,7 @@
           <a:p>
             <a:pPr algn="r"/>
             <a:r>
-              <a:rPr lang="he-IL" sz="6600" dirty="0" smtClean="0">
+              <a:rPr lang="he-IL" sz="6600" dirty="0">
                 <a:latin typeface="Calibri" panose="020F0502020204030204" pitchFamily="34" charset="0"/>
                 <a:cs typeface="Calibri" panose="020F0502020204030204" pitchFamily="34" charset="0"/>
               </a:rPr>
@@ -6457,7 +6659,7 @@
           <a:lstStyle/>
           <a:p>
             <a:r>
-              <a:rPr lang="he-IL" sz="3000" dirty="0" smtClean="0">
+              <a:rPr lang="he-IL" sz="3000" dirty="0">
                 <a:latin typeface="Calibri" panose="020F0502020204030204" pitchFamily="34" charset="0"/>
                 <a:cs typeface="Calibri" panose="020F0502020204030204" pitchFamily="34" charset="0"/>
               </a:rPr>
@@ -6466,7 +6668,7 @@
           </a:p>
           <a:p>
             <a:r>
-              <a:rPr lang="he-IL" sz="3000" dirty="0" smtClean="0">
+              <a:rPr lang="he-IL" sz="3000" dirty="0">
                 <a:latin typeface="Calibri" panose="020F0502020204030204" pitchFamily="34" charset="0"/>
                 <a:cs typeface="Calibri" panose="020F0502020204030204" pitchFamily="34" charset="0"/>
               </a:rPr>
@@ -6475,7 +6677,7 @@
           </a:p>
           <a:p>
             <a:r>
-              <a:rPr lang="he-IL" sz="3000" dirty="0" smtClean="0">
+              <a:rPr lang="he-IL" sz="3000" dirty="0">
                 <a:latin typeface="Calibri" panose="020F0502020204030204" pitchFamily="34" charset="0"/>
                 <a:cs typeface="Calibri" panose="020F0502020204030204" pitchFamily="34" charset="0"/>
               </a:rPr>
@@ -6484,7 +6686,7 @@
           </a:p>
           <a:p>
             <a:r>
-              <a:rPr lang="he-IL" sz="3000" dirty="0" smtClean="0">
+              <a:rPr lang="he-IL" sz="3000" dirty="0">
                 <a:latin typeface="Calibri" panose="020F0502020204030204" pitchFamily="34" charset="0"/>
                 <a:cs typeface="Calibri" panose="020F0502020204030204" pitchFamily="34" charset="0"/>
               </a:rPr>
@@ -6493,7 +6695,7 @@
           </a:p>
           <a:p>
             <a:r>
-              <a:rPr lang="he-IL" sz="3000" dirty="0" smtClean="0">
+              <a:rPr lang="he-IL" sz="3000" dirty="0">
                 <a:latin typeface="Calibri" panose="020F0502020204030204" pitchFamily="34" charset="0"/>
                 <a:cs typeface="Calibri" panose="020F0502020204030204" pitchFamily="34" charset="0"/>
               </a:rPr>
@@ -6634,7 +6836,7 @@
           <a:p>
             <a:pPr algn="ctr"/>
             <a:r>
-              <a:rPr lang="en-US" sz="6000" dirty="0" smtClean="0"/>
+              <a:rPr lang="en-US" sz="6000" dirty="0"/>
               <a:t>Block Diagram</a:t>
             </a:r>
             <a:endParaRPr lang="he-IL" sz="6000" dirty="0"/>
@@ -6671,6 +6873,118 @@
           </a:prstGeom>
         </p:spPr>
       </p:pic>
+      <p:sp>
+        <p:nvSpPr>
+          <p:cNvPr id="3" name="מלבן 2">
+            <a:extLst>
+              <a:ext uri="{FF2B5EF4-FFF2-40B4-BE49-F238E27FC236}">
+                <a16:creationId xmlns:a16="http://schemas.microsoft.com/office/drawing/2014/main" id="{604BDCC1-8EE4-42FC-A07A-77749CA79B56}"/>
+              </a:ext>
+            </a:extLst>
+          </p:cNvPr>
+          <p:cNvSpPr/>
+          <p:nvPr/>
+        </p:nvSpPr>
+        <p:spPr>
+          <a:xfrm>
+            <a:off x="5841402" y="1678193"/>
+            <a:ext cx="1762626" cy="1061855"/>
+          </a:xfrm>
+          <a:prstGeom prst="rect">
+            <a:avLst/>
+          </a:prstGeom>
+          <a:solidFill>
+            <a:schemeClr val="tx1"/>
+          </a:solidFill>
+          <a:ln>
+            <a:solidFill>
+              <a:schemeClr val="tx1"/>
+            </a:solidFill>
+          </a:ln>
+        </p:spPr>
+        <p:style>
+          <a:lnRef idx="2">
+            <a:schemeClr val="accent6"/>
+          </a:lnRef>
+          <a:fillRef idx="1">
+            <a:schemeClr val="lt1"/>
+          </a:fillRef>
+          <a:effectRef idx="0">
+            <a:schemeClr val="accent6"/>
+          </a:effectRef>
+          <a:fontRef idx="minor">
+            <a:schemeClr val="dk1"/>
+          </a:fontRef>
+        </p:style>
+        <p:txBody>
+          <a:bodyPr rtlCol="1" anchor="ctr"/>
+          <a:lstStyle/>
+          <a:p>
+            <a:pPr algn="ctr"/>
+            <a:endParaRPr lang="he-IL">
+              <a:solidFill>
+                <a:schemeClr val="tx1"/>
+              </a:solidFill>
+            </a:endParaRPr>
+          </a:p>
+        </p:txBody>
+      </p:sp>
+      <p:sp>
+        <p:nvSpPr>
+          <p:cNvPr id="6" name="מלבן 5">
+            <a:extLst>
+              <a:ext uri="{FF2B5EF4-FFF2-40B4-BE49-F238E27FC236}">
+                <a16:creationId xmlns:a16="http://schemas.microsoft.com/office/drawing/2014/main" id="{46230B80-C7DF-4B5B-80AA-A0F14124DBBB}"/>
+              </a:ext>
+            </a:extLst>
+          </p:cNvPr>
+          <p:cNvSpPr/>
+          <p:nvPr/>
+        </p:nvSpPr>
+        <p:spPr>
+          <a:xfrm>
+            <a:off x="2710673" y="1678193"/>
+            <a:ext cx="1762626" cy="1061855"/>
+          </a:xfrm>
+          <a:prstGeom prst="rect">
+            <a:avLst/>
+          </a:prstGeom>
+          <a:solidFill>
+            <a:schemeClr val="tx1"/>
+          </a:solidFill>
+          <a:ln>
+            <a:solidFill>
+              <a:schemeClr val="tx1"/>
+            </a:solidFill>
+          </a:ln>
+        </p:spPr>
+        <p:style>
+          <a:lnRef idx="2">
+            <a:schemeClr val="accent6"/>
+          </a:lnRef>
+          <a:fillRef idx="1">
+            <a:schemeClr val="lt1"/>
+          </a:fillRef>
+          <a:effectRef idx="0">
+            <a:schemeClr val="accent6"/>
+          </a:effectRef>
+          <a:fontRef idx="minor">
+            <a:schemeClr val="dk1"/>
+          </a:fontRef>
+        </p:style>
+        <p:txBody>
+          <a:bodyPr rtlCol="1" anchor="ctr"/>
+          <a:lstStyle/>
+          <a:p>
+            <a:pPr algn="ctr"/>
+            <a:endParaRPr lang="he-IL">
+              <a:solidFill>
+                <a:schemeClr val="tx1"/>
+              </a:solidFill>
+            </a:endParaRPr>
+          </a:p>
+        </p:txBody>
+      </p:sp>
     </p:spTree>
     <p:extLst>
       <p:ext uri="{BB962C8B-B14F-4D97-AF65-F5344CB8AC3E}">
@@ -6727,19 +7041,8 @@
                 <a:latin typeface="Calibri" panose="020F0502020204030204" pitchFamily="34" charset="0"/>
                 <a:cs typeface="Calibri" panose="020F0502020204030204" pitchFamily="34" charset="0"/>
               </a:rPr>
-              <a:t>פלטפורמת פיתוח </a:t>
-            </a:r>
-            <a:r>
-              <a:rPr lang="he-IL" sz="5400" dirty="0" smtClean="0">
-                <a:latin typeface="Calibri" panose="020F0502020204030204" pitchFamily="34" charset="0"/>
-                <a:cs typeface="Calibri" panose="020F0502020204030204" pitchFamily="34" charset="0"/>
-              </a:rPr>
-              <a:t>והקצאת משאבים</a:t>
-            </a:r>
-            <a:endParaRPr lang="he-IL" sz="5400" dirty="0">
-              <a:latin typeface="Calibri" panose="020F0502020204030204" pitchFamily="34" charset="0"/>
-              <a:cs typeface="Calibri" panose="020F0502020204030204" pitchFamily="34" charset="0"/>
-            </a:endParaRPr>
+              <a:t>פלטפורמת פיתוח והקצאת משאבים</a:t>
+            </a:r>
           </a:p>
         </p:txBody>
       </p:sp>
@@ -6773,6 +7076,118 @@
           </a:prstGeom>
         </p:spPr>
       </p:pic>
+      <p:sp>
+        <p:nvSpPr>
+          <p:cNvPr id="5" name="מלבן 4">
+            <a:extLst>
+              <a:ext uri="{FF2B5EF4-FFF2-40B4-BE49-F238E27FC236}">
+                <a16:creationId xmlns:a16="http://schemas.microsoft.com/office/drawing/2014/main" id="{6D99607A-4E49-447F-AAC2-E234ACAE837B}"/>
+              </a:ext>
+            </a:extLst>
+          </p:cNvPr>
+          <p:cNvSpPr/>
+          <p:nvPr/>
+        </p:nvSpPr>
+        <p:spPr>
+          <a:xfrm>
+            <a:off x="6314739" y="1527586"/>
+            <a:ext cx="1955201" cy="1204856"/>
+          </a:xfrm>
+          <a:prstGeom prst="rect">
+            <a:avLst/>
+          </a:prstGeom>
+          <a:solidFill>
+            <a:schemeClr val="tx1"/>
+          </a:solidFill>
+          <a:ln>
+            <a:solidFill>
+              <a:schemeClr val="tx1"/>
+            </a:solidFill>
+          </a:ln>
+        </p:spPr>
+        <p:style>
+          <a:lnRef idx="2">
+            <a:schemeClr val="accent6"/>
+          </a:lnRef>
+          <a:fillRef idx="1">
+            <a:schemeClr val="lt1"/>
+          </a:fillRef>
+          <a:effectRef idx="0">
+            <a:schemeClr val="accent6"/>
+          </a:effectRef>
+          <a:fontRef idx="minor">
+            <a:schemeClr val="dk1"/>
+          </a:fontRef>
+        </p:style>
+        <p:txBody>
+          <a:bodyPr rtlCol="1" anchor="ctr"/>
+          <a:lstStyle/>
+          <a:p>
+            <a:pPr algn="ctr"/>
+            <a:endParaRPr lang="he-IL">
+              <a:solidFill>
+                <a:schemeClr val="tx1"/>
+              </a:solidFill>
+            </a:endParaRPr>
+          </a:p>
+        </p:txBody>
+      </p:sp>
+      <p:sp>
+        <p:nvSpPr>
+          <p:cNvPr id="6" name="מלבן 5">
+            <a:extLst>
+              <a:ext uri="{FF2B5EF4-FFF2-40B4-BE49-F238E27FC236}">
+                <a16:creationId xmlns:a16="http://schemas.microsoft.com/office/drawing/2014/main" id="{BA56FE1C-62B6-4920-90F4-90E2DFA50D94}"/>
+              </a:ext>
+            </a:extLst>
+          </p:cNvPr>
+          <p:cNvSpPr/>
+          <p:nvPr/>
+        </p:nvSpPr>
+        <p:spPr>
+          <a:xfrm>
+            <a:off x="3126239" y="1527586"/>
+            <a:ext cx="1960499" cy="926947"/>
+          </a:xfrm>
+          <a:prstGeom prst="rect">
+            <a:avLst/>
+          </a:prstGeom>
+          <a:solidFill>
+            <a:schemeClr val="tx1"/>
+          </a:solidFill>
+          <a:ln>
+            <a:solidFill>
+              <a:schemeClr val="tx1"/>
+            </a:solidFill>
+          </a:ln>
+        </p:spPr>
+        <p:style>
+          <a:lnRef idx="2">
+            <a:schemeClr val="accent6"/>
+          </a:lnRef>
+          <a:fillRef idx="1">
+            <a:schemeClr val="lt1"/>
+          </a:fillRef>
+          <a:effectRef idx="0">
+            <a:schemeClr val="accent6"/>
+          </a:effectRef>
+          <a:fontRef idx="minor">
+            <a:schemeClr val="dk1"/>
+          </a:fontRef>
+        </p:style>
+        <p:txBody>
+          <a:bodyPr rtlCol="1" anchor="ctr"/>
+          <a:lstStyle/>
+          <a:p>
+            <a:pPr algn="ctr"/>
+            <a:endParaRPr lang="he-IL">
+              <a:solidFill>
+                <a:schemeClr val="tx1"/>
+              </a:solidFill>
+            </a:endParaRPr>
+          </a:p>
+        </p:txBody>
+      </p:sp>
     </p:spTree>
     <p:extLst>
       <p:ext uri="{BB962C8B-B14F-4D97-AF65-F5344CB8AC3E}">
@@ -6825,7 +7240,7 @@
           <a:p>
             <a:pPr algn="ctr"/>
             <a:r>
-              <a:rPr lang="en-US" sz="6000" dirty="0" smtClean="0">
+              <a:rPr lang="en-US" sz="6000" dirty="0">
                 <a:latin typeface="Calibri" panose="020F0502020204030204" pitchFamily="34" charset="0"/>
                 <a:cs typeface="Calibri" panose="020F0502020204030204" pitchFamily="34" charset="0"/>
               </a:rPr>
@@ -6937,8 +7352,8 @@
           </a:p>
         </p:txBody>
       </p:sp>
-      <mc:AlternateContent xmlns:mc="http://schemas.openxmlformats.org/markup-compatibility/2006">
-        <mc:Choice xmlns:a14="http://schemas.microsoft.com/office/drawing/2010/main" Requires="a14">
+      <mc:AlternateContent xmlns:mc="http://schemas.openxmlformats.org/markup-compatibility/2006" xmlns:a14="http://schemas.microsoft.com/office/drawing/2010/main">
+        <mc:Choice Requires="a14">
           <p:sp>
             <p:nvSpPr>
               <p:cNvPr id="3" name="מציין מיקום תוכן 2"/>
@@ -6951,7 +7366,7 @@
             </p:nvSpPr>
             <p:spPr>
               <a:xfrm>
-                <a:off x="1104293" y="1853248"/>
+                <a:off x="1104291" y="1487488"/>
                 <a:ext cx="8946541" cy="4425155"/>
               </a:xfrm>
             </p:spPr>
@@ -6961,16 +7376,22 @@
               </a:bodyPr>
               <a:lstStyle/>
               <a:p>
-                <a:pPr algn="r"/>
                 <a:r>
-                  <a:rPr lang="en-US" sz="3600" dirty="0" smtClean="0">
+                  <a:rPr lang="he-IL" sz="3600" dirty="0">
                     <a:latin typeface="Calibri" panose="020F0502020204030204" pitchFamily="34" charset="0"/>
                     <a:cs typeface="Calibri" panose="020F0502020204030204" pitchFamily="34" charset="0"/>
                   </a:rPr>
-                  <a:t>Interrupts</a:t>
+                  <a:t>חישובי זמנים של מונים ו- </a:t>
                 </a:r>
                 <a:r>
-                  <a:rPr lang="he-IL" sz="3600" dirty="0" smtClean="0">
+                  <a:rPr lang="en-US" sz="3600" dirty="0">
+                    <a:latin typeface="Calibri" panose="020F0502020204030204" pitchFamily="34" charset="0"/>
+                    <a:cs typeface="Calibri" panose="020F0502020204030204" pitchFamily="34" charset="0"/>
+                  </a:rPr>
+                  <a:t>Baud Rate</a:t>
+                </a:r>
+                <a:r>
+                  <a:rPr lang="he-IL" sz="3600" dirty="0">
                     <a:latin typeface="Calibri" panose="020F0502020204030204" pitchFamily="34" charset="0"/>
                     <a:cs typeface="Calibri" panose="020F0502020204030204" pitchFamily="34" charset="0"/>
                   </a:rPr>
@@ -6980,61 +7401,35 @@
               <a:p>
                 <a:pPr lvl="1"/>
                 <a:r>
-                  <a:rPr lang="en-US" sz="3200" dirty="0" smtClean="0">
-                    <a:latin typeface="Calibri" panose="020F0502020204030204" pitchFamily="34" charset="0"/>
-                    <a:cs typeface="Calibri" panose="020F0502020204030204" pitchFamily="34" charset="0"/>
-                  </a:rPr>
-                  <a:t>INT1\</a:t>
-                </a:r>
-                <a:r>
-                  <a:rPr lang="he-IL" sz="3200" dirty="0" smtClean="0">
-                    <a:latin typeface="Calibri" panose="020F0502020204030204" pitchFamily="34" charset="0"/>
-                    <a:cs typeface="Calibri" panose="020F0502020204030204" pitchFamily="34" charset="0"/>
-                  </a:rPr>
-                  <a:t>:</a:t>
-                </a:r>
-              </a:p>
-              <a:p>
-                <a:r>
-                  <a:rPr lang="he-IL" sz="3600" dirty="0" smtClean="0">
-                    <a:latin typeface="Calibri" panose="020F0502020204030204" pitchFamily="34" charset="0"/>
-                    <a:cs typeface="Calibri" panose="020F0502020204030204" pitchFamily="34" charset="0"/>
-                  </a:rPr>
-                  <a:t>חישובי זמנים של מונים:</a:t>
-                </a:r>
-              </a:p>
-              <a:p>
-                <a:pPr lvl="1"/>
-                <a:r>
-                  <a:rPr lang="he-IL" sz="3200" dirty="0" smtClean="0">
+                  <a:rPr lang="he-IL" sz="3200" dirty="0">
                     <a:latin typeface="Calibri" panose="020F0502020204030204" pitchFamily="34" charset="0"/>
                     <a:cs typeface="Calibri" panose="020F0502020204030204" pitchFamily="34" charset="0"/>
                   </a:rPr>
                   <a:t>פונקציית </a:t>
                 </a:r>
                 <a:r>
-                  <a:rPr lang="en-US" sz="3200" dirty="0" smtClean="0">
+                  <a:rPr lang="en-US" sz="3200" dirty="0">
                     <a:latin typeface="Calibri" panose="020F0502020204030204" pitchFamily="34" charset="0"/>
                     <a:cs typeface="Calibri" panose="020F0502020204030204" pitchFamily="34" charset="0"/>
                   </a:rPr>
                   <a:t>delay</a:t>
                 </a:r>
                 <a:r>
-                  <a:rPr lang="he-IL" sz="3200" dirty="0" smtClean="0">
+                  <a:rPr lang="he-IL" sz="3200" dirty="0">
                     <a:latin typeface="Calibri" panose="020F0502020204030204" pitchFamily="34" charset="0"/>
                     <a:cs typeface="Calibri" panose="020F0502020204030204" pitchFamily="34" charset="0"/>
                   </a:rPr>
                   <a:t> (חישוב מס' </a:t>
                 </a:r>
                 <a:r>
-                  <a:rPr lang="he-IL" sz="3200" dirty="0" err="1" smtClean="0">
+                  <a:rPr lang="he-IL" sz="3200" dirty="0" err="1">
                     <a:latin typeface="Calibri" panose="020F0502020204030204" pitchFamily="34" charset="0"/>
                     <a:cs typeface="Calibri" panose="020F0502020204030204" pitchFamily="34" charset="0"/>
                   </a:rPr>
                   <a:t>איטרציות</a:t>
                 </a:r>
                 <a:r>
-                  <a:rPr lang="he-IL" sz="3200" dirty="0" smtClean="0">
+                  <a:rPr lang="he-IL" sz="3200" dirty="0">
                     <a:latin typeface="Calibri" panose="020F0502020204030204" pitchFamily="34" charset="0"/>
                     <a:cs typeface="Calibri" panose="020F0502020204030204" pitchFamily="34" charset="0"/>
                   </a:rPr>
@@ -7046,7 +7441,7 @@
                   <a:buNone/>
                 </a:pPr>
                 <a:r>
-                  <a:rPr lang="he-IL" sz="2400" dirty="0" smtClean="0">
+                  <a:rPr lang="he-IL" sz="2400" dirty="0">
                     <a:latin typeface="Calibri" panose="020F0502020204030204" pitchFamily="34" charset="0"/>
                     <a:cs typeface="Calibri" panose="020F0502020204030204" pitchFamily="34" charset="0"/>
                   </a:rPr>
@@ -7057,35 +7452,47 @@
                     <m:sSub>
                       <m:sSubPr>
                         <m:ctrlPr>
-                          <a:rPr lang="en-US" i="1"/>
+                          <a:rPr lang="en-US" i="1">
+                            <a:latin typeface="Cambria Math" panose="02040503050406030204" pitchFamily="18" charset="0"/>
+                          </a:rPr>
                         </m:ctrlPr>
                       </m:sSubPr>
                       <m:e>
                         <m:r>
-                          <a:rPr lang="en-US" i="1"/>
+                          <a:rPr lang="en-US" i="1">
+                            <a:latin typeface="Cambria Math" panose="02040503050406030204" pitchFamily="18" charset="0"/>
+                          </a:rPr>
                           <m:t>𝑇</m:t>
                         </m:r>
                       </m:e>
                       <m:sub>
                         <m:r>
-                          <a:rPr lang="en-US" i="1"/>
+                          <a:rPr lang="en-US" i="1">
+                            <a:latin typeface="Cambria Math" panose="02040503050406030204" pitchFamily="18" charset="0"/>
+                          </a:rPr>
                           <m:t>𝑝𝑢𝑙𝑠𝑒</m:t>
                         </m:r>
                       </m:sub>
                     </m:sSub>
                     <m:r>
-                      <a:rPr lang="en-US" i="1"/>
+                      <a:rPr lang="en-US" i="1">
+                        <a:latin typeface="Cambria Math" panose="02040503050406030204" pitchFamily="18" charset="0"/>
+                      </a:rPr>
                       <m:t>=</m:t>
                     </m:r>
                     <m:f>
                       <m:fPr>
                         <m:ctrlPr>
-                          <a:rPr lang="en-US" i="1"/>
+                          <a:rPr lang="en-US" i="1">
+                            <a:latin typeface="Cambria Math" panose="02040503050406030204" pitchFamily="18" charset="0"/>
+                          </a:rPr>
                         </m:ctrlPr>
                       </m:fPr>
                       <m:num>
                         <m:r>
-                          <a:rPr lang="en-US" i="1"/>
+                          <a:rPr lang="en-US" i="1">
+                            <a:latin typeface="Cambria Math" panose="02040503050406030204" pitchFamily="18" charset="0"/>
+                          </a:rPr>
                           <m:t>1</m:t>
                         </m:r>
                       </m:num>
@@ -7093,18 +7500,24 @@
                         <m:f>
                           <m:fPr>
                             <m:ctrlPr>
-                              <a:rPr lang="en-US" i="1"/>
+                              <a:rPr lang="en-US" i="1">
+                                <a:latin typeface="Cambria Math" panose="02040503050406030204" pitchFamily="18" charset="0"/>
+                              </a:rPr>
                             </m:ctrlPr>
                           </m:fPr>
                           <m:num>
                             <m:r>
-                              <a:rPr lang="en-US" i="1"/>
+                              <a:rPr lang="en-US" i="1">
+                                <a:latin typeface="Cambria Math" panose="02040503050406030204" pitchFamily="18" charset="0"/>
+                              </a:rPr>
                               <m:t>22118400</m:t>
                             </m:r>
                           </m:num>
                           <m:den>
                             <m:r>
-                              <a:rPr lang="en-US" i="1"/>
+                              <a:rPr lang="en-US" i="1">
+                                <a:latin typeface="Cambria Math" panose="02040503050406030204" pitchFamily="18" charset="0"/>
+                              </a:rPr>
                               <m:t>12</m:t>
                             </m:r>
                           </m:den>
@@ -7112,44 +7525,62 @@
                       </m:den>
                     </m:f>
                     <m:r>
-                      <a:rPr lang="en-US" i="1"/>
+                      <a:rPr lang="en-US" i="1">
+                        <a:latin typeface="Cambria Math" panose="02040503050406030204" pitchFamily="18" charset="0"/>
+                      </a:rPr>
                       <m:t>=</m:t>
                     </m:r>
                     <m:r>
-                      <a:rPr lang="en-US" i="1"/>
+                      <a:rPr lang="en-US" i="1">
+                        <a:latin typeface="Cambria Math" panose="02040503050406030204" pitchFamily="18" charset="0"/>
+                      </a:rPr>
                       <m:t>5</m:t>
                     </m:r>
                     <m:r>
-                      <a:rPr lang="en-US" i="1"/>
+                      <a:rPr lang="en-US" i="1">
+                        <a:latin typeface="Cambria Math" panose="02040503050406030204" pitchFamily="18" charset="0"/>
+                      </a:rPr>
                       <m:t>.</m:t>
                     </m:r>
                     <m:r>
-                      <a:rPr lang="en-US" i="1"/>
+                      <a:rPr lang="en-US" i="1">
+                        <a:latin typeface="Cambria Math" panose="02040503050406030204" pitchFamily="18" charset="0"/>
+                      </a:rPr>
                       <m:t>425</m:t>
                     </m:r>
                     <m:r>
-                      <a:rPr lang="en-US" i="1"/>
+                      <a:rPr lang="en-US" i="1">
+                        <a:latin typeface="Cambria Math" panose="02040503050406030204" pitchFamily="18" charset="0"/>
+                      </a:rPr>
                       <m:t>×</m:t>
                     </m:r>
                     <m:sSup>
                       <m:sSupPr>
                         <m:ctrlPr>
-                          <a:rPr lang="en-US" i="1"/>
+                          <a:rPr lang="en-US" i="1">
+                            <a:latin typeface="Cambria Math" panose="02040503050406030204" pitchFamily="18" charset="0"/>
+                          </a:rPr>
                         </m:ctrlPr>
                       </m:sSupPr>
                       <m:e>
                         <m:r>
-                          <a:rPr lang="en-US" i="1"/>
+                          <a:rPr lang="en-US" i="1">
+                            <a:latin typeface="Cambria Math" panose="02040503050406030204" pitchFamily="18" charset="0"/>
+                          </a:rPr>
                           <m:t>10</m:t>
                         </m:r>
                       </m:e>
                       <m:sup>
                         <m:r>
-                          <a:rPr lang="en-US" i="1"/>
+                          <a:rPr lang="en-US" i="1">
+                            <a:latin typeface="Cambria Math" panose="02040503050406030204" pitchFamily="18" charset="0"/>
+                          </a:rPr>
                           <m:t>−</m:t>
                         </m:r>
                         <m:r>
-                          <a:rPr lang="en-US" i="1"/>
+                          <a:rPr lang="en-US" i="1">
+                            <a:latin typeface="Cambria Math" panose="02040503050406030204" pitchFamily="18" charset="0"/>
+                          </a:rPr>
                           <m:t>7</m:t>
                         </m:r>
                       </m:sup>
@@ -7171,90 +7602,124 @@
                       <m:sSub>
                         <m:sSubPr>
                           <m:ctrlPr>
-                            <a:rPr lang="en-US" i="1"/>
+                            <a:rPr lang="en-US" i="1">
+                              <a:latin typeface="Cambria Math" panose="02040503050406030204" pitchFamily="18" charset="0"/>
+                            </a:rPr>
                           </m:ctrlPr>
                         </m:sSubPr>
                         <m:e>
                           <m:r>
-                            <a:rPr lang="en-US" i="1"/>
+                            <a:rPr lang="en-US" i="1">
+                              <a:latin typeface="Cambria Math" panose="02040503050406030204" pitchFamily="18" charset="0"/>
+                            </a:rPr>
                             <m:t>𝑡</m:t>
                           </m:r>
                         </m:e>
                         <m:sub>
                           <m:r>
-                            <a:rPr lang="en-US" i="1"/>
+                            <a:rPr lang="en-US" i="1">
+                              <a:latin typeface="Cambria Math" panose="02040503050406030204" pitchFamily="18" charset="0"/>
+                            </a:rPr>
                             <m:t>𝑚𝑎𝑥</m:t>
                           </m:r>
                           <m:r>
-                            <a:rPr lang="en-US" i="1"/>
+                            <a:rPr lang="en-US" i="1">
+                              <a:latin typeface="Cambria Math" panose="02040503050406030204" pitchFamily="18" charset="0"/>
+                            </a:rPr>
                             <m:t>−</m:t>
                           </m:r>
                           <m:r>
-                            <a:rPr lang="en-US" i="1"/>
+                            <a:rPr lang="en-US" i="1">
+                              <a:latin typeface="Cambria Math" panose="02040503050406030204" pitchFamily="18" charset="0"/>
+                            </a:rPr>
                             <m:t>𝑑𝑒𝑙𝑎𝑦</m:t>
                           </m:r>
                         </m:sub>
                       </m:sSub>
                       <m:r>
-                        <a:rPr lang="en-US" i="1"/>
+                        <a:rPr lang="en-US" i="1">
+                          <a:latin typeface="Cambria Math" panose="02040503050406030204" pitchFamily="18" charset="0"/>
+                        </a:rPr>
                         <m:t>= </m:t>
                       </m:r>
                       <m:sSup>
                         <m:sSupPr>
                           <m:ctrlPr>
-                            <a:rPr lang="en-US" i="1"/>
+                            <a:rPr lang="en-US" i="1">
+                              <a:latin typeface="Cambria Math" panose="02040503050406030204" pitchFamily="18" charset="0"/>
+                            </a:rPr>
                           </m:ctrlPr>
                         </m:sSupPr>
                         <m:e>
                           <m:r>
-                            <a:rPr lang="en-US" i="1"/>
+                            <a:rPr lang="en-US" i="1">
+                              <a:latin typeface="Cambria Math" panose="02040503050406030204" pitchFamily="18" charset="0"/>
+                            </a:rPr>
                             <m:t>2</m:t>
                           </m:r>
                         </m:e>
                         <m:sup>
                           <m:r>
-                            <a:rPr lang="en-US" i="1"/>
+                            <a:rPr lang="en-US" i="1">
+                              <a:latin typeface="Cambria Math" panose="02040503050406030204" pitchFamily="18" charset="0"/>
+                            </a:rPr>
                             <m:t>16</m:t>
                           </m:r>
                         </m:sup>
                       </m:sSup>
                       <m:r>
-                        <a:rPr lang="en-US" i="1"/>
+                        <a:rPr lang="en-US" i="1">
+                          <a:latin typeface="Cambria Math" panose="02040503050406030204" pitchFamily="18" charset="0"/>
+                        </a:rPr>
                         <m:t>∗</m:t>
                       </m:r>
                       <m:sSub>
                         <m:sSubPr>
                           <m:ctrlPr>
-                            <a:rPr lang="en-US" i="1"/>
+                            <a:rPr lang="en-US" i="1">
+                              <a:latin typeface="Cambria Math" panose="02040503050406030204" pitchFamily="18" charset="0"/>
+                            </a:rPr>
                           </m:ctrlPr>
                         </m:sSubPr>
                         <m:e>
                           <m:r>
-                            <a:rPr lang="en-US" i="1"/>
+                            <a:rPr lang="en-US" i="1">
+                              <a:latin typeface="Cambria Math" panose="02040503050406030204" pitchFamily="18" charset="0"/>
+                            </a:rPr>
                             <m:t>𝑇</m:t>
                           </m:r>
                         </m:e>
                         <m:sub>
                           <m:r>
-                            <a:rPr lang="en-US" i="1"/>
+                            <a:rPr lang="en-US" i="1">
+                              <a:latin typeface="Cambria Math" panose="02040503050406030204" pitchFamily="18" charset="0"/>
+                            </a:rPr>
                             <m:t>𝑝𝑢𝑙𝑠𝑒</m:t>
                           </m:r>
                         </m:sub>
                       </m:sSub>
                       <m:r>
-                        <a:rPr lang="en-US" i="1"/>
+                        <a:rPr lang="en-US" i="1">
+                          <a:latin typeface="Cambria Math" panose="02040503050406030204" pitchFamily="18" charset="0"/>
+                        </a:rPr>
                         <m:t>≈</m:t>
                       </m:r>
                       <m:r>
-                        <a:rPr lang="en-US" i="1"/>
+                        <a:rPr lang="en-US" i="1">
+                          <a:latin typeface="Cambria Math" panose="02040503050406030204" pitchFamily="18" charset="0"/>
+                        </a:rPr>
                         <m:t>0</m:t>
                       </m:r>
                       <m:r>
-                        <a:rPr lang="en-US" i="1"/>
+                        <a:rPr lang="en-US" i="1">
+                          <a:latin typeface="Cambria Math" panose="02040503050406030204" pitchFamily="18" charset="0"/>
+                        </a:rPr>
                         <m:t>.</m:t>
                       </m:r>
                       <m:r>
-                        <a:rPr lang="en-US" i="1"/>
+                        <a:rPr lang="en-US" i="1">
+                          <a:latin typeface="Cambria Math" panose="02040503050406030204" pitchFamily="18" charset="0"/>
+                        </a:rPr>
                         <m:t>356</m:t>
                       </m:r>
                       <m:d>
@@ -7262,7 +7727,9 @@
                           <m:begChr m:val="["/>
                           <m:endChr m:val="]"/>
                           <m:ctrlPr>
-                            <a:rPr lang="en-US" i="1"/>
+                            <a:rPr lang="en-US" i="1">
+                              <a:latin typeface="Cambria Math" panose="02040503050406030204" pitchFamily="18" charset="0"/>
+                            </a:rPr>
                           </m:ctrlPr>
                         </m:dPr>
                         <m:e>
@@ -7270,13 +7737,17 @@
                             <m:rPr>
                               <m:sty m:val="p"/>
                             </m:rPr>
-                            <a:rPr lang="en-US"/>
+                            <a:rPr lang="en-US">
+                              <a:latin typeface="Cambria Math" panose="02040503050406030204" pitchFamily="18" charset="0"/>
+                            </a:rPr>
                             <m:t>sec</m:t>
                           </m:r>
                         </m:e>
                       </m:d>
                       <m:r>
-                        <a:rPr lang="en-US" i="1"/>
+                        <a:rPr lang="en-US" i="1">
+                          <a:latin typeface="Cambria Math" panose="02040503050406030204" pitchFamily="18" charset="0"/>
+                        </a:rPr>
                         <m:t> </m:t>
                       </m:r>
                     </m:oMath>
@@ -7297,18 +7768,24 @@
                       <m:sSub>
                         <m:sSubPr>
                           <m:ctrlPr>
-                            <a:rPr lang="en-US" i="1"/>
+                            <a:rPr lang="en-US" i="1">
+                              <a:latin typeface="Cambria Math" panose="02040503050406030204" pitchFamily="18" charset="0"/>
+                            </a:rPr>
                           </m:ctrlPr>
                         </m:sSubPr>
                         <m:e>
                           <m:r>
-                            <a:rPr lang="en-US" i="1"/>
+                            <a:rPr lang="en-US" i="1">
+                              <a:latin typeface="Cambria Math" panose="02040503050406030204" pitchFamily="18" charset="0"/>
+                            </a:rPr>
                             <m:t>𝑡</m:t>
                           </m:r>
                         </m:e>
                         <m:sub>
                           <m:r>
-                            <a:rPr lang="en-US" i="1"/>
+                            <a:rPr lang="en-US" i="1">
+                              <a:latin typeface="Cambria Math" panose="02040503050406030204" pitchFamily="18" charset="0"/>
+                            </a:rPr>
                             <m:t>𝑑𝑒𝑙𝑎𝑦</m:t>
                           </m:r>
                         </m:sub>
@@ -7318,57 +7795,79 @@
                           <m:begChr m:val="["/>
                           <m:endChr m:val="]"/>
                           <m:ctrlPr>
-                            <a:rPr lang="en-US" i="1"/>
+                            <a:rPr lang="en-US" i="1">
+                              <a:latin typeface="Cambria Math" panose="02040503050406030204" pitchFamily="18" charset="0"/>
+                            </a:rPr>
                           </m:ctrlPr>
                         </m:dPr>
                         <m:e>
                           <m:r>
-                            <a:rPr lang="en-US" i="1"/>
+                            <a:rPr lang="en-US" i="1">
+                              <a:latin typeface="Cambria Math" panose="02040503050406030204" pitchFamily="18" charset="0"/>
+                            </a:rPr>
                             <m:t>𝑠𝑒𝑐</m:t>
                           </m:r>
                         </m:e>
                       </m:d>
                       <m:r>
-                        <a:rPr lang="en-US" i="1"/>
+                        <a:rPr lang="en-US" i="1">
+                          <a:latin typeface="Cambria Math" panose="02040503050406030204" pitchFamily="18" charset="0"/>
+                        </a:rPr>
                         <m:t>=</m:t>
                       </m:r>
                       <m:sSub>
                         <m:sSubPr>
                           <m:ctrlPr>
-                            <a:rPr lang="en-US" i="1"/>
+                            <a:rPr lang="en-US" i="1">
+                              <a:latin typeface="Cambria Math" panose="02040503050406030204" pitchFamily="18" charset="0"/>
+                            </a:rPr>
                           </m:ctrlPr>
                         </m:sSubPr>
                         <m:e>
                           <m:r>
-                            <a:rPr lang="en-US" i="1"/>
+                            <a:rPr lang="en-US" i="1">
+                              <a:latin typeface="Cambria Math" panose="02040503050406030204" pitchFamily="18" charset="0"/>
+                            </a:rPr>
                             <m:t>𝑛</m:t>
                           </m:r>
                         </m:e>
                         <m:sub>
                           <m:r>
-                            <a:rPr lang="en-US" i="1"/>
+                            <a:rPr lang="en-US" i="1">
+                              <a:latin typeface="Cambria Math" panose="02040503050406030204" pitchFamily="18" charset="0"/>
+                            </a:rPr>
                             <m:t>𝑖𝑡𝑒𝑟𝑎𝑡𝑖𝑜𝑛𝑠</m:t>
                           </m:r>
                         </m:sub>
                       </m:sSub>
                       <m:r>
-                        <a:rPr lang="en-US" i="1"/>
+                        <a:rPr lang="en-US" i="1">
+                          <a:latin typeface="Cambria Math" panose="02040503050406030204" pitchFamily="18" charset="0"/>
+                        </a:rPr>
                         <m:t>×</m:t>
                       </m:r>
                       <m:r>
-                        <a:rPr lang="en-US" i="1"/>
+                        <a:rPr lang="en-US" i="1">
+                          <a:latin typeface="Cambria Math" panose="02040503050406030204" pitchFamily="18" charset="0"/>
+                        </a:rPr>
                         <m:t>0</m:t>
                       </m:r>
                       <m:r>
-                        <a:rPr lang="en-US" i="1"/>
+                        <a:rPr lang="en-US" i="1">
+                          <a:latin typeface="Cambria Math" panose="02040503050406030204" pitchFamily="18" charset="0"/>
+                        </a:rPr>
                         <m:t>.</m:t>
                       </m:r>
                       <m:r>
-                        <a:rPr lang="en-US" i="1"/>
+                        <a:rPr lang="en-US" i="1">
+                          <a:latin typeface="Cambria Math" panose="02040503050406030204" pitchFamily="18" charset="0"/>
+                        </a:rPr>
                         <m:t>356</m:t>
                       </m:r>
                       <m:r>
-                        <a:rPr lang="en-US" i="1"/>
+                        <a:rPr lang="en-US" i="1">
+                          <a:latin typeface="Cambria Math" panose="02040503050406030204" pitchFamily="18" charset="0"/>
+                        </a:rPr>
                         <m:t>⇒</m:t>
                       </m:r>
                       <m:sSub>
@@ -7378,6 +7877,7 @@
                               <a:solidFill>
                                 <a:schemeClr val="bg1"/>
                               </a:solidFill>
+                              <a:latin typeface="Cambria Math" panose="02040503050406030204" pitchFamily="18" charset="0"/>
                             </a:rPr>
                           </m:ctrlPr>
                         </m:sSubPr>
@@ -7387,6 +7887,7 @@
                               <a:solidFill>
                                 <a:schemeClr val="bg1"/>
                               </a:solidFill>
+                              <a:latin typeface="Cambria Math" panose="02040503050406030204" pitchFamily="18" charset="0"/>
                             </a:rPr>
                             <m:t>𝒏</m:t>
                           </m:r>
@@ -7397,6 +7898,7 @@
                               <a:solidFill>
                                 <a:schemeClr val="bg1"/>
                               </a:solidFill>
+                              <a:latin typeface="Cambria Math" panose="02040503050406030204" pitchFamily="18" charset="0"/>
                             </a:rPr>
                             <m:t>𝒊𝒕𝒆𝒓𝒂𝒕𝒊𝒐𝒏𝒔</m:t>
                           </m:r>
@@ -7407,6 +7909,7 @@
                           <a:solidFill>
                             <a:schemeClr val="bg1"/>
                           </a:solidFill>
+                          <a:latin typeface="Cambria Math" panose="02040503050406030204" pitchFamily="18" charset="0"/>
                         </a:rPr>
                         <m:t>≈</m:t>
                       </m:r>
@@ -7415,6 +7918,7 @@
                           <a:solidFill>
                             <a:schemeClr val="bg1"/>
                           </a:solidFill>
+                          <a:latin typeface="Cambria Math" panose="02040503050406030204" pitchFamily="18" charset="0"/>
                         </a:rPr>
                         <m:t>𝟐𝟖</m:t>
                       </m:r>
@@ -7423,6 +7927,7 @@
                           <a:solidFill>
                             <a:schemeClr val="bg1"/>
                           </a:solidFill>
+                          <a:latin typeface="Cambria Math" panose="02040503050406030204" pitchFamily="18" charset="0"/>
                         </a:rPr>
                         <m:t>∗</m:t>
                       </m:r>
@@ -7433,6 +7938,7 @@
                               <a:solidFill>
                                 <a:schemeClr val="bg1"/>
                               </a:solidFill>
+                              <a:latin typeface="Cambria Math" panose="02040503050406030204" pitchFamily="18" charset="0"/>
                             </a:rPr>
                           </m:ctrlPr>
                         </m:sSubPr>
@@ -7442,6 +7948,7 @@
                               <a:solidFill>
                                 <a:schemeClr val="bg1"/>
                               </a:solidFill>
+                              <a:latin typeface="Cambria Math" panose="02040503050406030204" pitchFamily="18" charset="0"/>
                             </a:rPr>
                             <m:t>𝒕</m:t>
                           </m:r>
@@ -7452,6 +7959,7 @@
                               <a:solidFill>
                                 <a:schemeClr val="bg1"/>
                               </a:solidFill>
+                              <a:latin typeface="Cambria Math" panose="02040503050406030204" pitchFamily="18" charset="0"/>
                             </a:rPr>
                             <m:t>𝒅𝒆𝒍𝒂𝒚</m:t>
                           </m:r>
@@ -7466,15 +7974,571 @@
                 <a:pPr marL="457200" lvl="1" indent="0" algn="ctr">
                   <a:buNone/>
                 </a:pPr>
-                <a:endParaRPr lang="en-US" sz="2400" dirty="0" smtClean="0">
+                <a14:m>
+                  <m:oMathPara xmlns:m="http://schemas.openxmlformats.org/officeDocument/2006/math">
+                    <m:oMathParaPr>
+                      <m:jc m:val="centerGroup"/>
+                    </m:oMathParaPr>
+                    <m:oMath xmlns:m="http://schemas.openxmlformats.org/officeDocument/2006/math">
+                      <m:r>
+                        <a:rPr lang="en-US" sz="1600" b="0" i="1" smtClean="0">
+                          <a:latin typeface="Cambria Math" panose="02040503050406030204" pitchFamily="18" charset="0"/>
+                          <a:cs typeface="Calibri" panose="020F0502020204030204" pitchFamily="34" charset="0"/>
+                        </a:rPr>
+                        <m:t>𝑈𝑆𝐴𝑅</m:t>
+                      </m:r>
+                      <m:sSub>
+                        <m:sSubPr>
+                          <m:ctrlPr>
+                            <a:rPr lang="he-IL" sz="1600" b="0" i="1" smtClean="0">
+                              <a:latin typeface="Cambria Math" panose="02040503050406030204" pitchFamily="18" charset="0"/>
+                              <a:cs typeface="Calibri" panose="020F0502020204030204" pitchFamily="34" charset="0"/>
+                            </a:rPr>
+                          </m:ctrlPr>
+                        </m:sSubPr>
+                        <m:e>
+                          <m:r>
+                            <a:rPr lang="en-US" sz="1600" b="0" i="1" smtClean="0">
+                              <a:latin typeface="Cambria Math" panose="02040503050406030204" pitchFamily="18" charset="0"/>
+                              <a:cs typeface="Calibri" panose="020F0502020204030204" pitchFamily="34" charset="0"/>
+                            </a:rPr>
+                            <m:t>𝑇</m:t>
+                          </m:r>
+                          <m:r>
+                            <a:rPr lang="en-US" sz="1600" b="0" i="1" smtClean="0">
+                              <a:latin typeface="Cambria Math" panose="02040503050406030204" pitchFamily="18" charset="0"/>
+                              <a:cs typeface="Calibri" panose="020F0502020204030204" pitchFamily="34" charset="0"/>
+                            </a:rPr>
+                            <m:t>1</m:t>
+                          </m:r>
+                        </m:e>
+                        <m:sub>
+                          <m:r>
+                            <a:rPr lang="en-US" sz="1600" b="0" i="1" smtClean="0">
+                              <a:latin typeface="Cambria Math" panose="02040503050406030204" pitchFamily="18" charset="0"/>
+                              <a:cs typeface="Calibri" panose="020F0502020204030204" pitchFamily="34" charset="0"/>
+                            </a:rPr>
+                            <m:t>𝐶𝐿𝐾𝐷𝐼𝑉</m:t>
+                          </m:r>
+                        </m:sub>
+                      </m:sSub>
+                      <m:r>
+                        <a:rPr lang="en-US" sz="1600" b="0" i="1" smtClean="0">
+                          <a:latin typeface="Cambria Math" panose="02040503050406030204" pitchFamily="18" charset="0"/>
+                          <a:cs typeface="Calibri" panose="020F0502020204030204" pitchFamily="34" charset="0"/>
+                        </a:rPr>
+                        <m:t>=</m:t>
+                      </m:r>
+                      <m:r>
+                        <a:rPr lang="en-US" sz="1600" b="0" i="1" smtClean="0">
+                          <a:latin typeface="Cambria Math" panose="02040503050406030204" pitchFamily="18" charset="0"/>
+                          <a:cs typeface="Calibri" panose="020F0502020204030204" pitchFamily="34" charset="0"/>
+                        </a:rPr>
+                        <m:t>256</m:t>
+                      </m:r>
+                      <m:r>
+                        <a:rPr lang="en-US" sz="1600" b="0" i="1" smtClean="0">
+                          <a:latin typeface="Cambria Math" panose="02040503050406030204" pitchFamily="18" charset="0"/>
+                          <a:cs typeface="Calibri" panose="020F0502020204030204" pitchFamily="34" charset="0"/>
+                        </a:rPr>
+                        <m:t>∗</m:t>
+                      </m:r>
+                      <m:d>
+                        <m:dPr>
+                          <m:ctrlPr>
+                            <a:rPr lang="en-US" sz="1600" b="0" i="1" smtClean="0">
+                              <a:latin typeface="Cambria Math" panose="02040503050406030204" pitchFamily="18" charset="0"/>
+                              <a:cs typeface="Calibri" panose="020F0502020204030204" pitchFamily="34" charset="0"/>
+                            </a:rPr>
+                          </m:ctrlPr>
+                        </m:dPr>
+                        <m:e>
+                          <m:f>
+                            <m:fPr>
+                              <m:ctrlPr>
+                                <a:rPr lang="en-US" sz="1600" b="0" i="1" smtClean="0">
+                                  <a:latin typeface="Cambria Math" panose="02040503050406030204" pitchFamily="18" charset="0"/>
+                                  <a:cs typeface="Calibri" panose="020F0502020204030204" pitchFamily="34" charset="0"/>
+                                </a:rPr>
+                              </m:ctrlPr>
+                            </m:fPr>
+                            <m:num>
+                              <m:sSub>
+                                <m:sSubPr>
+                                  <m:ctrlPr>
+                                    <a:rPr lang="en-US" sz="1600" b="0" i="1" smtClean="0">
+                                      <a:latin typeface="Cambria Math" panose="02040503050406030204" pitchFamily="18" charset="0"/>
+                                      <a:cs typeface="Calibri" panose="020F0502020204030204" pitchFamily="34" charset="0"/>
+                                    </a:rPr>
+                                  </m:ctrlPr>
+                                </m:sSubPr>
+                                <m:e>
+                                  <m:r>
+                                    <a:rPr lang="en-US" sz="1600" b="0" i="1" smtClean="0">
+                                      <a:latin typeface="Cambria Math" panose="02040503050406030204" pitchFamily="18" charset="0"/>
+                                      <a:cs typeface="Calibri" panose="020F0502020204030204" pitchFamily="34" charset="0"/>
+                                    </a:rPr>
+                                    <m:t>𝑓</m:t>
+                                  </m:r>
+                                </m:e>
+                                <m:sub>
+                                  <m:r>
+                                    <a:rPr lang="en-US" sz="1600" b="0" i="1" smtClean="0">
+                                      <a:latin typeface="Cambria Math" panose="02040503050406030204" pitchFamily="18" charset="0"/>
+                                      <a:cs typeface="Calibri" panose="020F0502020204030204" pitchFamily="34" charset="0"/>
+                                    </a:rPr>
+                                    <m:t>𝐻𝐹𝑃𝐸𝑅𝐶𝐿𝐾</m:t>
+                                  </m:r>
+                                </m:sub>
+                              </m:sSub>
+                            </m:num>
+                            <m:den>
+                              <m:r>
+                                <a:rPr lang="en-US" sz="1600" b="0" i="1" smtClean="0">
+                                  <a:latin typeface="Cambria Math" panose="02040503050406030204" pitchFamily="18" charset="0"/>
+                                  <a:cs typeface="Calibri" panose="020F0502020204030204" pitchFamily="34" charset="0"/>
+                                </a:rPr>
+                                <m:t>𝑜𝑣𝑒𝑟𝑠𝑎𝑚𝑝𝑙𝑒</m:t>
+                              </m:r>
+                              <m:r>
+                                <a:rPr lang="en-US" sz="1600" b="0" i="1" smtClean="0">
+                                  <a:latin typeface="Cambria Math" panose="02040503050406030204" pitchFamily="18" charset="0"/>
+                                  <a:cs typeface="Calibri" panose="020F0502020204030204" pitchFamily="34" charset="0"/>
+                                </a:rPr>
+                                <m:t>∗</m:t>
+                              </m:r>
+                              <m:r>
+                                <a:rPr lang="en-US" sz="1600" b="0" i="1" smtClean="0">
+                                  <a:latin typeface="Cambria Math" panose="02040503050406030204" pitchFamily="18" charset="0"/>
+                                  <a:cs typeface="Calibri" panose="020F0502020204030204" pitchFamily="34" charset="0"/>
+                                </a:rPr>
+                                <m:t>𝑏𝑟𝑑𝑒𝑠𝑖𝑟𝑒𝑑</m:t>
+                              </m:r>
+                            </m:den>
+                          </m:f>
+                          <m:r>
+                            <a:rPr lang="en-US" sz="1600" b="0" i="1" smtClean="0">
+                              <a:latin typeface="Cambria Math" panose="02040503050406030204" pitchFamily="18" charset="0"/>
+                              <a:cs typeface="Calibri" panose="020F0502020204030204" pitchFamily="34" charset="0"/>
+                            </a:rPr>
+                            <m:t>−</m:t>
+                          </m:r>
+                          <m:r>
+                            <a:rPr lang="en-US" sz="1600" b="0" i="1" smtClean="0">
+                              <a:latin typeface="Cambria Math" panose="02040503050406030204" pitchFamily="18" charset="0"/>
+                              <a:cs typeface="Calibri" panose="020F0502020204030204" pitchFamily="34" charset="0"/>
+                            </a:rPr>
+                            <m:t>1</m:t>
+                          </m:r>
+                        </m:e>
+                      </m:d>
+                      <m:r>
+                        <a:rPr lang="en-US" sz="1600" b="0" i="1" smtClean="0">
+                          <a:latin typeface="Cambria Math" panose="02040503050406030204" pitchFamily="18" charset="0"/>
+                          <a:cs typeface="Calibri" panose="020F0502020204030204" pitchFamily="34" charset="0"/>
+                        </a:rPr>
+                        <m:t>=</m:t>
+                      </m:r>
+                      <m:r>
+                        <a:rPr lang="en-US" sz="1600" b="0" i="1" smtClean="0">
+                          <a:latin typeface="Cambria Math" panose="02040503050406030204" pitchFamily="18" charset="0"/>
+                          <a:cs typeface="Calibri" panose="020F0502020204030204" pitchFamily="34" charset="0"/>
+                        </a:rPr>
+                        <m:t>256</m:t>
+                      </m:r>
+                      <m:r>
+                        <a:rPr lang="en-US" sz="1600" b="0" i="1" smtClean="0">
+                          <a:latin typeface="Cambria Math" panose="02040503050406030204" pitchFamily="18" charset="0"/>
+                          <a:cs typeface="Calibri" panose="020F0502020204030204" pitchFamily="34" charset="0"/>
+                        </a:rPr>
+                        <m:t>∗</m:t>
+                      </m:r>
+                      <m:d>
+                        <m:dPr>
+                          <m:ctrlPr>
+                            <a:rPr lang="en-US" sz="1600" b="0" i="1" smtClean="0">
+                              <a:latin typeface="Cambria Math" panose="02040503050406030204" pitchFamily="18" charset="0"/>
+                              <a:cs typeface="Calibri" panose="020F0502020204030204" pitchFamily="34" charset="0"/>
+                            </a:rPr>
+                          </m:ctrlPr>
+                        </m:dPr>
+                        <m:e>
+                          <m:f>
+                            <m:fPr>
+                              <m:ctrlPr>
+                                <a:rPr lang="en-US" sz="1600" b="0" i="1" smtClean="0">
+                                  <a:latin typeface="Cambria Math" panose="02040503050406030204" pitchFamily="18" charset="0"/>
+                                  <a:cs typeface="Calibri" panose="020F0502020204030204" pitchFamily="34" charset="0"/>
+                                </a:rPr>
+                              </m:ctrlPr>
+                            </m:fPr>
+                            <m:num>
+                              <m:r>
+                                <a:rPr lang="en-US" sz="1600" b="0" i="1" smtClean="0">
+                                  <a:latin typeface="Cambria Math" panose="02040503050406030204" pitchFamily="18" charset="0"/>
+                                  <a:cs typeface="Calibri" panose="020F0502020204030204" pitchFamily="34" charset="0"/>
+                                </a:rPr>
+                                <m:t>24</m:t>
+                              </m:r>
+                              <m:r>
+                                <a:rPr lang="en-US" sz="1600" b="0" i="1" smtClean="0">
+                                  <a:latin typeface="Cambria Math" panose="02040503050406030204" pitchFamily="18" charset="0"/>
+                                  <a:cs typeface="Calibri" panose="020F0502020204030204" pitchFamily="34" charset="0"/>
+                                </a:rPr>
+                                <m:t>𝑀</m:t>
+                              </m:r>
+                            </m:num>
+                            <m:den>
+                              <m:r>
+                                <a:rPr lang="en-US" sz="1600" b="0" i="1" smtClean="0">
+                                  <a:latin typeface="Cambria Math" panose="02040503050406030204" pitchFamily="18" charset="0"/>
+                                  <a:cs typeface="Calibri" panose="020F0502020204030204" pitchFamily="34" charset="0"/>
+                                </a:rPr>
+                                <m:t>16</m:t>
+                              </m:r>
+                              <m:r>
+                                <a:rPr lang="en-US" sz="1600" b="0" i="1" smtClean="0">
+                                  <a:latin typeface="Cambria Math" panose="02040503050406030204" pitchFamily="18" charset="0"/>
+                                  <a:cs typeface="Calibri" panose="020F0502020204030204" pitchFamily="34" charset="0"/>
+                                </a:rPr>
+                                <m:t>∗</m:t>
+                              </m:r>
+                              <m:r>
+                                <a:rPr lang="en-US" sz="1600" b="0" i="1" smtClean="0">
+                                  <a:latin typeface="Cambria Math" panose="02040503050406030204" pitchFamily="18" charset="0"/>
+                                  <a:cs typeface="Calibri" panose="020F0502020204030204" pitchFamily="34" charset="0"/>
+                                </a:rPr>
+                                <m:t>115200</m:t>
+                              </m:r>
+                            </m:den>
+                          </m:f>
+                          <m:r>
+                            <a:rPr lang="en-US" sz="1600" b="0" i="1" smtClean="0">
+                              <a:latin typeface="Cambria Math" panose="02040503050406030204" pitchFamily="18" charset="0"/>
+                              <a:cs typeface="Calibri" panose="020F0502020204030204" pitchFamily="34" charset="0"/>
+                            </a:rPr>
+                            <m:t>−</m:t>
+                          </m:r>
+                          <m:r>
+                            <a:rPr lang="en-US" sz="1600" b="0" i="1" smtClean="0">
+                              <a:latin typeface="Cambria Math" panose="02040503050406030204" pitchFamily="18" charset="0"/>
+                              <a:cs typeface="Calibri" panose="020F0502020204030204" pitchFamily="34" charset="0"/>
+                            </a:rPr>
+                            <m:t>1</m:t>
+                          </m:r>
+                        </m:e>
+                      </m:d>
+                      <m:r>
+                        <a:rPr lang="en-US" sz="1600" b="0" i="1" smtClean="0">
+                          <a:latin typeface="Cambria Math" panose="02040503050406030204" pitchFamily="18" charset="0"/>
+                          <a:ea typeface="Cambria Math" panose="02040503050406030204" pitchFamily="18" charset="0"/>
+                          <a:cs typeface="Calibri" panose="020F0502020204030204" pitchFamily="34" charset="0"/>
+                        </a:rPr>
+                        <m:t>≈</m:t>
+                      </m:r>
+                      <m:r>
+                        <a:rPr lang="en-US" sz="1600" b="0" i="1" smtClean="0">
+                          <a:latin typeface="Cambria Math" panose="02040503050406030204" pitchFamily="18" charset="0"/>
+                          <a:ea typeface="Cambria Math" panose="02040503050406030204" pitchFamily="18" charset="0"/>
+                          <a:cs typeface="Calibri" panose="020F0502020204030204" pitchFamily="34" charset="0"/>
+                        </a:rPr>
+                        <m:t>48</m:t>
+                      </m:r>
+                      <m:r>
+                        <a:rPr lang="en-US" sz="1600" b="0" i="1" smtClean="0">
+                          <a:latin typeface="Cambria Math" panose="02040503050406030204" pitchFamily="18" charset="0"/>
+                          <a:ea typeface="Cambria Math" panose="02040503050406030204" pitchFamily="18" charset="0"/>
+                          <a:cs typeface="Calibri" panose="020F0502020204030204" pitchFamily="34" charset="0"/>
+                        </a:rPr>
+                        <m:t>∗</m:t>
+                      </m:r>
+                      <m:sSup>
+                        <m:sSupPr>
+                          <m:ctrlPr>
+                            <a:rPr lang="en-US" sz="1600" b="0" i="1" smtClean="0">
+                              <a:latin typeface="Cambria Math" panose="02040503050406030204" pitchFamily="18" charset="0"/>
+                              <a:ea typeface="Cambria Math" panose="02040503050406030204" pitchFamily="18" charset="0"/>
+                              <a:cs typeface="Calibri" panose="020F0502020204030204" pitchFamily="34" charset="0"/>
+                            </a:rPr>
+                          </m:ctrlPr>
+                        </m:sSupPr>
+                        <m:e>
+                          <m:r>
+                            <a:rPr lang="en-US" sz="1600" b="0" i="1" smtClean="0">
+                              <a:latin typeface="Cambria Math" panose="02040503050406030204" pitchFamily="18" charset="0"/>
+                              <a:ea typeface="Cambria Math" panose="02040503050406030204" pitchFamily="18" charset="0"/>
+                              <a:cs typeface="Calibri" panose="020F0502020204030204" pitchFamily="34" charset="0"/>
+                            </a:rPr>
+                            <m:t>2</m:t>
+                          </m:r>
+                        </m:e>
+                        <m:sup>
+                          <m:r>
+                            <a:rPr lang="en-US" sz="1600" b="0" i="1" smtClean="0">
+                              <a:latin typeface="Cambria Math" panose="02040503050406030204" pitchFamily="18" charset="0"/>
+                              <a:ea typeface="Cambria Math" panose="02040503050406030204" pitchFamily="18" charset="0"/>
+                              <a:cs typeface="Calibri" panose="020F0502020204030204" pitchFamily="34" charset="0"/>
+                            </a:rPr>
+                            <m:t>6</m:t>
+                          </m:r>
+                        </m:sup>
+                      </m:sSup>
+                    </m:oMath>
+                  </m:oMathPara>
+                </a14:m>
+                <a:endParaRPr lang="he-IL" sz="1600" b="0" dirty="0">
                   <a:latin typeface="Calibri" panose="020F0502020204030204" pitchFamily="34" charset="0"/>
+                  <a:ea typeface="Cambria Math" panose="02040503050406030204" pitchFamily="18" charset="0"/>
+                  <a:cs typeface="Calibri" panose="020F0502020204030204" pitchFamily="34" charset="0"/>
+                </a:endParaRPr>
+              </a:p>
+              <a:p>
+                <a:pPr marL="457200" lvl="1" indent="0" algn="ctr">
+                  <a:buNone/>
+                </a:pPr>
+                <a14:m>
+                  <m:oMathPara xmlns:m="http://schemas.openxmlformats.org/officeDocument/2006/math">
+                    <m:oMathParaPr>
+                      <m:jc m:val="centerGroup"/>
+                    </m:oMathParaPr>
+                    <m:oMath xmlns:m="http://schemas.openxmlformats.org/officeDocument/2006/math">
+                      <m:r>
+                        <a:rPr lang="en-US" sz="1600" b="0" i="1" smtClean="0">
+                          <a:latin typeface="Cambria Math" panose="02040503050406030204" pitchFamily="18" charset="0"/>
+                          <a:ea typeface="Cambria Math" panose="02040503050406030204" pitchFamily="18" charset="0"/>
+                          <a:cs typeface="Calibri" panose="020F0502020204030204" pitchFamily="34" charset="0"/>
+                        </a:rPr>
+                        <m:t>𝑇𝑖𝑚𝑒𝑟</m:t>
+                      </m:r>
+                      <m:sSub>
+                        <m:sSubPr>
+                          <m:ctrlPr>
+                            <a:rPr lang="en-US" sz="1600" b="0" i="1" smtClean="0">
+                              <a:latin typeface="Cambria Math" panose="02040503050406030204" pitchFamily="18" charset="0"/>
+                              <a:ea typeface="Cambria Math" panose="02040503050406030204" pitchFamily="18" charset="0"/>
+                              <a:cs typeface="Calibri" panose="020F0502020204030204" pitchFamily="34" charset="0"/>
+                            </a:rPr>
+                          </m:ctrlPr>
+                        </m:sSubPr>
+                        <m:e>
+                          <m:r>
+                            <a:rPr lang="en-US" sz="1600" b="0" i="1" smtClean="0">
+                              <a:latin typeface="Cambria Math" panose="02040503050406030204" pitchFamily="18" charset="0"/>
+                              <a:ea typeface="Cambria Math" panose="02040503050406030204" pitchFamily="18" charset="0"/>
+                              <a:cs typeface="Calibri" panose="020F0502020204030204" pitchFamily="34" charset="0"/>
+                            </a:rPr>
+                            <m:t>0</m:t>
+                          </m:r>
+                        </m:e>
+                        <m:sub>
+                          <m:r>
+                            <a:rPr lang="en-US" sz="1600" b="0" i="1" smtClean="0">
+                              <a:latin typeface="Cambria Math" panose="02040503050406030204" pitchFamily="18" charset="0"/>
+                              <a:ea typeface="Cambria Math" panose="02040503050406030204" pitchFamily="18" charset="0"/>
+                              <a:cs typeface="Calibri" panose="020F0502020204030204" pitchFamily="34" charset="0"/>
+                            </a:rPr>
+                            <m:t>𝑇𝑂𝑃</m:t>
+                          </m:r>
+                        </m:sub>
+                      </m:sSub>
+                      <m:r>
+                        <a:rPr lang="en-US" sz="1600" b="0" i="1" smtClean="0">
+                          <a:latin typeface="Cambria Math" panose="02040503050406030204" pitchFamily="18" charset="0"/>
+                          <a:ea typeface="Cambria Math" panose="02040503050406030204" pitchFamily="18" charset="0"/>
+                          <a:cs typeface="Calibri" panose="020F0502020204030204" pitchFamily="34" charset="0"/>
+                        </a:rPr>
+                        <m:t>=</m:t>
+                      </m:r>
+                      <m:r>
+                        <a:rPr lang="en-US" sz="1600" b="0" i="1" smtClean="0">
+                          <a:latin typeface="Cambria Math" panose="02040503050406030204" pitchFamily="18" charset="0"/>
+                          <a:ea typeface="Cambria Math" panose="02040503050406030204" pitchFamily="18" charset="0"/>
+                          <a:cs typeface="Calibri" panose="020F0502020204030204" pitchFamily="34" charset="0"/>
+                        </a:rPr>
+                        <m:t>1</m:t>
+                      </m:r>
+                      <m:d>
+                        <m:dPr>
+                          <m:begChr m:val="["/>
+                          <m:endChr m:val="]"/>
+                          <m:ctrlPr>
+                            <a:rPr lang="en-US" sz="1600" b="0" i="1" smtClean="0">
+                              <a:latin typeface="Cambria Math" panose="02040503050406030204" pitchFamily="18" charset="0"/>
+                              <a:ea typeface="Cambria Math" panose="02040503050406030204" pitchFamily="18" charset="0"/>
+                              <a:cs typeface="Calibri" panose="020F0502020204030204" pitchFamily="34" charset="0"/>
+                            </a:rPr>
+                          </m:ctrlPr>
+                        </m:dPr>
+                        <m:e>
+                          <m:r>
+                            <a:rPr lang="en-US" sz="1600" b="0" i="1" smtClean="0">
+                              <a:latin typeface="Cambria Math" panose="02040503050406030204" pitchFamily="18" charset="0"/>
+                              <a:ea typeface="Cambria Math" panose="02040503050406030204" pitchFamily="18" charset="0"/>
+                              <a:cs typeface="Calibri" panose="020F0502020204030204" pitchFamily="34" charset="0"/>
+                            </a:rPr>
+                            <m:t>𝑠</m:t>
+                          </m:r>
+                        </m:e>
+                      </m:d>
+                      <m:r>
+                        <a:rPr lang="en-US" sz="1600" b="0" i="1" smtClean="0">
+                          <a:latin typeface="Cambria Math" panose="02040503050406030204" pitchFamily="18" charset="0"/>
+                          <a:ea typeface="Cambria Math" panose="02040503050406030204" pitchFamily="18" charset="0"/>
+                          <a:cs typeface="Calibri" panose="020F0502020204030204" pitchFamily="34" charset="0"/>
+                        </a:rPr>
+                        <m:t>∗</m:t>
+                      </m:r>
+                      <m:f>
+                        <m:fPr>
+                          <m:ctrlPr>
+                            <a:rPr lang="en-US" sz="1600" b="0" i="1" smtClean="0">
+                              <a:latin typeface="Cambria Math" panose="02040503050406030204" pitchFamily="18" charset="0"/>
+                              <a:ea typeface="Cambria Math" panose="02040503050406030204" pitchFamily="18" charset="0"/>
+                              <a:cs typeface="Calibri" panose="020F0502020204030204" pitchFamily="34" charset="0"/>
+                            </a:rPr>
+                          </m:ctrlPr>
+                        </m:fPr>
+                        <m:num>
+                          <m:sSub>
+                            <m:sSubPr>
+                              <m:ctrlPr>
+                                <a:rPr lang="en-US" sz="1600" i="1">
+                                  <a:latin typeface="Cambria Math" panose="02040503050406030204" pitchFamily="18" charset="0"/>
+                                  <a:cs typeface="Calibri" panose="020F0502020204030204" pitchFamily="34" charset="0"/>
+                                </a:rPr>
+                              </m:ctrlPr>
+                            </m:sSubPr>
+                            <m:e>
+                              <m:r>
+                                <a:rPr lang="en-US" sz="1600" i="1">
+                                  <a:latin typeface="Cambria Math" panose="02040503050406030204" pitchFamily="18" charset="0"/>
+                                  <a:cs typeface="Calibri" panose="020F0502020204030204" pitchFamily="34" charset="0"/>
+                                </a:rPr>
+                                <m:t>𝑓</m:t>
+                              </m:r>
+                            </m:e>
+                            <m:sub>
+                              <m:r>
+                                <a:rPr lang="en-US" sz="1600" i="1">
+                                  <a:latin typeface="Cambria Math" panose="02040503050406030204" pitchFamily="18" charset="0"/>
+                                  <a:cs typeface="Calibri" panose="020F0502020204030204" pitchFamily="34" charset="0"/>
+                                </a:rPr>
+                                <m:t>𝐻𝐹𝑃𝐸𝑅𝐶𝐿𝐾</m:t>
+                              </m:r>
+                            </m:sub>
+                          </m:sSub>
+                        </m:num>
+                        <m:den>
+                          <m:r>
+                            <a:rPr lang="en-US" sz="1600" b="0" i="1" smtClean="0">
+                              <a:latin typeface="Cambria Math" panose="02040503050406030204" pitchFamily="18" charset="0"/>
+                              <a:ea typeface="Cambria Math" panose="02040503050406030204" pitchFamily="18" charset="0"/>
+                              <a:cs typeface="Calibri" panose="020F0502020204030204" pitchFamily="34" charset="0"/>
+                            </a:rPr>
+                            <m:t>𝑝𝑟𝑒𝑠𝑐𝑎𝑙𝑒𝑟</m:t>
+                          </m:r>
+                        </m:den>
+                      </m:f>
+                      <m:r>
+                        <a:rPr lang="he-IL" sz="1600" b="0" i="1" smtClean="0">
+                          <a:latin typeface="Cambria Math" panose="02040503050406030204" pitchFamily="18" charset="0"/>
+                          <a:ea typeface="Cambria Math" panose="02040503050406030204" pitchFamily="18" charset="0"/>
+                          <a:cs typeface="Calibri" panose="020F0502020204030204" pitchFamily="34" charset="0"/>
+                        </a:rPr>
+                        <m:t>=</m:t>
+                      </m:r>
+                      <m:f>
+                        <m:fPr>
+                          <m:ctrlPr>
+                            <a:rPr lang="he-IL" sz="1600" b="0" i="1" smtClean="0">
+                              <a:latin typeface="Cambria Math" panose="02040503050406030204" pitchFamily="18" charset="0"/>
+                              <a:ea typeface="Cambria Math" panose="02040503050406030204" pitchFamily="18" charset="0"/>
+                              <a:cs typeface="Calibri" panose="020F0502020204030204" pitchFamily="34" charset="0"/>
+                            </a:rPr>
+                          </m:ctrlPr>
+                        </m:fPr>
+                        <m:num>
+                          <m:r>
+                            <a:rPr lang="he-IL" sz="1600" b="0" i="1" smtClean="0">
+                              <a:latin typeface="Cambria Math" panose="02040503050406030204" pitchFamily="18" charset="0"/>
+                              <a:ea typeface="Cambria Math" panose="02040503050406030204" pitchFamily="18" charset="0"/>
+                              <a:cs typeface="Calibri" panose="020F0502020204030204" pitchFamily="34" charset="0"/>
+                            </a:rPr>
+                            <m:t>24</m:t>
+                          </m:r>
+                          <m:r>
+                            <a:rPr lang="en-US" sz="1600" b="0" i="1" smtClean="0">
+                              <a:latin typeface="Cambria Math" panose="02040503050406030204" pitchFamily="18" charset="0"/>
+                              <a:ea typeface="Cambria Math" panose="02040503050406030204" pitchFamily="18" charset="0"/>
+                              <a:cs typeface="Calibri" panose="020F0502020204030204" pitchFamily="34" charset="0"/>
+                            </a:rPr>
+                            <m:t>𝑀</m:t>
+                          </m:r>
+                        </m:num>
+                        <m:den>
+                          <m:r>
+                            <a:rPr lang="he-IL" sz="1600" b="0" i="1" smtClean="0">
+                              <a:latin typeface="Cambria Math" panose="02040503050406030204" pitchFamily="18" charset="0"/>
+                              <a:ea typeface="Cambria Math" panose="02040503050406030204" pitchFamily="18" charset="0"/>
+                              <a:cs typeface="Calibri" panose="020F0502020204030204" pitchFamily="34" charset="0"/>
+                            </a:rPr>
+                            <m:t>512</m:t>
+                          </m:r>
+                        </m:den>
+                      </m:f>
+                      <m:r>
+                        <a:rPr lang="he-IL" sz="1600" b="0" i="1" smtClean="0">
+                          <a:latin typeface="Cambria Math" panose="02040503050406030204" pitchFamily="18" charset="0"/>
+                          <a:ea typeface="Cambria Math" panose="02040503050406030204" pitchFamily="18" charset="0"/>
+                          <a:cs typeface="Calibri" panose="020F0502020204030204" pitchFamily="34" charset="0"/>
+                        </a:rPr>
+                        <m:t>=</m:t>
+                      </m:r>
+                      <m:r>
+                        <a:rPr lang="he-IL" sz="1600" b="0" i="1" smtClean="0">
+                          <a:latin typeface="Cambria Math" panose="02040503050406030204" pitchFamily="18" charset="0"/>
+                          <a:ea typeface="Cambria Math" panose="02040503050406030204" pitchFamily="18" charset="0"/>
+                          <a:cs typeface="Calibri" panose="020F0502020204030204" pitchFamily="34" charset="0"/>
+                        </a:rPr>
+                        <m:t>0</m:t>
+                      </m:r>
+                      <m:r>
+                        <a:rPr lang="en-US" sz="1600" b="0" i="1" smtClean="0">
+                          <a:latin typeface="Cambria Math" panose="02040503050406030204" pitchFamily="18" charset="0"/>
+                          <a:ea typeface="Cambria Math" panose="02040503050406030204" pitchFamily="18" charset="0"/>
+                          <a:cs typeface="Calibri" panose="020F0502020204030204" pitchFamily="34" charset="0"/>
+                        </a:rPr>
+                        <m:t>𝑥𝐵</m:t>
+                      </m:r>
+                      <m:r>
+                        <a:rPr lang="en-US" sz="1600" b="0" i="1" smtClean="0">
+                          <a:latin typeface="Cambria Math" panose="02040503050406030204" pitchFamily="18" charset="0"/>
+                          <a:ea typeface="Cambria Math" panose="02040503050406030204" pitchFamily="18" charset="0"/>
+                          <a:cs typeface="Calibri" panose="020F0502020204030204" pitchFamily="34" charset="0"/>
+                        </a:rPr>
+                        <m:t>71</m:t>
+                      </m:r>
+                      <m:r>
+                        <a:rPr lang="en-US" sz="1600" b="0" i="1" smtClean="0">
+                          <a:latin typeface="Cambria Math" panose="02040503050406030204" pitchFamily="18" charset="0"/>
+                          <a:ea typeface="Cambria Math" panose="02040503050406030204" pitchFamily="18" charset="0"/>
+                          <a:cs typeface="Calibri" panose="020F0502020204030204" pitchFamily="34" charset="0"/>
+                        </a:rPr>
+                        <m:t>𝐵</m:t>
+                      </m:r>
+                    </m:oMath>
+                  </m:oMathPara>
+                </a14:m>
+                <a:endParaRPr lang="he-IL" sz="1600" b="0" dirty="0">
+                  <a:latin typeface="Calibri" panose="020F0502020204030204" pitchFamily="34" charset="0"/>
+                  <a:ea typeface="Cambria Math" panose="02040503050406030204" pitchFamily="18" charset="0"/>
                   <a:cs typeface="Calibri" panose="020F0502020204030204" pitchFamily="34" charset="0"/>
                 </a:endParaRPr>
               </a:p>
             </p:txBody>
           </p:sp>
         </mc:Choice>
-        <mc:Fallback>
+        <mc:Fallback xmlns="">
           <p:sp>
             <p:nvSpPr>
               <p:cNvPr id="3" name="מציין מיקום תוכן 2"/>
@@ -7487,7 +8551,7 @@
             </p:nvSpPr>
             <p:spPr>
               <a:xfrm>
-                <a:off x="1104293" y="1853248"/>
+                <a:off x="1104291" y="1487488"/>
                 <a:ext cx="8946541" cy="4425155"/>
               </a:xfrm>
               <a:blipFill>
@@ -7564,7 +8628,7 @@
           <a:p>
             <a:pPr algn="ctr"/>
             <a:r>
-              <a:rPr lang="en-US" sz="5400" dirty="0" smtClean="0">
+              <a:rPr lang="en-US" sz="5400" dirty="0">
                 <a:latin typeface="Calibri" panose="020F0502020204030204" pitchFamily="34" charset="0"/>
                 <a:cs typeface="Calibri" panose="020F0502020204030204" pitchFamily="34" charset="0"/>
               </a:rPr>
@@ -7574,6 +8638,273 @@
               <a:latin typeface="Calibri" panose="020F0502020204030204" pitchFamily="34" charset="0"/>
               <a:cs typeface="Calibri" panose="020F0502020204030204" pitchFamily="34" charset="0"/>
             </a:endParaRPr>
+          </a:p>
+        </p:txBody>
+      </p:sp>
+      <p:sp>
+        <p:nvSpPr>
+          <p:cNvPr id="4" name="תיבת טקסט 3">
+            <a:extLst>
+              <a:ext uri="{FF2B5EF4-FFF2-40B4-BE49-F238E27FC236}">
+                <a16:creationId xmlns:a16="http://schemas.microsoft.com/office/drawing/2014/main" id="{D5D92221-01DB-4BB4-BF6A-46F448901C47}"/>
+              </a:ext>
+            </a:extLst>
+          </p:cNvPr>
+          <p:cNvSpPr txBox="1"/>
+          <p:nvPr/>
+        </p:nvSpPr>
+        <p:spPr>
+          <a:xfrm>
+            <a:off x="3115162" y="1925491"/>
+            <a:ext cx="8659743" cy="2677656"/>
+          </a:xfrm>
+          <a:prstGeom prst="rect">
+            <a:avLst/>
+          </a:prstGeom>
+          <a:noFill/>
+        </p:spPr>
+        <p:txBody>
+          <a:bodyPr wrap="none" rtlCol="1">
+            <a:spAutoFit/>
+          </a:bodyPr>
+          <a:lstStyle/>
+          <a:p>
+            <a:pPr marL="457200" indent="-457200">
+              <a:buFont typeface="Arial" panose="020B0604020202020204" pitchFamily="34" charset="0"/>
+              <a:buChar char="•"/>
+            </a:pPr>
+            <a:r>
+              <a:rPr lang="he-IL" sz="2800" dirty="0">
+                <a:latin typeface="Calibri" panose="020F0502020204030204" pitchFamily="34" charset="0"/>
+                <a:cs typeface="Calibri" panose="020F0502020204030204" pitchFamily="34" charset="0"/>
+              </a:rPr>
+              <a:t>מסך ראשון: בחירת רמת קושי בין 1 ל-3</a:t>
+            </a:r>
+          </a:p>
+          <a:p>
+            <a:pPr marL="457200" indent="-457200">
+              <a:buFont typeface="Arial" panose="020B0604020202020204" pitchFamily="34" charset="0"/>
+              <a:buChar char="•"/>
+            </a:pPr>
+            <a:endParaRPr lang="he-IL" sz="2800" dirty="0">
+              <a:latin typeface="Calibri" panose="020F0502020204030204" pitchFamily="34" charset="0"/>
+              <a:cs typeface="Calibri" panose="020F0502020204030204" pitchFamily="34" charset="0"/>
+            </a:endParaRPr>
+          </a:p>
+          <a:p>
+            <a:pPr marL="457200" indent="-457200">
+              <a:buFont typeface="Arial" panose="020B0604020202020204" pitchFamily="34" charset="0"/>
+              <a:buChar char="•"/>
+            </a:pPr>
+            <a:endParaRPr lang="he-IL" sz="2800" dirty="0">
+              <a:latin typeface="Calibri" panose="020F0502020204030204" pitchFamily="34" charset="0"/>
+              <a:cs typeface="Calibri" panose="020F0502020204030204" pitchFamily="34" charset="0"/>
+            </a:endParaRPr>
+          </a:p>
+          <a:p>
+            <a:pPr marL="457200" indent="-457200">
+              <a:buFont typeface="Arial" panose="020B0604020202020204" pitchFamily="34" charset="0"/>
+              <a:buChar char="•"/>
+            </a:pPr>
+            <a:endParaRPr lang="he-IL" sz="2800" dirty="0">
+              <a:latin typeface="Calibri" panose="020F0502020204030204" pitchFamily="34" charset="0"/>
+              <a:cs typeface="Calibri" panose="020F0502020204030204" pitchFamily="34" charset="0"/>
+            </a:endParaRPr>
+          </a:p>
+          <a:p>
+            <a:pPr marL="457200" indent="-457200">
+              <a:buFont typeface="Arial" panose="020B0604020202020204" pitchFamily="34" charset="0"/>
+              <a:buChar char="•"/>
+            </a:pPr>
+            <a:endParaRPr lang="he-IL" sz="2800" dirty="0">
+              <a:latin typeface="Calibri" panose="020F0502020204030204" pitchFamily="34" charset="0"/>
+              <a:cs typeface="Calibri" panose="020F0502020204030204" pitchFamily="34" charset="0"/>
+            </a:endParaRPr>
+          </a:p>
+          <a:p>
+            <a:pPr marL="457200" indent="-457200">
+              <a:buFont typeface="Arial" panose="020B0604020202020204" pitchFamily="34" charset="0"/>
+              <a:buChar char="•"/>
+            </a:pPr>
+            <a:r>
+              <a:rPr lang="he-IL" sz="2800" dirty="0">
+                <a:latin typeface="Calibri" panose="020F0502020204030204" pitchFamily="34" charset="0"/>
+                <a:cs typeface="Calibri" panose="020F0502020204030204" pitchFamily="34" charset="0"/>
+              </a:rPr>
+              <a:t>מסך נתונים: לחיצה על '5' תוביל אותו לחלק הראשון של המפה</a:t>
+            </a:r>
+          </a:p>
+        </p:txBody>
+      </p:sp>
+      <p:pic>
+        <p:nvPicPr>
+          <p:cNvPr id="5" name="תמונה 4" descr="תמונה שמכילה שעון, אלקטרוניקה, חוץ&#10;&#10;התיאור נוצר באופן אוטומטי">
+            <a:extLst>
+              <a:ext uri="{FF2B5EF4-FFF2-40B4-BE49-F238E27FC236}">
+                <a16:creationId xmlns:a16="http://schemas.microsoft.com/office/drawing/2014/main" id="{77A22039-1028-4C7E-9B10-E7B82D9DADCA}"/>
+              </a:ext>
+            </a:extLst>
+          </p:cNvPr>
+          <p:cNvPicPr>
+            <a:picLocks noChangeAspect="1"/>
+          </p:cNvPicPr>
+          <p:nvPr/>
+        </p:nvPicPr>
+        <p:blipFill>
+          <a:blip r:embed="rId2" cstate="print">
+            <a:extLst>
+              <a:ext uri="{28A0092B-C50C-407E-A947-70E740481C1C}">
+                <a14:useLocalDpi xmlns:a14="http://schemas.microsoft.com/office/drawing/2010/main" val="0"/>
+              </a:ext>
+            </a:extLst>
+          </a:blip>
+          <a:stretch>
+            <a:fillRect/>
+          </a:stretch>
+        </p:blipFill>
+        <p:spPr>
+          <a:xfrm>
+            <a:off x="417096" y="531159"/>
+            <a:ext cx="2616998" cy="3079376"/>
+          </a:xfrm>
+          <a:prstGeom prst="rect">
+            <a:avLst/>
+          </a:prstGeom>
+        </p:spPr>
+      </p:pic>
+      <p:sp>
+        <p:nvSpPr>
+          <p:cNvPr id="6" name="מלבן 5">
+            <a:extLst>
+              <a:ext uri="{FF2B5EF4-FFF2-40B4-BE49-F238E27FC236}">
+                <a16:creationId xmlns:a16="http://schemas.microsoft.com/office/drawing/2014/main" id="{D2A84FB8-3C4D-4723-934E-230977B6E586}"/>
+              </a:ext>
+            </a:extLst>
+          </p:cNvPr>
+          <p:cNvSpPr/>
+          <p:nvPr/>
+        </p:nvSpPr>
+        <p:spPr>
+          <a:xfrm>
+            <a:off x="903642" y="1737232"/>
+            <a:ext cx="1245198" cy="376518"/>
+          </a:xfrm>
+          <a:prstGeom prst="rect">
+            <a:avLst/>
+          </a:prstGeom>
+          <a:noFill/>
+          <a:ln>
+            <a:solidFill>
+              <a:srgbClr val="FF0000"/>
+            </a:solidFill>
+          </a:ln>
+        </p:spPr>
+        <p:style>
+          <a:lnRef idx="2">
+            <a:schemeClr val="accent6"/>
+          </a:lnRef>
+          <a:fillRef idx="1">
+            <a:schemeClr val="lt1"/>
+          </a:fillRef>
+          <a:effectRef idx="0">
+            <a:schemeClr val="accent6"/>
+          </a:effectRef>
+          <a:fontRef idx="minor">
+            <a:schemeClr val="dk1"/>
+          </a:fontRef>
+        </p:style>
+        <p:txBody>
+          <a:bodyPr rtlCol="1" anchor="ctr"/>
+          <a:lstStyle/>
+          <a:p>
+            <a:pPr algn="ctr"/>
+            <a:endParaRPr lang="he-IL"/>
+          </a:p>
+        </p:txBody>
+      </p:sp>
+      <p:pic>
+        <p:nvPicPr>
+          <p:cNvPr id="8" name="תמונה 7" descr="תמונה שמכילה שעון, חוץ&#10;&#10;התיאור נוצר באופן אוטומטי">
+            <a:extLst>
+              <a:ext uri="{FF2B5EF4-FFF2-40B4-BE49-F238E27FC236}">
+                <a16:creationId xmlns:a16="http://schemas.microsoft.com/office/drawing/2014/main" id="{09091659-DD9A-4F82-B1ED-A3CA548D1D00}"/>
+              </a:ext>
+            </a:extLst>
+          </p:cNvPr>
+          <p:cNvPicPr>
+            <a:picLocks noChangeAspect="1"/>
+          </p:cNvPicPr>
+          <p:nvPr/>
+        </p:nvPicPr>
+        <p:blipFill>
+          <a:blip r:embed="rId3" cstate="print">
+            <a:extLst>
+              <a:ext uri="{28A0092B-C50C-407E-A947-70E740481C1C}">
+                <a14:useLocalDpi xmlns:a14="http://schemas.microsoft.com/office/drawing/2010/main" val="0"/>
+              </a:ext>
+            </a:extLst>
+          </a:blip>
+          <a:stretch>
+            <a:fillRect/>
+          </a:stretch>
+        </p:blipFill>
+        <p:spPr>
+          <a:xfrm>
+            <a:off x="417095" y="3703503"/>
+            <a:ext cx="2616999" cy="3154497"/>
+          </a:xfrm>
+          <a:prstGeom prst="rect">
+            <a:avLst/>
+          </a:prstGeom>
+        </p:spPr>
+      </p:pic>
+      <p:sp>
+        <p:nvSpPr>
+          <p:cNvPr id="9" name="מלבן 8">
+            <a:extLst>
+              <a:ext uri="{FF2B5EF4-FFF2-40B4-BE49-F238E27FC236}">
+                <a16:creationId xmlns:a16="http://schemas.microsoft.com/office/drawing/2014/main" id="{8FFC045A-B4D2-4542-AAC9-50B10B9FEBB9}"/>
+              </a:ext>
+            </a:extLst>
+          </p:cNvPr>
+          <p:cNvSpPr/>
+          <p:nvPr/>
+        </p:nvSpPr>
+        <p:spPr>
+          <a:xfrm>
+            <a:off x="1301674" y="5280751"/>
+            <a:ext cx="398033" cy="376518"/>
+          </a:xfrm>
+          <a:prstGeom prst="rect">
+            <a:avLst/>
+          </a:prstGeom>
+          <a:noFill/>
+          <a:ln>
+            <a:solidFill>
+              <a:srgbClr val="FF0000"/>
+            </a:solidFill>
+          </a:ln>
+        </p:spPr>
+        <p:style>
+          <a:lnRef idx="2">
+            <a:schemeClr val="accent6"/>
+          </a:lnRef>
+          <a:fillRef idx="1">
+            <a:schemeClr val="lt1"/>
+          </a:fillRef>
+          <a:effectRef idx="0">
+            <a:schemeClr val="accent6"/>
+          </a:effectRef>
+          <a:fontRef idx="minor">
+            <a:schemeClr val="dk1"/>
+          </a:fontRef>
+        </p:style>
+        <p:txBody>
+          <a:bodyPr rtlCol="1" anchor="ctr"/>
+          <a:lstStyle/>
+          <a:p>
+            <a:pPr algn="ctr"/>
+            <a:endParaRPr lang="he-IL"/>
           </a:p>
         </p:txBody>
       </p:sp>
@@ -7609,7 +8940,13 @@
       </p:grpSpPr>
       <p:sp>
         <p:nvSpPr>
-          <p:cNvPr id="2" name="כותרת 1"/>
+          <p:cNvPr id="4" name="כותרת 1">
+            <a:extLst>
+              <a:ext uri="{FF2B5EF4-FFF2-40B4-BE49-F238E27FC236}">
+                <a16:creationId xmlns:a16="http://schemas.microsoft.com/office/drawing/2014/main" id="{2B60AD75-D5A9-4497-9C33-2C323EFAAD66}"/>
+              </a:ext>
+            </a:extLst>
+          </p:cNvPr>
           <p:cNvSpPr>
             <a:spLocks noGrp="1"/>
           </p:cNvSpPr>
@@ -7619,8 +8956,8 @@
         </p:nvSpPr>
         <p:spPr>
           <a:xfrm>
-            <a:off x="1870404" y="684538"/>
-            <a:ext cx="7870535" cy="951079"/>
+            <a:off x="3079164" y="656823"/>
+            <a:ext cx="5948926" cy="1028352"/>
           </a:xfrm>
         </p:spPr>
         <p:txBody>
@@ -7629,100 +8966,286 @@
           <a:p>
             <a:pPr algn="ctr"/>
             <a:r>
-              <a:rPr lang="he-IL" sz="5400" dirty="0">
+              <a:rPr lang="en-US" sz="5400" dirty="0">
                 <a:latin typeface="Calibri" panose="020F0502020204030204" pitchFamily="34" charset="0"/>
                 <a:cs typeface="Calibri" panose="020F0502020204030204" pitchFamily="34" charset="0"/>
               </a:rPr>
-              <a:t>בעיות בהן נתקלנו ואיך פתרנו</a:t>
-            </a:r>
-          </a:p>
-        </p:txBody>
-      </p:sp>
-      <p:sp>
-        <p:nvSpPr>
-          <p:cNvPr id="3" name="מציין מיקום תוכן 2"/>
-          <p:cNvSpPr>
-            <a:spLocks noGrp="1"/>
-          </p:cNvSpPr>
-          <p:nvPr>
-            <p:ph idx="1"/>
-          </p:nvPr>
+              <a:t>User Interface</a:t>
+            </a:r>
+            <a:endParaRPr lang="he-IL" sz="5400" dirty="0">
+              <a:latin typeface="Calibri" panose="020F0502020204030204" pitchFamily="34" charset="0"/>
+              <a:cs typeface="Calibri" panose="020F0502020204030204" pitchFamily="34" charset="0"/>
+            </a:endParaRPr>
+          </a:p>
+        </p:txBody>
+      </p:sp>
+      <p:sp>
+        <p:nvSpPr>
+          <p:cNvPr id="5" name="מלבן 4">
+            <a:extLst>
+              <a:ext uri="{FF2B5EF4-FFF2-40B4-BE49-F238E27FC236}">
+                <a16:creationId xmlns:a16="http://schemas.microsoft.com/office/drawing/2014/main" id="{00BF3593-2DEA-44E2-943B-24625A7CE79B}"/>
+              </a:ext>
+            </a:extLst>
+          </p:cNvPr>
+          <p:cNvSpPr/>
+          <p:nvPr/>
         </p:nvSpPr>
         <p:spPr>
           <a:xfrm>
-            <a:off x="1332400" y="2194585"/>
-            <a:ext cx="8946541" cy="4195481"/>
-          </a:xfrm>
-        </p:spPr>
-        <p:txBody>
-          <a:bodyPr>
-            <a:normAutofit/>
+            <a:off x="1470212" y="1785386"/>
+            <a:ext cx="9251576" cy="2677656"/>
+          </a:xfrm>
+          <a:prstGeom prst="rect">
+            <a:avLst/>
+          </a:prstGeom>
+        </p:spPr>
+        <p:txBody>
+          <a:bodyPr wrap="square">
+            <a:spAutoFit/>
           </a:bodyPr>
           <a:lstStyle/>
           <a:p>
-            <a:r>
-              <a:rPr lang="he-IL" sz="3200" dirty="0" smtClean="0">
+            <a:pPr marL="457200" indent="-457200">
+              <a:buFont typeface="Arial" panose="020B0604020202020204" pitchFamily="34" charset="0"/>
+              <a:buChar char="•"/>
+            </a:pPr>
+            <a:endParaRPr lang="he-IL" sz="2800" dirty="0">
+              <a:latin typeface="Calibri" panose="020F0502020204030204" pitchFamily="34" charset="0"/>
+              <a:cs typeface="Calibri" panose="020F0502020204030204" pitchFamily="34" charset="0"/>
+            </a:endParaRPr>
+          </a:p>
+          <a:p>
+            <a:pPr marL="457200" indent="-457200">
+              <a:buFont typeface="Arial" panose="020B0604020202020204" pitchFamily="34" charset="0"/>
+              <a:buChar char="•"/>
+            </a:pPr>
+            <a:r>
+              <a:rPr lang="he-IL" sz="2800" dirty="0">
                 <a:latin typeface="Calibri" panose="020F0502020204030204" pitchFamily="34" charset="0"/>
                 <a:cs typeface="Calibri" panose="020F0502020204030204" pitchFamily="34" charset="0"/>
               </a:rPr>
-              <a:t>בעיות בתשדורת – </a:t>
-            </a:r>
-            <a:r>
-              <a:rPr lang="en-US" sz="3200" dirty="0" smtClean="0">
+              <a:t>במפה: המקשים '2' , '4', '5' , '6' מתפקדים כמו החיצים במקלדת של המחשב</a:t>
+            </a:r>
+            <a:br>
+              <a:rPr lang="en-US" sz="2800" dirty="0">
                 <a:latin typeface="Calibri" panose="020F0502020204030204" pitchFamily="34" charset="0"/>
                 <a:cs typeface="Calibri" panose="020F0502020204030204" pitchFamily="34" charset="0"/>
               </a:rPr>
-              <a:t>UART</a:t>
-            </a:r>
-            <a:endParaRPr lang="he-IL" sz="3200" dirty="0" smtClean="0">
-              <a:latin typeface="Calibri" panose="020F0502020204030204" pitchFamily="34" charset="0"/>
-              <a:cs typeface="Calibri" panose="020F0502020204030204" pitchFamily="34" charset="0"/>
-            </a:endParaRPr>
-          </a:p>
-          <a:p>
-            <a:r>
-              <a:rPr lang="he-IL" sz="3200" dirty="0" smtClean="0">
+            </a:br>
+            <a:r>
+              <a:rPr lang="he-IL" sz="2800" dirty="0">
                 <a:latin typeface="Calibri" panose="020F0502020204030204" pitchFamily="34" charset="0"/>
                 <a:cs typeface="Calibri" panose="020F0502020204030204" pitchFamily="34" charset="0"/>
               </a:rPr>
-              <a:t>שימוש בפסיקות חיצוניות</a:t>
-            </a:r>
-          </a:p>
-          <a:p>
-            <a:r>
-              <a:rPr lang="he-IL" sz="3200" dirty="0" smtClean="0">
+              <a:t>ומאפשרים לנו לנוע ימינה, שמאלה, למטה </a:t>
+            </a:r>
+            <a:r>
+              <a:rPr lang="he-IL" sz="2800" dirty="0" err="1">
                 <a:latin typeface="Calibri" panose="020F0502020204030204" pitchFamily="34" charset="0"/>
                 <a:cs typeface="Calibri" panose="020F0502020204030204" pitchFamily="34" charset="0"/>
               </a:rPr>
-              <a:t>בעיות סנכרון זמנים – </a:t>
-            </a:r>
-            <a:r>
-              <a:rPr lang="en-US" sz="3200" dirty="0" smtClean="0">
+              <a:t>ולמלע</a:t>
+            </a:r>
+            <a:r>
+              <a:rPr lang="he-IL" sz="2800" dirty="0">
                 <a:latin typeface="Calibri" panose="020F0502020204030204" pitchFamily="34" charset="0"/>
                 <a:cs typeface="Calibri" panose="020F0502020204030204" pitchFamily="34" charset="0"/>
               </a:rPr>
-              <a:t>8051, ARM</a:t>
-            </a:r>
-            <a:endParaRPr lang="he-IL" sz="3200" dirty="0" smtClean="0">
-              <a:latin typeface="Calibri" panose="020F0502020204030204" pitchFamily="34" charset="0"/>
-              <a:cs typeface="Calibri" panose="020F0502020204030204" pitchFamily="34" charset="0"/>
-            </a:endParaRPr>
-          </a:p>
-          <a:p>
-            <a:r>
-              <a:rPr lang="he-IL" sz="3200" dirty="0" smtClean="0">
+              <a:t>.</a:t>
+            </a:r>
+            <a:br>
+              <a:rPr lang="en-US" sz="2800" dirty="0">
                 <a:latin typeface="Calibri" panose="020F0502020204030204" pitchFamily="34" charset="0"/>
                 <a:cs typeface="Calibri" panose="020F0502020204030204" pitchFamily="34" charset="0"/>
               </a:rPr>
-              <a:t>בעיות מגעים של הלחצנים</a:t>
-            </a:r>
-          </a:p>
-        </p:txBody>
-      </p:sp>
+            </a:br>
+            <a:r>
+              <a:rPr lang="he-IL" sz="2800" dirty="0">
+                <a:latin typeface="Calibri" panose="020F0502020204030204" pitchFamily="34" charset="0"/>
+                <a:cs typeface="Calibri" panose="020F0502020204030204" pitchFamily="34" charset="0"/>
+              </a:rPr>
+              <a:t>ניתן לעלות חזרה אל מסך הנתונים או לרדת אל החלק השני של המפה.</a:t>
+            </a:r>
+          </a:p>
+        </p:txBody>
+      </p:sp>
+      <p:pic>
+        <p:nvPicPr>
+          <p:cNvPr id="7" name="תמונה 6">
+            <a:extLst>
+              <a:ext uri="{FF2B5EF4-FFF2-40B4-BE49-F238E27FC236}">
+                <a16:creationId xmlns:a16="http://schemas.microsoft.com/office/drawing/2014/main" id="{C280761D-444E-4C6A-ADF1-FA032A136EFB}"/>
+              </a:ext>
+            </a:extLst>
+          </p:cNvPr>
+          <p:cNvPicPr>
+            <a:picLocks noChangeAspect="1"/>
+          </p:cNvPicPr>
+          <p:nvPr/>
+        </p:nvPicPr>
+        <p:blipFill>
+          <a:blip r:embed="rId2" cstate="print">
+            <a:extLst>
+              <a:ext uri="{28A0092B-C50C-407E-A947-70E740481C1C}">
+                <a14:useLocalDpi xmlns:a14="http://schemas.microsoft.com/office/drawing/2010/main" val="0"/>
+              </a:ext>
+            </a:extLst>
+          </a:blip>
+          <a:stretch>
+            <a:fillRect/>
+          </a:stretch>
+        </p:blipFill>
+        <p:spPr>
+          <a:xfrm>
+            <a:off x="6096000" y="4067501"/>
+            <a:ext cx="2439848" cy="2737088"/>
+          </a:xfrm>
+          <a:prstGeom prst="rect">
+            <a:avLst/>
+          </a:prstGeom>
+        </p:spPr>
+      </p:pic>
+      <p:sp>
+        <p:nvSpPr>
+          <p:cNvPr id="8" name="מלבן 7">
+            <a:extLst>
+              <a:ext uri="{FF2B5EF4-FFF2-40B4-BE49-F238E27FC236}">
+                <a16:creationId xmlns:a16="http://schemas.microsoft.com/office/drawing/2014/main" id="{5B54226E-54DC-451D-B52C-5710B39FDBB7}"/>
+              </a:ext>
+            </a:extLst>
+          </p:cNvPr>
+          <p:cNvSpPr/>
+          <p:nvPr/>
+        </p:nvSpPr>
+        <p:spPr>
+          <a:xfrm>
+            <a:off x="6693325" y="5148176"/>
+            <a:ext cx="1245198" cy="676909"/>
+          </a:xfrm>
+          <a:prstGeom prst="rect">
+            <a:avLst/>
+          </a:prstGeom>
+          <a:noFill/>
+          <a:ln>
+            <a:solidFill>
+              <a:srgbClr val="FF0000"/>
+            </a:solidFill>
+          </a:ln>
+        </p:spPr>
+        <p:style>
+          <a:lnRef idx="2">
+            <a:schemeClr val="accent6"/>
+          </a:lnRef>
+          <a:fillRef idx="1">
+            <a:schemeClr val="lt1"/>
+          </a:fillRef>
+          <a:effectRef idx="0">
+            <a:schemeClr val="accent6"/>
+          </a:effectRef>
+          <a:fontRef idx="minor">
+            <a:schemeClr val="dk1"/>
+          </a:fontRef>
+        </p:style>
+        <p:txBody>
+          <a:bodyPr rtlCol="1" anchor="ctr"/>
+          <a:lstStyle/>
+          <a:p>
+            <a:pPr algn="ctr"/>
+            <a:endParaRPr lang="he-IL"/>
+          </a:p>
+        </p:txBody>
+      </p:sp>
+      <p:sp>
+        <p:nvSpPr>
+          <p:cNvPr id="9" name="מלבן 8">
+            <a:extLst>
+              <a:ext uri="{FF2B5EF4-FFF2-40B4-BE49-F238E27FC236}">
+                <a16:creationId xmlns:a16="http://schemas.microsoft.com/office/drawing/2014/main" id="{3BC1D561-C945-4031-8E60-C670D5ECB7FB}"/>
+              </a:ext>
+            </a:extLst>
+          </p:cNvPr>
+          <p:cNvSpPr/>
+          <p:nvPr/>
+        </p:nvSpPr>
+        <p:spPr>
+          <a:xfrm>
+            <a:off x="6300394" y="6368639"/>
+            <a:ext cx="392931" cy="376518"/>
+          </a:xfrm>
+          <a:prstGeom prst="rect">
+            <a:avLst/>
+          </a:prstGeom>
+          <a:noFill/>
+          <a:ln>
+            <a:solidFill>
+              <a:srgbClr val="FF0000"/>
+            </a:solidFill>
+          </a:ln>
+        </p:spPr>
+        <p:style>
+          <a:lnRef idx="2">
+            <a:schemeClr val="accent6"/>
+          </a:lnRef>
+          <a:fillRef idx="1">
+            <a:schemeClr val="lt1"/>
+          </a:fillRef>
+          <a:effectRef idx="0">
+            <a:schemeClr val="accent6"/>
+          </a:effectRef>
+          <a:fontRef idx="minor">
+            <a:schemeClr val="dk1"/>
+          </a:fontRef>
+        </p:style>
+        <p:txBody>
+          <a:bodyPr rtlCol="1" anchor="ctr"/>
+          <a:lstStyle/>
+          <a:p>
+            <a:pPr algn="ctr"/>
+            <a:endParaRPr lang="he-IL"/>
+          </a:p>
+        </p:txBody>
+      </p:sp>
+      <p:pic>
+        <p:nvPicPr>
+          <p:cNvPr id="11" name="תמונה 10">
+            <a:extLst>
+              <a:ext uri="{FF2B5EF4-FFF2-40B4-BE49-F238E27FC236}">
+                <a16:creationId xmlns:a16="http://schemas.microsoft.com/office/drawing/2014/main" id="{4C2A6448-40EA-42DF-B6DC-22899CE72B92}"/>
+              </a:ext>
+            </a:extLst>
+          </p:cNvPr>
+          <p:cNvPicPr>
+            <a:picLocks noChangeAspect="1"/>
+          </p:cNvPicPr>
+          <p:nvPr/>
+        </p:nvPicPr>
+        <p:blipFill>
+          <a:blip r:embed="rId3" cstate="print">
+            <a:extLst>
+              <a:ext uri="{28A0092B-C50C-407E-A947-70E740481C1C}">
+                <a14:useLocalDpi xmlns:a14="http://schemas.microsoft.com/office/drawing/2010/main" val="0"/>
+              </a:ext>
+            </a:extLst>
+          </a:blip>
+          <a:stretch>
+            <a:fillRect/>
+          </a:stretch>
+        </p:blipFill>
+        <p:spPr>
+          <a:xfrm>
+            <a:off x="3311415" y="4061480"/>
+            <a:ext cx="2466680" cy="2743109"/>
+          </a:xfrm>
+          <a:prstGeom prst="rect">
+            <a:avLst/>
+          </a:prstGeom>
+        </p:spPr>
+      </p:pic>
     </p:spTree>
     <p:extLst>
       <p:ext uri="{BB962C8B-B14F-4D97-AF65-F5344CB8AC3E}">
-        <p14:creationId xmlns:p14="http://schemas.microsoft.com/office/powerpoint/2010/main" val="3547512910"/>
+        <p14:creationId xmlns:p14="http://schemas.microsoft.com/office/powerpoint/2010/main" val="1105354218"/>
       </p:ext>
     </p:extLst>
   </p:cSld>
@@ -7751,43 +9274,245 @@
       </p:grpSpPr>
       <p:sp>
         <p:nvSpPr>
-          <p:cNvPr id="2" name="כותרת 1"/>
-          <p:cNvSpPr>
-            <a:spLocks noGrp="1"/>
-          </p:cNvSpPr>
-          <p:nvPr>
-            <p:ph type="title"/>
-          </p:nvPr>
+          <p:cNvPr id="4" name="מלבן 3">
+            <a:extLst>
+              <a:ext uri="{FF2B5EF4-FFF2-40B4-BE49-F238E27FC236}">
+                <a16:creationId xmlns:a16="http://schemas.microsoft.com/office/drawing/2014/main" id="{F9947B73-4202-41D9-9151-FCE95F42EFC8}"/>
+              </a:ext>
+            </a:extLst>
+          </p:cNvPr>
+          <p:cNvSpPr/>
+          <p:nvPr/>
         </p:nvSpPr>
         <p:spPr>
           <a:xfrm>
-            <a:off x="1174145" y="529992"/>
-            <a:ext cx="9404723" cy="1400530"/>
-          </a:xfrm>
-        </p:spPr>
-        <p:txBody>
-          <a:bodyPr/>
+            <a:off x="1642334" y="1056524"/>
+            <a:ext cx="8907332" cy="2677656"/>
+          </a:xfrm>
+          <a:prstGeom prst="rect">
+            <a:avLst/>
+          </a:prstGeom>
+        </p:spPr>
+        <p:txBody>
+          <a:bodyPr wrap="square">
+            <a:spAutoFit/>
+          </a:bodyPr>
           <a:lstStyle/>
           <a:p>
-            <a:pPr algn="ctr"/>
-            <a:r>
-              <a:rPr lang="he-IL" sz="6000" dirty="0" smtClean="0">
+            <a:pPr marL="457200" indent="-457200">
+              <a:buFont typeface="Arial" panose="020B0604020202020204" pitchFamily="34" charset="0"/>
+              <a:buChar char="•"/>
+            </a:pPr>
+            <a:endParaRPr lang="he-IL" sz="2800" dirty="0">
+              <a:latin typeface="Calibri" panose="020F0502020204030204" pitchFamily="34" charset="0"/>
+              <a:cs typeface="Calibri" panose="020F0502020204030204" pitchFamily="34" charset="0"/>
+            </a:endParaRPr>
+          </a:p>
+          <a:p>
+            <a:pPr marL="457200" indent="-457200">
+              <a:buFont typeface="Arial" panose="020B0604020202020204" pitchFamily="34" charset="0"/>
+              <a:buChar char="•"/>
+            </a:pPr>
+            <a:r>
+              <a:rPr lang="he-IL" sz="2800" dirty="0">
                 <a:latin typeface="Calibri" panose="020F0502020204030204" pitchFamily="34" charset="0"/>
                 <a:cs typeface="Calibri" panose="020F0502020204030204" pitchFamily="34" charset="0"/>
               </a:rPr>
-              <a:t>סרטון הדגמה</a:t>
-            </a:r>
-            <a:endParaRPr lang="he-IL" sz="6000" dirty="0">
+              <a:t>במסך הסיום: מוצגת התוצאה והמערכת מבקשת ללחות על כפתור ה"</a:t>
+            </a:r>
+            <a:r>
+              <a:rPr lang="en-US" sz="2800" dirty="0">
+                <a:latin typeface="Calibri" panose="020F0502020204030204" pitchFamily="34" charset="0"/>
+                <a:cs typeface="Calibri" panose="020F0502020204030204" pitchFamily="34" charset="0"/>
+              </a:rPr>
+              <a:t>RESET</a:t>
+            </a:r>
+            <a:r>
+              <a:rPr lang="he-IL" sz="2800" dirty="0">
+                <a:latin typeface="Calibri" panose="020F0502020204030204" pitchFamily="34" charset="0"/>
+                <a:cs typeface="Calibri" panose="020F0502020204030204" pitchFamily="34" charset="0"/>
+              </a:rPr>
+              <a:t>".</a:t>
+            </a:r>
+          </a:p>
+          <a:p>
+            <a:pPr marL="457200" indent="-457200">
+              <a:buFont typeface="Arial" panose="020B0604020202020204" pitchFamily="34" charset="0"/>
+              <a:buChar char="•"/>
+            </a:pPr>
+            <a:endParaRPr lang="he-IL" sz="2800" dirty="0">
               <a:latin typeface="Calibri" panose="020F0502020204030204" pitchFamily="34" charset="0"/>
               <a:cs typeface="Calibri" panose="020F0502020204030204" pitchFamily="34" charset="0"/>
             </a:endParaRPr>
           </a:p>
-        </p:txBody>
-      </p:sp>
+          <a:p>
+            <a:pPr marL="457200" indent="-457200">
+              <a:buFont typeface="Arial" panose="020B0604020202020204" pitchFamily="34" charset="0"/>
+              <a:buChar char="•"/>
+            </a:pPr>
+            <a:r>
+              <a:rPr lang="he-IL" sz="2800" dirty="0">
+                <a:latin typeface="Calibri" panose="020F0502020204030204" pitchFamily="34" charset="0"/>
+                <a:cs typeface="Calibri" panose="020F0502020204030204" pitchFamily="34" charset="0"/>
+              </a:rPr>
+              <a:t>בכל שלב של המשחק ניתן ללחוץ על כפתור האתחול כדי להתחיל את המשחק מחדש</a:t>
+            </a:r>
+          </a:p>
+        </p:txBody>
+      </p:sp>
+      <p:sp>
+        <p:nvSpPr>
+          <p:cNvPr id="5" name="כותרת 1">
+            <a:extLst>
+              <a:ext uri="{FF2B5EF4-FFF2-40B4-BE49-F238E27FC236}">
+                <a16:creationId xmlns:a16="http://schemas.microsoft.com/office/drawing/2014/main" id="{3A3A36D5-0C28-4420-AAB4-B5BC01F12DA7}"/>
+              </a:ext>
+            </a:extLst>
+          </p:cNvPr>
+          <p:cNvSpPr>
+            <a:spLocks noGrp="1"/>
+          </p:cNvSpPr>
+          <p:nvPr>
+            <p:ph type="title"/>
+          </p:nvPr>
+        </p:nvSpPr>
+        <p:spPr>
+          <a:xfrm>
+            <a:off x="3121537" y="542348"/>
+            <a:ext cx="5948926" cy="1028352"/>
+          </a:xfrm>
+        </p:spPr>
+        <p:txBody>
+          <a:bodyPr/>
+          <a:lstStyle/>
+          <a:p>
+            <a:pPr algn="ctr"/>
+            <a:r>
+              <a:rPr lang="en-US" sz="5400" dirty="0">
+                <a:latin typeface="Calibri" panose="020F0502020204030204" pitchFamily="34" charset="0"/>
+                <a:cs typeface="Calibri" panose="020F0502020204030204" pitchFamily="34" charset="0"/>
+              </a:rPr>
+              <a:t>User Interface</a:t>
+            </a:r>
+            <a:endParaRPr lang="he-IL" sz="5400" dirty="0">
+              <a:latin typeface="Calibri" panose="020F0502020204030204" pitchFamily="34" charset="0"/>
+              <a:cs typeface="Calibri" panose="020F0502020204030204" pitchFamily="34" charset="0"/>
+            </a:endParaRPr>
+          </a:p>
+        </p:txBody>
+      </p:sp>
+      <p:pic>
+        <p:nvPicPr>
+          <p:cNvPr id="7" name="תמונה 6" descr="תמונה שמכילה אלקטרוניקה, צג&#10;&#10;התיאור נוצר באופן אוטומטי">
+            <a:extLst>
+              <a:ext uri="{FF2B5EF4-FFF2-40B4-BE49-F238E27FC236}">
+                <a16:creationId xmlns:a16="http://schemas.microsoft.com/office/drawing/2014/main" id="{32B4CF68-C5BE-4556-B37B-B578201BD85E}"/>
+              </a:ext>
+            </a:extLst>
+          </p:cNvPr>
+          <p:cNvPicPr>
+            <a:picLocks noChangeAspect="1"/>
+          </p:cNvPicPr>
+          <p:nvPr/>
+        </p:nvPicPr>
+        <p:blipFill>
+          <a:blip r:embed="rId2" cstate="print">
+            <a:extLst>
+              <a:ext uri="{28A0092B-C50C-407E-A947-70E740481C1C}">
+                <a14:useLocalDpi xmlns:a14="http://schemas.microsoft.com/office/drawing/2010/main" val="0"/>
+              </a:ext>
+            </a:extLst>
+          </a:blip>
+          <a:stretch>
+            <a:fillRect/>
+          </a:stretch>
+        </p:blipFill>
+        <p:spPr>
+          <a:xfrm>
+            <a:off x="1642334" y="3271732"/>
+            <a:ext cx="2403486" cy="1996358"/>
+          </a:xfrm>
+          <a:prstGeom prst="rect">
+            <a:avLst/>
+          </a:prstGeom>
+        </p:spPr>
+      </p:pic>
+      <p:pic>
+        <p:nvPicPr>
+          <p:cNvPr id="9" name="תמונה 8" descr="תמונה שמכילה צג, קיר, מקורה, מסך&#10;&#10;התיאור נוצר באופן אוטומטי">
+            <a:extLst>
+              <a:ext uri="{FF2B5EF4-FFF2-40B4-BE49-F238E27FC236}">
+                <a16:creationId xmlns:a16="http://schemas.microsoft.com/office/drawing/2014/main" id="{655541BA-C372-4953-B424-E3C604F17EF8}"/>
+              </a:ext>
+            </a:extLst>
+          </p:cNvPr>
+          <p:cNvPicPr>
+            <a:picLocks noChangeAspect="1"/>
+          </p:cNvPicPr>
+          <p:nvPr/>
+        </p:nvPicPr>
+        <p:blipFill>
+          <a:blip r:embed="rId3" cstate="print">
+            <a:extLst>
+              <a:ext uri="{28A0092B-C50C-407E-A947-70E740481C1C}">
+                <a14:useLocalDpi xmlns:a14="http://schemas.microsoft.com/office/drawing/2010/main" val="0"/>
+              </a:ext>
+            </a:extLst>
+          </a:blip>
+          <a:stretch>
+            <a:fillRect/>
+          </a:stretch>
+        </p:blipFill>
+        <p:spPr>
+          <a:xfrm>
+            <a:off x="1642335" y="5268091"/>
+            <a:ext cx="2403486" cy="1254040"/>
+          </a:xfrm>
+          <a:prstGeom prst="rect">
+            <a:avLst/>
+          </a:prstGeom>
+        </p:spPr>
+      </p:pic>
+      <p:pic>
+        <p:nvPicPr>
+          <p:cNvPr id="11" name="תמונה 10">
+            <a:extLst>
+              <a:ext uri="{FF2B5EF4-FFF2-40B4-BE49-F238E27FC236}">
+                <a16:creationId xmlns:a16="http://schemas.microsoft.com/office/drawing/2014/main" id="{9AE2059A-5A67-4187-AECD-078DA3C69163}"/>
+              </a:ext>
+            </a:extLst>
+          </p:cNvPr>
+          <p:cNvPicPr>
+            <a:picLocks noChangeAspect="1"/>
+          </p:cNvPicPr>
+          <p:nvPr/>
+        </p:nvPicPr>
+        <p:blipFill>
+          <a:blip r:embed="rId4" cstate="print">
+            <a:extLst>
+              <a:ext uri="{28A0092B-C50C-407E-A947-70E740481C1C}">
+                <a14:useLocalDpi xmlns:a14="http://schemas.microsoft.com/office/drawing/2010/main" val="0"/>
+              </a:ext>
+            </a:extLst>
+          </a:blip>
+          <a:stretch>
+            <a:fillRect/>
+          </a:stretch>
+        </p:blipFill>
+        <p:spPr>
+          <a:xfrm>
+            <a:off x="4045820" y="4485797"/>
+            <a:ext cx="4100361" cy="2023124"/>
+          </a:xfrm>
+          <a:prstGeom prst="rect">
+            <a:avLst/>
+          </a:prstGeom>
+        </p:spPr>
+      </p:pic>
     </p:spTree>
     <p:extLst>
       <p:ext uri="{BB962C8B-B14F-4D97-AF65-F5344CB8AC3E}">
-        <p14:creationId xmlns:p14="http://schemas.microsoft.com/office/powerpoint/2010/main" val="1550869796"/>
+        <p14:creationId xmlns:p14="http://schemas.microsoft.com/office/powerpoint/2010/main" val="4105527587"/>
       </p:ext>
     </p:extLst>
   </p:cSld>

--- a/צוללות - BattleShips.pptx
+++ b/צוללות - BattleShips.pptx
@@ -308,7 +308,7 @@
           <a:p>
             <a:fld id="{843413FE-69AF-4638-8265-5C9A900F483E}" type="datetimeFigureOut">
               <a:rPr lang="he-IL" smtClean="0"/>
-              <a:t>כ"ט/סיון/תשע"ט</a:t>
+              <a:t>ל'/סיון/תשע"ט</a:t>
             </a:fld>
             <a:endParaRPr lang="he-IL"/>
           </a:p>
@@ -583,7 +583,7 @@
           <a:p>
             <a:fld id="{843413FE-69AF-4638-8265-5C9A900F483E}" type="datetimeFigureOut">
               <a:rPr lang="he-IL" smtClean="0"/>
-              <a:t>כ"ט/סיון/תשע"ט</a:t>
+              <a:t>ל'/סיון/תשע"ט</a:t>
             </a:fld>
             <a:endParaRPr lang="he-IL"/>
           </a:p>
@@ -777,7 +777,7 @@
           <a:p>
             <a:fld id="{843413FE-69AF-4638-8265-5C9A900F483E}" type="datetimeFigureOut">
               <a:rPr lang="he-IL" smtClean="0"/>
-              <a:t>כ"ט/סיון/תשע"ט</a:t>
+              <a:t>ל'/סיון/תשע"ט</a:t>
             </a:fld>
             <a:endParaRPr lang="he-IL"/>
           </a:p>
@@ -1050,7 +1050,7 @@
           <a:p>
             <a:fld id="{843413FE-69AF-4638-8265-5C9A900F483E}" type="datetimeFigureOut">
               <a:rPr lang="he-IL" smtClean="0"/>
-              <a:t>כ"ט/סיון/תשע"ט</a:t>
+              <a:t>ל'/סיון/תשע"ט</a:t>
             </a:fld>
             <a:endParaRPr lang="he-IL"/>
           </a:p>
@@ -1391,7 +1391,7 @@
           <a:p>
             <a:fld id="{843413FE-69AF-4638-8265-5C9A900F483E}" type="datetimeFigureOut">
               <a:rPr lang="he-IL" smtClean="0"/>
-              <a:t>כ"ט/סיון/תשע"ט</a:t>
+              <a:t>ל'/סיון/תשע"ט</a:t>
             </a:fld>
             <a:endParaRPr lang="he-IL"/>
           </a:p>
@@ -2014,7 +2014,7 @@
           <a:p>
             <a:fld id="{843413FE-69AF-4638-8265-5C9A900F483E}" type="datetimeFigureOut">
               <a:rPr lang="he-IL" smtClean="0"/>
-              <a:t>כ"ט/סיון/תשע"ט</a:t>
+              <a:t>ל'/סיון/תשע"ט</a:t>
             </a:fld>
             <a:endParaRPr lang="he-IL"/>
           </a:p>
@@ -2874,7 +2874,7 @@
           <a:p>
             <a:fld id="{843413FE-69AF-4638-8265-5C9A900F483E}" type="datetimeFigureOut">
               <a:rPr lang="he-IL" smtClean="0"/>
-              <a:t>כ"ט/סיון/תשע"ט</a:t>
+              <a:t>ל'/סיון/תשע"ט</a:t>
             </a:fld>
             <a:endParaRPr lang="he-IL"/>
           </a:p>
@@ -3044,7 +3044,7 @@
           <a:p>
             <a:fld id="{843413FE-69AF-4638-8265-5C9A900F483E}" type="datetimeFigureOut">
               <a:rPr lang="he-IL" smtClean="0"/>
-              <a:t>כ"ט/סיון/תשע"ט</a:t>
+              <a:t>ל'/סיון/תשע"ט</a:t>
             </a:fld>
             <a:endParaRPr lang="he-IL"/>
           </a:p>
@@ -3224,7 +3224,7 @@
           <a:p>
             <a:fld id="{843413FE-69AF-4638-8265-5C9A900F483E}" type="datetimeFigureOut">
               <a:rPr lang="he-IL" smtClean="0"/>
-              <a:t>כ"ט/סיון/תשע"ט</a:t>
+              <a:t>ל'/סיון/תשע"ט</a:t>
             </a:fld>
             <a:endParaRPr lang="he-IL"/>
           </a:p>
@@ -3394,7 +3394,7 @@
           <a:p>
             <a:fld id="{843413FE-69AF-4638-8265-5C9A900F483E}" type="datetimeFigureOut">
               <a:rPr lang="he-IL" smtClean="0"/>
-              <a:t>כ"ט/סיון/תשע"ט</a:t>
+              <a:t>ל'/סיון/תשע"ט</a:t>
             </a:fld>
             <a:endParaRPr lang="he-IL"/>
           </a:p>
@@ -3641,7 +3641,7 @@
           <a:p>
             <a:fld id="{843413FE-69AF-4638-8265-5C9A900F483E}" type="datetimeFigureOut">
               <a:rPr lang="he-IL" smtClean="0"/>
-              <a:t>כ"ט/סיון/תשע"ט</a:t>
+              <a:t>ל'/סיון/תשע"ט</a:t>
             </a:fld>
             <a:endParaRPr lang="he-IL"/>
           </a:p>
@@ -3933,7 +3933,7 @@
           <a:p>
             <a:fld id="{843413FE-69AF-4638-8265-5C9A900F483E}" type="datetimeFigureOut">
               <a:rPr lang="he-IL" smtClean="0"/>
-              <a:t>כ"ט/סיון/תשע"ט</a:t>
+              <a:t>ל'/סיון/תשע"ט</a:t>
             </a:fld>
             <a:endParaRPr lang="he-IL"/>
           </a:p>
@@ -4377,7 +4377,7 @@
           <a:p>
             <a:fld id="{843413FE-69AF-4638-8265-5C9A900F483E}" type="datetimeFigureOut">
               <a:rPr lang="he-IL" smtClean="0"/>
-              <a:t>כ"ט/סיון/תשע"ט</a:t>
+              <a:t>ל'/סיון/תשע"ט</a:t>
             </a:fld>
             <a:endParaRPr lang="he-IL"/>
           </a:p>
@@ -4495,7 +4495,7 @@
           <a:p>
             <a:fld id="{843413FE-69AF-4638-8265-5C9A900F483E}" type="datetimeFigureOut">
               <a:rPr lang="he-IL" smtClean="0"/>
-              <a:t>כ"ט/סיון/תשע"ט</a:t>
+              <a:t>ל'/סיון/תשע"ט</a:t>
             </a:fld>
             <a:endParaRPr lang="he-IL"/>
           </a:p>
@@ -4590,7 +4590,7 @@
           <a:p>
             <a:fld id="{843413FE-69AF-4638-8265-5C9A900F483E}" type="datetimeFigureOut">
               <a:rPr lang="he-IL" smtClean="0"/>
-              <a:t>כ"ט/סיון/תשע"ט</a:t>
+              <a:t>ל'/סיון/תשע"ט</a:t>
             </a:fld>
             <a:endParaRPr lang="he-IL"/>
           </a:p>
@@ -4869,7 +4869,7 @@
           <a:p>
             <a:fld id="{843413FE-69AF-4638-8265-5C9A900F483E}" type="datetimeFigureOut">
               <a:rPr lang="he-IL" smtClean="0"/>
-              <a:t>כ"ט/סיון/תשע"ט</a:t>
+              <a:t>ל'/סיון/תשע"ט</a:t>
             </a:fld>
             <a:endParaRPr lang="he-IL"/>
           </a:p>
@@ -5144,7 +5144,7 @@
           <a:p>
             <a:fld id="{843413FE-69AF-4638-8265-5C9A900F483E}" type="datetimeFigureOut">
               <a:rPr lang="he-IL" smtClean="0"/>
-              <a:t>כ"ט/סיון/תשע"ט</a:t>
+              <a:t>ל'/סיון/תשע"ט</a:t>
             </a:fld>
             <a:endParaRPr lang="he-IL"/>
           </a:p>
@@ -5573,7 +5573,7 @@
           <a:p>
             <a:fld id="{843413FE-69AF-4638-8265-5C9A900F483E}" type="datetimeFigureOut">
               <a:rPr lang="he-IL" smtClean="0"/>
-              <a:t>כ"ט/סיון/תשע"ט</a:t>
+              <a:t>ל'/סיון/תשע"ט</a:t>
             </a:fld>
             <a:endParaRPr lang="he-IL"/>
           </a:p>
@@ -6386,7 +6386,7 @@
         </p:nvSpPr>
         <p:spPr>
           <a:xfrm>
-            <a:off x="1870404" y="684538"/>
+            <a:off x="2188453" y="684538"/>
             <a:ext cx="7870535" cy="951079"/>
           </a:xfrm>
         </p:spPr>
@@ -6428,56 +6428,47 @@
           <a:lstStyle/>
           <a:p>
             <a:r>
-              <a:rPr lang="he-IL" sz="3200" dirty="0">
+              <a:rPr lang="he-IL" sz="3600" dirty="0">
                 <a:latin typeface="Calibri" panose="020F0502020204030204" pitchFamily="34" charset="0"/>
                 <a:cs typeface="Calibri" panose="020F0502020204030204" pitchFamily="34" charset="0"/>
               </a:rPr>
               <a:t>בעיות בתשדורת – </a:t>
             </a:r>
             <a:r>
-              <a:rPr lang="en-US" sz="3200" dirty="0">
+              <a:rPr lang="en-US" sz="3600" dirty="0">
                 <a:latin typeface="Calibri" panose="020F0502020204030204" pitchFamily="34" charset="0"/>
                 <a:cs typeface="Calibri" panose="020F0502020204030204" pitchFamily="34" charset="0"/>
               </a:rPr>
               <a:t>UART</a:t>
             </a:r>
-            <a:endParaRPr lang="he-IL" sz="3200" dirty="0">
+            <a:endParaRPr lang="he-IL" sz="3600" dirty="0">
               <a:latin typeface="Calibri" panose="020F0502020204030204" pitchFamily="34" charset="0"/>
               <a:cs typeface="Calibri" panose="020F0502020204030204" pitchFamily="34" charset="0"/>
             </a:endParaRPr>
           </a:p>
           <a:p>
             <a:r>
-              <a:rPr lang="he-IL" sz="3200" dirty="0">
-                <a:latin typeface="Calibri" panose="020F0502020204030204" pitchFamily="34" charset="0"/>
-                <a:cs typeface="Calibri" panose="020F0502020204030204" pitchFamily="34" charset="0"/>
-              </a:rPr>
-              <a:t>שימוש בפסיקות חיצוניות</a:t>
-            </a:r>
-          </a:p>
-          <a:p>
-            <a:r>
-              <a:rPr lang="he-IL" sz="3200" dirty="0">
+              <a:rPr lang="he-IL" sz="3600" dirty="0">
                 <a:latin typeface="Calibri" panose="020F0502020204030204" pitchFamily="34" charset="0"/>
                 <a:cs typeface="Calibri" panose="020F0502020204030204" pitchFamily="34" charset="0"/>
               </a:rPr>
               <a:t>בעיות סנכרון זמנים – </a:t>
             </a:r>
             <a:r>
-              <a:rPr lang="en-US" sz="3200" dirty="0">
+              <a:rPr lang="en-US" sz="3600" dirty="0">
                 <a:latin typeface="Calibri" panose="020F0502020204030204" pitchFamily="34" charset="0"/>
                 <a:cs typeface="Calibri" panose="020F0502020204030204" pitchFamily="34" charset="0"/>
               </a:rPr>
               <a:t>8051, ARM</a:t>
             </a:r>
-            <a:endParaRPr lang="he-IL" sz="3200" dirty="0">
+            <a:endParaRPr lang="he-IL" sz="3600" dirty="0">
               <a:latin typeface="Calibri" panose="020F0502020204030204" pitchFamily="34" charset="0"/>
               <a:cs typeface="Calibri" panose="020F0502020204030204" pitchFamily="34" charset="0"/>
             </a:endParaRPr>
           </a:p>
           <a:p>
             <a:r>
-              <a:rPr lang="he-IL" sz="3200" dirty="0">
+              <a:rPr lang="he-IL" sz="3600" dirty="0">
                 <a:latin typeface="Calibri" panose="020F0502020204030204" pitchFamily="34" charset="0"/>
                 <a:cs typeface="Calibri" panose="020F0502020204030204" pitchFamily="34" charset="0"/>
               </a:rPr>
@@ -6547,6 +6538,39 @@
           </a:p>
         </p:txBody>
       </p:sp>
+      <p:pic>
+        <p:nvPicPr>
+          <p:cNvPr id="3" name="מדיה מקוונת 2">
+            <a:hlinkClick r:id="" action="ppaction://media"/>
+            <a:extLst>
+              <a:ext uri="{FF2B5EF4-FFF2-40B4-BE49-F238E27FC236}">
+                <a16:creationId xmlns:a16="http://schemas.microsoft.com/office/drawing/2014/main" id="{A5EAD519-1B13-42CE-9A49-DA2CA436B0BD}"/>
+              </a:ext>
+            </a:extLst>
+          </p:cNvPr>
+          <p:cNvPicPr>
+            <a:picLocks noRot="1" noChangeAspect="1"/>
+          </p:cNvPicPr>
+          <p:nvPr>
+            <a:videoFile r:link="rId1"/>
+          </p:nvPr>
+        </p:nvPicPr>
+        <p:blipFill>
+          <a:blip r:embed="rId3"/>
+          <a:stretch>
+            <a:fillRect/>
+          </a:stretch>
+        </p:blipFill>
+        <p:spPr>
+          <a:xfrm>
+            <a:off x="2523434" y="1930522"/>
+            <a:ext cx="7145131" cy="4019136"/>
+          </a:xfrm>
+          <a:prstGeom prst="rect">
+            <a:avLst/>
+          </a:prstGeom>
+        </p:spPr>
+      </p:pic>
     </p:spTree>
     <p:extLst>
       <p:ext uri="{BB962C8B-B14F-4D97-AF65-F5344CB8AC3E}">
@@ -7324,7 +7348,7 @@
         </p:nvSpPr>
         <p:spPr>
           <a:xfrm>
-            <a:off x="875201" y="452718"/>
+            <a:off x="875201" y="253937"/>
             <a:ext cx="9404723" cy="1247293"/>
           </a:xfrm>
         </p:spPr>
@@ -7352,8 +7376,8 @@
           </a:p>
         </p:txBody>
       </p:sp>
-      <mc:AlternateContent xmlns:mc="http://schemas.openxmlformats.org/markup-compatibility/2006" xmlns:a14="http://schemas.microsoft.com/office/drawing/2010/main">
-        <mc:Choice Requires="a14">
+      <mc:AlternateContent xmlns:mc="http://schemas.openxmlformats.org/markup-compatibility/2006">
+        <mc:Choice xmlns:a14="http://schemas.microsoft.com/office/drawing/2010/main" Requires="a14">
           <p:sp>
             <p:nvSpPr>
               <p:cNvPr id="3" name="מציין מיקום תוכן 2"/>
@@ -7367,7 +7391,7 @@
             <p:spPr>
               <a:xfrm>
                 <a:off x="1104291" y="1487488"/>
-                <a:ext cx="8946541" cy="4425155"/>
+                <a:ext cx="8946541" cy="4886808"/>
               </a:xfrm>
             </p:spPr>
             <p:txBody>
@@ -7585,390 +7609,425 @@
                         </m:r>
                       </m:sup>
                     </m:sSup>
+                    <m:r>
+                      <a:rPr lang="en-US" b="0" i="1" smtClean="0">
+                        <a:latin typeface="Cambria Math" panose="02040503050406030204" pitchFamily="18" charset="0"/>
+                      </a:rPr>
+                      <m:t>⇒</m:t>
+                    </m:r>
+                    <m:sSub>
+                      <m:sSubPr>
+                        <m:ctrlPr>
+                          <a:rPr lang="en-US" i="1">
+                            <a:latin typeface="Cambria Math" panose="02040503050406030204" pitchFamily="18" charset="0"/>
+                          </a:rPr>
+                        </m:ctrlPr>
+                      </m:sSubPr>
+                      <m:e>
+                        <m:r>
+                          <a:rPr lang="en-US" i="1">
+                            <a:latin typeface="Cambria Math" panose="02040503050406030204" pitchFamily="18" charset="0"/>
+                          </a:rPr>
+                          <m:t>𝑡</m:t>
+                        </m:r>
+                      </m:e>
+                      <m:sub>
+                        <m:r>
+                          <a:rPr lang="en-US" i="1">
+                            <a:latin typeface="Cambria Math" panose="02040503050406030204" pitchFamily="18" charset="0"/>
+                          </a:rPr>
+                          <m:t>𝑚𝑎𝑥</m:t>
+                        </m:r>
+                        <m:r>
+                          <a:rPr lang="en-US" i="1">
+                            <a:latin typeface="Cambria Math" panose="02040503050406030204" pitchFamily="18" charset="0"/>
+                          </a:rPr>
+                          <m:t>−</m:t>
+                        </m:r>
+                        <m:r>
+                          <a:rPr lang="en-US" i="1">
+                            <a:latin typeface="Cambria Math" panose="02040503050406030204" pitchFamily="18" charset="0"/>
+                          </a:rPr>
+                          <m:t>𝑑𝑒𝑙𝑎𝑦</m:t>
+                        </m:r>
+                      </m:sub>
+                    </m:sSub>
+                    <m:r>
+                      <a:rPr lang="en-US" i="1">
+                        <a:latin typeface="Cambria Math" panose="02040503050406030204" pitchFamily="18" charset="0"/>
+                      </a:rPr>
+                      <m:t>= </m:t>
+                    </m:r>
+                    <m:sSup>
+                      <m:sSupPr>
+                        <m:ctrlPr>
+                          <a:rPr lang="en-US" i="1">
+                            <a:latin typeface="Cambria Math" panose="02040503050406030204" pitchFamily="18" charset="0"/>
+                          </a:rPr>
+                        </m:ctrlPr>
+                      </m:sSupPr>
+                      <m:e>
+                        <m:r>
+                          <a:rPr lang="en-US" i="1">
+                            <a:latin typeface="Cambria Math" panose="02040503050406030204" pitchFamily="18" charset="0"/>
+                          </a:rPr>
+                          <m:t>2</m:t>
+                        </m:r>
+                      </m:e>
+                      <m:sup>
+                        <m:r>
+                          <a:rPr lang="en-US" i="1">
+                            <a:latin typeface="Cambria Math" panose="02040503050406030204" pitchFamily="18" charset="0"/>
+                          </a:rPr>
+                          <m:t>16</m:t>
+                        </m:r>
+                      </m:sup>
+                    </m:sSup>
+                    <m:r>
+                      <a:rPr lang="en-US" i="1">
+                        <a:latin typeface="Cambria Math" panose="02040503050406030204" pitchFamily="18" charset="0"/>
+                      </a:rPr>
+                      <m:t>∗</m:t>
+                    </m:r>
+                    <m:sSub>
+                      <m:sSubPr>
+                        <m:ctrlPr>
+                          <a:rPr lang="en-US" i="1">
+                            <a:latin typeface="Cambria Math" panose="02040503050406030204" pitchFamily="18" charset="0"/>
+                          </a:rPr>
+                        </m:ctrlPr>
+                      </m:sSubPr>
+                      <m:e>
+                        <m:r>
+                          <a:rPr lang="en-US" i="1">
+                            <a:latin typeface="Cambria Math" panose="02040503050406030204" pitchFamily="18" charset="0"/>
+                          </a:rPr>
+                          <m:t>𝑇</m:t>
+                        </m:r>
+                      </m:e>
+                      <m:sub>
+                        <m:r>
+                          <a:rPr lang="en-US" i="1">
+                            <a:latin typeface="Cambria Math" panose="02040503050406030204" pitchFamily="18" charset="0"/>
+                          </a:rPr>
+                          <m:t>𝑝𝑢𝑙𝑠𝑒</m:t>
+                        </m:r>
+                      </m:sub>
+                    </m:sSub>
+                    <m:r>
+                      <a:rPr lang="en-US" i="1">
+                        <a:latin typeface="Cambria Math" panose="02040503050406030204" pitchFamily="18" charset="0"/>
+                      </a:rPr>
+                      <m:t>≈</m:t>
+                    </m:r>
+                    <m:r>
+                      <a:rPr lang="en-US" i="1">
+                        <a:latin typeface="Cambria Math" panose="02040503050406030204" pitchFamily="18" charset="0"/>
+                      </a:rPr>
+                      <m:t>0</m:t>
+                    </m:r>
+                    <m:r>
+                      <a:rPr lang="en-US" i="1">
+                        <a:latin typeface="Cambria Math" panose="02040503050406030204" pitchFamily="18" charset="0"/>
+                      </a:rPr>
+                      <m:t>.</m:t>
+                    </m:r>
+                    <m:r>
+                      <a:rPr lang="en-US" b="0" i="1" smtClean="0">
+                        <a:latin typeface="Cambria Math" panose="02040503050406030204" pitchFamily="18" charset="0"/>
+                      </a:rPr>
+                      <m:t>0</m:t>
+                    </m:r>
+                    <m:r>
+                      <a:rPr lang="en-US" i="1">
+                        <a:latin typeface="Cambria Math" panose="02040503050406030204" pitchFamily="18" charset="0"/>
+                      </a:rPr>
+                      <m:t>356</m:t>
+                    </m:r>
+                    <m:d>
+                      <m:dPr>
+                        <m:begChr m:val="["/>
+                        <m:endChr m:val="]"/>
+                        <m:ctrlPr>
+                          <a:rPr lang="en-US" i="1">
+                            <a:latin typeface="Cambria Math" panose="02040503050406030204" pitchFamily="18" charset="0"/>
+                          </a:rPr>
+                        </m:ctrlPr>
+                      </m:dPr>
+                      <m:e>
+                        <m:r>
+                          <m:rPr>
+                            <m:sty m:val="p"/>
+                          </m:rPr>
+                          <a:rPr lang="en-US">
+                            <a:latin typeface="Cambria Math" panose="02040503050406030204" pitchFamily="18" charset="0"/>
+                          </a:rPr>
+                          <m:t>sec</m:t>
+                        </m:r>
+                      </m:e>
+                    </m:d>
+                    <m:r>
+                      <a:rPr lang="en-US" i="1">
+                        <a:latin typeface="Cambria Math" panose="02040503050406030204" pitchFamily="18" charset="0"/>
+                      </a:rPr>
+                      <m:t> </m:t>
+                    </m:r>
+                    <m:r>
+                      <a:rPr lang="en-US" b="0" i="1" smtClean="0">
+                        <a:latin typeface="Cambria Math" panose="02040503050406030204" pitchFamily="18" charset="0"/>
+                      </a:rPr>
+                      <m:t>⇒</m:t>
+                    </m:r>
+                    <m:sSub>
+                      <m:sSubPr>
+                        <m:ctrlPr>
+                          <a:rPr lang="en-US" i="1">
+                            <a:latin typeface="Cambria Math" panose="02040503050406030204" pitchFamily="18" charset="0"/>
+                          </a:rPr>
+                        </m:ctrlPr>
+                      </m:sSubPr>
+                      <m:e>
+                        <m:r>
+                          <a:rPr lang="en-US" i="1">
+                            <a:latin typeface="Cambria Math" panose="02040503050406030204" pitchFamily="18" charset="0"/>
+                          </a:rPr>
+                          <m:t>𝑡</m:t>
+                        </m:r>
+                      </m:e>
+                      <m:sub>
+                        <m:r>
+                          <a:rPr lang="en-US" i="1">
+                            <a:latin typeface="Cambria Math" panose="02040503050406030204" pitchFamily="18" charset="0"/>
+                          </a:rPr>
+                          <m:t>𝑑𝑒𝑙𝑎𝑦</m:t>
+                        </m:r>
+                      </m:sub>
+                    </m:sSub>
+                    <m:d>
+                      <m:dPr>
+                        <m:begChr m:val="["/>
+                        <m:endChr m:val="]"/>
+                        <m:ctrlPr>
+                          <a:rPr lang="en-US" i="1">
+                            <a:latin typeface="Cambria Math" panose="02040503050406030204" pitchFamily="18" charset="0"/>
+                          </a:rPr>
+                        </m:ctrlPr>
+                      </m:dPr>
+                      <m:e>
+                        <m:r>
+                          <a:rPr lang="en-US" i="1">
+                            <a:latin typeface="Cambria Math" panose="02040503050406030204" pitchFamily="18" charset="0"/>
+                          </a:rPr>
+                          <m:t>𝑠𝑒𝑐</m:t>
+                        </m:r>
+                      </m:e>
+                    </m:d>
+                    <m:r>
+                      <a:rPr lang="en-US" i="1">
+                        <a:latin typeface="Cambria Math" panose="02040503050406030204" pitchFamily="18" charset="0"/>
+                      </a:rPr>
+                      <m:t>=</m:t>
+                    </m:r>
+                    <m:sSub>
+                      <m:sSubPr>
+                        <m:ctrlPr>
+                          <a:rPr lang="en-US" i="1">
+                            <a:latin typeface="Cambria Math" panose="02040503050406030204" pitchFamily="18" charset="0"/>
+                          </a:rPr>
+                        </m:ctrlPr>
+                      </m:sSubPr>
+                      <m:e>
+                        <m:r>
+                          <a:rPr lang="en-US" i="1">
+                            <a:latin typeface="Cambria Math" panose="02040503050406030204" pitchFamily="18" charset="0"/>
+                          </a:rPr>
+                          <m:t>𝑛</m:t>
+                        </m:r>
+                      </m:e>
+                      <m:sub>
+                        <m:r>
+                          <a:rPr lang="en-US" i="1">
+                            <a:latin typeface="Cambria Math" panose="02040503050406030204" pitchFamily="18" charset="0"/>
+                          </a:rPr>
+                          <m:t>𝑖𝑡𝑒𝑟𝑎𝑡𝑖𝑜𝑛𝑠</m:t>
+                        </m:r>
+                      </m:sub>
+                    </m:sSub>
+                    <m:r>
+                      <a:rPr lang="en-US" i="1">
+                        <a:latin typeface="Cambria Math" panose="02040503050406030204" pitchFamily="18" charset="0"/>
+                      </a:rPr>
+                      <m:t>×</m:t>
+                    </m:r>
+                    <m:r>
+                      <a:rPr lang="en-US" i="1">
+                        <a:latin typeface="Cambria Math" panose="02040503050406030204" pitchFamily="18" charset="0"/>
+                      </a:rPr>
+                      <m:t>0</m:t>
+                    </m:r>
+                    <m:r>
+                      <a:rPr lang="en-US" i="1">
+                        <a:latin typeface="Cambria Math" panose="02040503050406030204" pitchFamily="18" charset="0"/>
+                      </a:rPr>
+                      <m:t>.</m:t>
+                    </m:r>
+                    <m:r>
+                      <a:rPr lang="en-US" b="0" i="1" smtClean="0">
+                        <a:latin typeface="Cambria Math" panose="02040503050406030204" pitchFamily="18" charset="0"/>
+                      </a:rPr>
+                      <m:t>0</m:t>
+                    </m:r>
+                    <m:r>
+                      <a:rPr lang="en-US" i="1">
+                        <a:latin typeface="Cambria Math" panose="02040503050406030204" pitchFamily="18" charset="0"/>
+                      </a:rPr>
+                      <m:t>356</m:t>
+                    </m:r>
+                    <m:r>
+                      <a:rPr lang="en-US" i="1">
+                        <a:latin typeface="Cambria Math" panose="02040503050406030204" pitchFamily="18" charset="0"/>
+                      </a:rPr>
+                      <m:t>⇒</m:t>
+                    </m:r>
+                    <m:sSub>
+                      <m:sSubPr>
+                        <m:ctrlPr>
+                          <a:rPr lang="en-US" b="1" i="1" smtClean="0">
+                            <a:solidFill>
+                              <a:schemeClr val="bg1"/>
+                            </a:solidFill>
+                            <a:latin typeface="Cambria Math" panose="02040503050406030204" pitchFamily="18" charset="0"/>
+                          </a:rPr>
+                        </m:ctrlPr>
+                      </m:sSubPr>
+                      <m:e>
+                        <m:r>
+                          <a:rPr lang="en-US" b="1" i="1">
+                            <a:solidFill>
+                              <a:schemeClr val="bg1"/>
+                            </a:solidFill>
+                            <a:latin typeface="Cambria Math" panose="02040503050406030204" pitchFamily="18" charset="0"/>
+                          </a:rPr>
+                          <m:t>𝒏</m:t>
+                        </m:r>
+                      </m:e>
+                      <m:sub>
+                        <m:r>
+                          <a:rPr lang="en-US" b="1" i="1">
+                            <a:solidFill>
+                              <a:schemeClr val="bg1"/>
+                            </a:solidFill>
+                            <a:latin typeface="Cambria Math" panose="02040503050406030204" pitchFamily="18" charset="0"/>
+                          </a:rPr>
+                          <m:t>𝒊𝒕𝒆𝒓𝒂𝒕𝒊𝒐𝒏𝒔</m:t>
+                        </m:r>
+                      </m:sub>
+                    </m:sSub>
+                    <m:r>
+                      <a:rPr lang="en-US" b="1" i="1">
+                        <a:solidFill>
+                          <a:schemeClr val="bg1"/>
+                        </a:solidFill>
+                        <a:latin typeface="Cambria Math" panose="02040503050406030204" pitchFamily="18" charset="0"/>
+                      </a:rPr>
+                      <m:t>≈</m:t>
+                    </m:r>
+                    <m:r>
+                      <a:rPr lang="en-US" b="1" i="1">
+                        <a:solidFill>
+                          <a:schemeClr val="bg1"/>
+                        </a:solidFill>
+                        <a:latin typeface="Cambria Math" panose="02040503050406030204" pitchFamily="18" charset="0"/>
+                      </a:rPr>
+                      <m:t>𝟐𝟖</m:t>
+                    </m:r>
+                    <m:r>
+                      <a:rPr lang="en-US" b="1" i="1">
+                        <a:solidFill>
+                          <a:schemeClr val="bg1"/>
+                        </a:solidFill>
+                        <a:latin typeface="Cambria Math" panose="02040503050406030204" pitchFamily="18" charset="0"/>
+                      </a:rPr>
+                      <m:t>∗</m:t>
+                    </m:r>
+                    <m:sSub>
+                      <m:sSubPr>
+                        <m:ctrlPr>
+                          <a:rPr lang="en-US" b="1" i="1">
+                            <a:solidFill>
+                              <a:schemeClr val="bg1"/>
+                            </a:solidFill>
+                            <a:latin typeface="Cambria Math" panose="02040503050406030204" pitchFamily="18" charset="0"/>
+                          </a:rPr>
+                        </m:ctrlPr>
+                      </m:sSubPr>
+                      <m:e>
+                        <m:r>
+                          <a:rPr lang="en-US" b="1" i="1">
+                            <a:solidFill>
+                              <a:schemeClr val="bg1"/>
+                            </a:solidFill>
+                            <a:latin typeface="Cambria Math" panose="02040503050406030204" pitchFamily="18" charset="0"/>
+                          </a:rPr>
+                          <m:t>𝒕</m:t>
+                        </m:r>
+                      </m:e>
+                      <m:sub>
+                        <m:r>
+                          <a:rPr lang="en-US" b="1" i="1">
+                            <a:solidFill>
+                              <a:schemeClr val="bg1"/>
+                            </a:solidFill>
+                            <a:latin typeface="Cambria Math" panose="02040503050406030204" pitchFamily="18" charset="0"/>
+                          </a:rPr>
+                          <m:t>𝒅𝒆𝒍𝒂𝒚</m:t>
+                        </m:r>
+                      </m:sub>
+                    </m:sSub>
                   </m:oMath>
                 </a14:m>
-                <a:endParaRPr lang="en-US" dirty="0"/>
+                <a:endParaRPr lang="en-US" b="1" dirty="0"/>
               </a:p>
               <a:p>
-                <a:pPr marL="0" indent="0" algn="ctr" rtl="0">
-                  <a:buNone/>
+                <a:pPr lvl="1">
+                  <a:buClr>
+                    <a:srgbClr val="1E5155">
+                      <a:lumMod val="40000"/>
+                      <a:lumOff val="60000"/>
+                    </a:srgbClr>
+                  </a:buClr>
                 </a:pPr>
-                <a14:m>
-                  <m:oMathPara xmlns:m="http://schemas.openxmlformats.org/officeDocument/2006/math">
-                    <m:oMathParaPr>
-                      <m:jc m:val="centerGroup"/>
-                    </m:oMathParaPr>
-                    <m:oMath xmlns:m="http://schemas.openxmlformats.org/officeDocument/2006/math">
-                      <m:sSub>
-                        <m:sSubPr>
-                          <m:ctrlPr>
-                            <a:rPr lang="en-US" i="1">
-                              <a:latin typeface="Cambria Math" panose="02040503050406030204" pitchFamily="18" charset="0"/>
-                            </a:rPr>
-                          </m:ctrlPr>
-                        </m:sSubPr>
-                        <m:e>
-                          <m:r>
-                            <a:rPr lang="en-US" i="1">
-                              <a:latin typeface="Cambria Math" panose="02040503050406030204" pitchFamily="18" charset="0"/>
-                            </a:rPr>
-                            <m:t>𝑡</m:t>
-                          </m:r>
-                        </m:e>
-                        <m:sub>
-                          <m:r>
-                            <a:rPr lang="en-US" i="1">
-                              <a:latin typeface="Cambria Math" panose="02040503050406030204" pitchFamily="18" charset="0"/>
-                            </a:rPr>
-                            <m:t>𝑚𝑎𝑥</m:t>
-                          </m:r>
-                          <m:r>
-                            <a:rPr lang="en-US" i="1">
-                              <a:latin typeface="Cambria Math" panose="02040503050406030204" pitchFamily="18" charset="0"/>
-                            </a:rPr>
-                            <m:t>−</m:t>
-                          </m:r>
-                          <m:r>
-                            <a:rPr lang="en-US" i="1">
-                              <a:latin typeface="Cambria Math" panose="02040503050406030204" pitchFamily="18" charset="0"/>
-                            </a:rPr>
-                            <m:t>𝑑𝑒𝑙𝑎𝑦</m:t>
-                          </m:r>
-                        </m:sub>
-                      </m:sSub>
-                      <m:r>
-                        <a:rPr lang="en-US" i="1">
-                          <a:latin typeface="Cambria Math" panose="02040503050406030204" pitchFamily="18" charset="0"/>
-                        </a:rPr>
-                        <m:t>= </m:t>
-                      </m:r>
-                      <m:sSup>
-                        <m:sSupPr>
-                          <m:ctrlPr>
-                            <a:rPr lang="en-US" i="1">
-                              <a:latin typeface="Cambria Math" panose="02040503050406030204" pitchFamily="18" charset="0"/>
-                            </a:rPr>
-                          </m:ctrlPr>
-                        </m:sSupPr>
-                        <m:e>
-                          <m:r>
-                            <a:rPr lang="en-US" i="1">
-                              <a:latin typeface="Cambria Math" panose="02040503050406030204" pitchFamily="18" charset="0"/>
-                            </a:rPr>
-                            <m:t>2</m:t>
-                          </m:r>
-                        </m:e>
-                        <m:sup>
-                          <m:r>
-                            <a:rPr lang="en-US" i="1">
-                              <a:latin typeface="Cambria Math" panose="02040503050406030204" pitchFamily="18" charset="0"/>
-                            </a:rPr>
-                            <m:t>16</m:t>
-                          </m:r>
-                        </m:sup>
-                      </m:sSup>
-                      <m:r>
-                        <a:rPr lang="en-US" i="1">
-                          <a:latin typeface="Cambria Math" panose="02040503050406030204" pitchFamily="18" charset="0"/>
-                        </a:rPr>
-                        <m:t>∗</m:t>
-                      </m:r>
-                      <m:sSub>
-                        <m:sSubPr>
-                          <m:ctrlPr>
-                            <a:rPr lang="en-US" i="1">
-                              <a:latin typeface="Cambria Math" panose="02040503050406030204" pitchFamily="18" charset="0"/>
-                            </a:rPr>
-                          </m:ctrlPr>
-                        </m:sSubPr>
-                        <m:e>
-                          <m:r>
-                            <a:rPr lang="en-US" i="1">
-                              <a:latin typeface="Cambria Math" panose="02040503050406030204" pitchFamily="18" charset="0"/>
-                            </a:rPr>
-                            <m:t>𝑇</m:t>
-                          </m:r>
-                        </m:e>
-                        <m:sub>
-                          <m:r>
-                            <a:rPr lang="en-US" i="1">
-                              <a:latin typeface="Cambria Math" panose="02040503050406030204" pitchFamily="18" charset="0"/>
-                            </a:rPr>
-                            <m:t>𝑝𝑢𝑙𝑠𝑒</m:t>
-                          </m:r>
-                        </m:sub>
-                      </m:sSub>
-                      <m:r>
-                        <a:rPr lang="en-US" i="1">
-                          <a:latin typeface="Cambria Math" panose="02040503050406030204" pitchFamily="18" charset="0"/>
-                        </a:rPr>
-                        <m:t>≈</m:t>
-                      </m:r>
-                      <m:r>
-                        <a:rPr lang="en-US" i="1">
-                          <a:latin typeface="Cambria Math" panose="02040503050406030204" pitchFamily="18" charset="0"/>
-                        </a:rPr>
-                        <m:t>0</m:t>
-                      </m:r>
-                      <m:r>
-                        <a:rPr lang="en-US" i="1">
-                          <a:latin typeface="Cambria Math" panose="02040503050406030204" pitchFamily="18" charset="0"/>
-                        </a:rPr>
-                        <m:t>.</m:t>
-                      </m:r>
-                      <m:r>
-                        <a:rPr lang="en-US" i="1">
-                          <a:latin typeface="Cambria Math" panose="02040503050406030204" pitchFamily="18" charset="0"/>
-                        </a:rPr>
-                        <m:t>356</m:t>
-                      </m:r>
-                      <m:d>
-                        <m:dPr>
-                          <m:begChr m:val="["/>
-                          <m:endChr m:val="]"/>
-                          <m:ctrlPr>
-                            <a:rPr lang="en-US" i="1">
-                              <a:latin typeface="Cambria Math" panose="02040503050406030204" pitchFamily="18" charset="0"/>
-                            </a:rPr>
-                          </m:ctrlPr>
-                        </m:dPr>
-                        <m:e>
-                          <m:r>
-                            <m:rPr>
-                              <m:sty m:val="p"/>
-                            </m:rPr>
-                            <a:rPr lang="en-US">
-                              <a:latin typeface="Cambria Math" panose="02040503050406030204" pitchFamily="18" charset="0"/>
-                            </a:rPr>
-                            <m:t>sec</m:t>
-                          </m:r>
-                        </m:e>
-                      </m:d>
-                      <m:r>
-                        <a:rPr lang="en-US" i="1">
-                          <a:latin typeface="Cambria Math" panose="02040503050406030204" pitchFamily="18" charset="0"/>
-                        </a:rPr>
-                        <m:t> </m:t>
-                      </m:r>
-                    </m:oMath>
-                  </m:oMathPara>
-                </a14:m>
+                <a:r>
+                  <a:rPr lang="he-IL" sz="3200" dirty="0">
+                    <a:solidFill>
+                      <a:prstClr val="white"/>
+                    </a:solidFill>
+                    <a:latin typeface="Calibri" panose="020F0502020204030204" pitchFamily="34" charset="0"/>
+                    <a:cs typeface="Calibri" panose="020F0502020204030204" pitchFamily="34" charset="0"/>
+                  </a:rPr>
+                  <a:t>המחלק של ה</a:t>
+                </a:r>
+                <a:r>
+                  <a:rPr lang="en-US" sz="3200" dirty="0">
+                    <a:solidFill>
+                      <a:prstClr val="white"/>
+                    </a:solidFill>
+                    <a:latin typeface="Calibri" panose="020F0502020204030204" pitchFamily="34" charset="0"/>
+                    <a:cs typeface="Calibri" panose="020F0502020204030204" pitchFamily="34" charset="0"/>
+                  </a:rPr>
+                  <a:t>Baud-Rate</a:t>
+                </a:r>
+                <a:r>
+                  <a:rPr lang="he-IL" sz="3200" dirty="0">
+                    <a:solidFill>
+                      <a:prstClr val="white"/>
+                    </a:solidFill>
+                    <a:latin typeface="Calibri" panose="020F0502020204030204" pitchFamily="34" charset="0"/>
+                    <a:cs typeface="Calibri" panose="020F0502020204030204" pitchFamily="34" charset="0"/>
+                  </a:rPr>
+                  <a:t>:</a:t>
+                </a:r>
                 <a:endParaRPr lang="en-US" dirty="0"/>
-              </a:p>
-              <a:p>
-                <a:pPr marL="0" indent="0" algn="ctr" rtl="0">
-                  <a:buNone/>
-                </a:pPr>
-                <a14:m>
-                  <m:oMathPara xmlns:m="http://schemas.openxmlformats.org/officeDocument/2006/math">
-                    <m:oMathParaPr>
-                      <m:jc m:val="centerGroup"/>
-                    </m:oMathParaPr>
-                    <m:oMath xmlns:m="http://schemas.openxmlformats.org/officeDocument/2006/math">
-                      <m:sSub>
-                        <m:sSubPr>
-                          <m:ctrlPr>
-                            <a:rPr lang="en-US" i="1">
-                              <a:latin typeface="Cambria Math" panose="02040503050406030204" pitchFamily="18" charset="0"/>
-                            </a:rPr>
-                          </m:ctrlPr>
-                        </m:sSubPr>
-                        <m:e>
-                          <m:r>
-                            <a:rPr lang="en-US" i="1">
-                              <a:latin typeface="Cambria Math" panose="02040503050406030204" pitchFamily="18" charset="0"/>
-                            </a:rPr>
-                            <m:t>𝑡</m:t>
-                          </m:r>
-                        </m:e>
-                        <m:sub>
-                          <m:r>
-                            <a:rPr lang="en-US" i="1">
-                              <a:latin typeface="Cambria Math" panose="02040503050406030204" pitchFamily="18" charset="0"/>
-                            </a:rPr>
-                            <m:t>𝑑𝑒𝑙𝑎𝑦</m:t>
-                          </m:r>
-                        </m:sub>
-                      </m:sSub>
-                      <m:d>
-                        <m:dPr>
-                          <m:begChr m:val="["/>
-                          <m:endChr m:val="]"/>
-                          <m:ctrlPr>
-                            <a:rPr lang="en-US" i="1">
-                              <a:latin typeface="Cambria Math" panose="02040503050406030204" pitchFamily="18" charset="0"/>
-                            </a:rPr>
-                          </m:ctrlPr>
-                        </m:dPr>
-                        <m:e>
-                          <m:r>
-                            <a:rPr lang="en-US" i="1">
-                              <a:latin typeface="Cambria Math" panose="02040503050406030204" pitchFamily="18" charset="0"/>
-                            </a:rPr>
-                            <m:t>𝑠𝑒𝑐</m:t>
-                          </m:r>
-                        </m:e>
-                      </m:d>
-                      <m:r>
-                        <a:rPr lang="en-US" i="1">
-                          <a:latin typeface="Cambria Math" panose="02040503050406030204" pitchFamily="18" charset="0"/>
-                        </a:rPr>
-                        <m:t>=</m:t>
-                      </m:r>
-                      <m:sSub>
-                        <m:sSubPr>
-                          <m:ctrlPr>
-                            <a:rPr lang="en-US" i="1">
-                              <a:latin typeface="Cambria Math" panose="02040503050406030204" pitchFamily="18" charset="0"/>
-                            </a:rPr>
-                          </m:ctrlPr>
-                        </m:sSubPr>
-                        <m:e>
-                          <m:r>
-                            <a:rPr lang="en-US" i="1">
-                              <a:latin typeface="Cambria Math" panose="02040503050406030204" pitchFamily="18" charset="0"/>
-                            </a:rPr>
-                            <m:t>𝑛</m:t>
-                          </m:r>
-                        </m:e>
-                        <m:sub>
-                          <m:r>
-                            <a:rPr lang="en-US" i="1">
-                              <a:latin typeface="Cambria Math" panose="02040503050406030204" pitchFamily="18" charset="0"/>
-                            </a:rPr>
-                            <m:t>𝑖𝑡𝑒𝑟𝑎𝑡𝑖𝑜𝑛𝑠</m:t>
-                          </m:r>
-                        </m:sub>
-                      </m:sSub>
-                      <m:r>
-                        <a:rPr lang="en-US" i="1">
-                          <a:latin typeface="Cambria Math" panose="02040503050406030204" pitchFamily="18" charset="0"/>
-                        </a:rPr>
-                        <m:t>×</m:t>
-                      </m:r>
-                      <m:r>
-                        <a:rPr lang="en-US" i="1">
-                          <a:latin typeface="Cambria Math" panose="02040503050406030204" pitchFamily="18" charset="0"/>
-                        </a:rPr>
-                        <m:t>0</m:t>
-                      </m:r>
-                      <m:r>
-                        <a:rPr lang="en-US" i="1">
-                          <a:latin typeface="Cambria Math" panose="02040503050406030204" pitchFamily="18" charset="0"/>
-                        </a:rPr>
-                        <m:t>.</m:t>
-                      </m:r>
-                      <m:r>
-                        <a:rPr lang="en-US" i="1">
-                          <a:latin typeface="Cambria Math" panose="02040503050406030204" pitchFamily="18" charset="0"/>
-                        </a:rPr>
-                        <m:t>356</m:t>
-                      </m:r>
-                      <m:r>
-                        <a:rPr lang="en-US" i="1">
-                          <a:latin typeface="Cambria Math" panose="02040503050406030204" pitchFamily="18" charset="0"/>
-                        </a:rPr>
-                        <m:t>⇒</m:t>
-                      </m:r>
-                      <m:sSub>
-                        <m:sSubPr>
-                          <m:ctrlPr>
-                            <a:rPr lang="en-US" b="1" i="1" smtClean="0">
-                              <a:solidFill>
-                                <a:schemeClr val="bg1"/>
-                              </a:solidFill>
-                              <a:latin typeface="Cambria Math" panose="02040503050406030204" pitchFamily="18" charset="0"/>
-                            </a:rPr>
-                          </m:ctrlPr>
-                        </m:sSubPr>
-                        <m:e>
-                          <m:r>
-                            <a:rPr lang="en-US" b="1" i="1">
-                              <a:solidFill>
-                                <a:schemeClr val="bg1"/>
-                              </a:solidFill>
-                              <a:latin typeface="Cambria Math" panose="02040503050406030204" pitchFamily="18" charset="0"/>
-                            </a:rPr>
-                            <m:t>𝒏</m:t>
-                          </m:r>
-                        </m:e>
-                        <m:sub>
-                          <m:r>
-                            <a:rPr lang="en-US" b="1" i="1">
-                              <a:solidFill>
-                                <a:schemeClr val="bg1"/>
-                              </a:solidFill>
-                              <a:latin typeface="Cambria Math" panose="02040503050406030204" pitchFamily="18" charset="0"/>
-                            </a:rPr>
-                            <m:t>𝒊𝒕𝒆𝒓𝒂𝒕𝒊𝒐𝒏𝒔</m:t>
-                          </m:r>
-                        </m:sub>
-                      </m:sSub>
-                      <m:r>
-                        <a:rPr lang="en-US" b="1" i="1">
-                          <a:solidFill>
-                            <a:schemeClr val="bg1"/>
-                          </a:solidFill>
-                          <a:latin typeface="Cambria Math" panose="02040503050406030204" pitchFamily="18" charset="0"/>
-                        </a:rPr>
-                        <m:t>≈</m:t>
-                      </m:r>
-                      <m:r>
-                        <a:rPr lang="en-US" b="1" i="1">
-                          <a:solidFill>
-                            <a:schemeClr val="bg1"/>
-                          </a:solidFill>
-                          <a:latin typeface="Cambria Math" panose="02040503050406030204" pitchFamily="18" charset="0"/>
-                        </a:rPr>
-                        <m:t>𝟐𝟖</m:t>
-                      </m:r>
-                      <m:r>
-                        <a:rPr lang="en-US" b="1" i="1">
-                          <a:solidFill>
-                            <a:schemeClr val="bg1"/>
-                          </a:solidFill>
-                          <a:latin typeface="Cambria Math" panose="02040503050406030204" pitchFamily="18" charset="0"/>
-                        </a:rPr>
-                        <m:t>∗</m:t>
-                      </m:r>
-                      <m:sSub>
-                        <m:sSubPr>
-                          <m:ctrlPr>
-                            <a:rPr lang="en-US" b="1" i="1">
-                              <a:solidFill>
-                                <a:schemeClr val="bg1"/>
-                              </a:solidFill>
-                              <a:latin typeface="Cambria Math" panose="02040503050406030204" pitchFamily="18" charset="0"/>
-                            </a:rPr>
-                          </m:ctrlPr>
-                        </m:sSubPr>
-                        <m:e>
-                          <m:r>
-                            <a:rPr lang="en-US" b="1" i="1">
-                              <a:solidFill>
-                                <a:schemeClr val="bg1"/>
-                              </a:solidFill>
-                              <a:latin typeface="Cambria Math" panose="02040503050406030204" pitchFamily="18" charset="0"/>
-                            </a:rPr>
-                            <m:t>𝒕</m:t>
-                          </m:r>
-                        </m:e>
-                        <m:sub>
-                          <m:r>
-                            <a:rPr lang="en-US" b="1" i="1">
-                              <a:solidFill>
-                                <a:schemeClr val="bg1"/>
-                              </a:solidFill>
-                              <a:latin typeface="Cambria Math" panose="02040503050406030204" pitchFamily="18" charset="0"/>
-                            </a:rPr>
-                            <m:t>𝒅𝒆𝒍𝒂𝒚</m:t>
-                          </m:r>
-                        </m:sub>
-                      </m:sSub>
-                    </m:oMath>
-                  </m:oMathPara>
-                </a14:m>
-                <a:endParaRPr lang="en-US" b="1" dirty="0"/>
               </a:p>
               <a:p>
                 <a:pPr marL="457200" lvl="1" indent="0" algn="ctr">
@@ -7977,7 +8036,7 @@
                 <a14:m>
                   <m:oMathPara xmlns:m="http://schemas.openxmlformats.org/officeDocument/2006/math">
                     <m:oMathParaPr>
-                      <m:jc m:val="centerGroup"/>
+                      <m:jc m:val="center"/>
                     </m:oMathParaPr>
                     <m:oMath xmlns:m="http://schemas.openxmlformats.org/officeDocument/2006/math">
                       <m:r>
@@ -8238,6 +8297,9 @@
                       </m:r>
                       <m:r>
                         <a:rPr lang="en-US" sz="1600" b="0" i="1" smtClean="0">
+                          <a:solidFill>
+                            <a:schemeClr val="bg1"/>
+                          </a:solidFill>
                           <a:latin typeface="Cambria Math" panose="02040503050406030204" pitchFamily="18" charset="0"/>
                           <a:ea typeface="Cambria Math" panose="02040503050406030204" pitchFamily="18" charset="0"/>
                           <a:cs typeface="Calibri" panose="020F0502020204030204" pitchFamily="34" charset="0"/>
@@ -8246,6 +8308,9 @@
                       </m:r>
                       <m:r>
                         <a:rPr lang="en-US" sz="1600" b="0" i="1" smtClean="0">
+                          <a:solidFill>
+                            <a:schemeClr val="bg1"/>
+                          </a:solidFill>
                           <a:latin typeface="Cambria Math" panose="02040503050406030204" pitchFamily="18" charset="0"/>
                           <a:ea typeface="Cambria Math" panose="02040503050406030204" pitchFamily="18" charset="0"/>
                           <a:cs typeface="Calibri" panose="020F0502020204030204" pitchFamily="34" charset="0"/>
@@ -8256,6 +8321,9 @@
                         <m:sSupPr>
                           <m:ctrlPr>
                             <a:rPr lang="en-US" sz="1600" b="0" i="1" smtClean="0">
+                              <a:solidFill>
+                                <a:schemeClr val="bg1"/>
+                              </a:solidFill>
                               <a:latin typeface="Cambria Math" panose="02040503050406030204" pitchFamily="18" charset="0"/>
                               <a:ea typeface="Cambria Math" panose="02040503050406030204" pitchFamily="18" charset="0"/>
                               <a:cs typeface="Calibri" panose="020F0502020204030204" pitchFamily="34" charset="0"/>
@@ -8265,6 +8333,9 @@
                         <m:e>
                           <m:r>
                             <a:rPr lang="en-US" sz="1600" b="0" i="1" smtClean="0">
+                              <a:solidFill>
+                                <a:schemeClr val="bg1"/>
+                              </a:solidFill>
                               <a:latin typeface="Cambria Math" panose="02040503050406030204" pitchFamily="18" charset="0"/>
                               <a:ea typeface="Cambria Math" panose="02040503050406030204" pitchFamily="18" charset="0"/>
                               <a:cs typeface="Calibri" panose="020F0502020204030204" pitchFamily="34" charset="0"/>
@@ -8275,6 +8346,9 @@
                         <m:sup>
                           <m:r>
                             <a:rPr lang="en-US" sz="1600" b="0" i="1" smtClean="0">
+                              <a:solidFill>
+                                <a:schemeClr val="bg1"/>
+                              </a:solidFill>
                               <a:latin typeface="Cambria Math" panose="02040503050406030204" pitchFamily="18" charset="0"/>
                               <a:ea typeface="Cambria Math" panose="02040503050406030204" pitchFamily="18" charset="0"/>
                               <a:cs typeface="Calibri" panose="020F0502020204030204" pitchFamily="34" charset="0"/>
@@ -8286,6 +8360,31 @@
                     </m:oMath>
                   </m:oMathPara>
                 </a14:m>
+                <a:endParaRPr lang="he-IL" sz="1600" b="0" dirty="0">
+                  <a:latin typeface="Calibri" panose="020F0502020204030204" pitchFamily="34" charset="0"/>
+                  <a:ea typeface="Cambria Math" panose="02040503050406030204" pitchFamily="18" charset="0"/>
+                  <a:cs typeface="Calibri" panose="020F0502020204030204" pitchFamily="34" charset="0"/>
+                </a:endParaRPr>
+              </a:p>
+              <a:p>
+                <a:pPr lvl="1">
+                  <a:buClr>
+                    <a:srgbClr val="1E5155">
+                      <a:lumMod val="40000"/>
+                      <a:lumOff val="60000"/>
+                    </a:srgbClr>
+                  </a:buClr>
+                </a:pPr>
+                <a:r>
+                  <a:rPr lang="he-IL" sz="3200" dirty="0">
+                    <a:solidFill>
+                      <a:prstClr val="white"/>
+                    </a:solidFill>
+                    <a:latin typeface="Calibri" panose="020F0502020204030204" pitchFamily="34" charset="0"/>
+                    <a:cs typeface="Calibri" panose="020F0502020204030204" pitchFamily="34" charset="0"/>
+                  </a:rPr>
+                  <a:t>הערך שאליו המונה סופר:</a:t>
+                </a:r>
                 <a:endParaRPr lang="he-IL" sz="1600" b="0" dirty="0">
                   <a:latin typeface="Calibri" panose="020F0502020204030204" pitchFamily="34" charset="0"/>
                   <a:ea typeface="Cambria Math" panose="02040503050406030204" pitchFamily="18" charset="0"/>
@@ -8496,6 +8595,9 @@
                       </m:r>
                       <m:r>
                         <a:rPr lang="he-IL" sz="1600" b="0" i="1" smtClean="0">
+                          <a:solidFill>
+                            <a:schemeClr val="bg1"/>
+                          </a:solidFill>
                           <a:latin typeface="Cambria Math" panose="02040503050406030204" pitchFamily="18" charset="0"/>
                           <a:ea typeface="Cambria Math" panose="02040503050406030204" pitchFamily="18" charset="0"/>
                           <a:cs typeface="Calibri" panose="020F0502020204030204" pitchFamily="34" charset="0"/>
@@ -8504,6 +8606,9 @@
                       </m:r>
                       <m:r>
                         <a:rPr lang="en-US" sz="1600" b="0" i="1" smtClean="0">
+                          <a:solidFill>
+                            <a:schemeClr val="bg1"/>
+                          </a:solidFill>
                           <a:latin typeface="Cambria Math" panose="02040503050406030204" pitchFamily="18" charset="0"/>
                           <a:ea typeface="Cambria Math" panose="02040503050406030204" pitchFamily="18" charset="0"/>
                           <a:cs typeface="Calibri" panose="020F0502020204030204" pitchFamily="34" charset="0"/>
@@ -8512,6 +8617,9 @@
                       </m:r>
                       <m:r>
                         <a:rPr lang="en-US" sz="1600" b="0" i="1" smtClean="0">
+                          <a:solidFill>
+                            <a:schemeClr val="bg1"/>
+                          </a:solidFill>
                           <a:latin typeface="Cambria Math" panose="02040503050406030204" pitchFamily="18" charset="0"/>
                           <a:ea typeface="Cambria Math" panose="02040503050406030204" pitchFamily="18" charset="0"/>
                           <a:cs typeface="Calibri" panose="020F0502020204030204" pitchFamily="34" charset="0"/>
@@ -8520,6 +8628,9 @@
                       </m:r>
                       <m:r>
                         <a:rPr lang="en-US" sz="1600" b="0" i="1" smtClean="0">
+                          <a:solidFill>
+                            <a:schemeClr val="bg1"/>
+                          </a:solidFill>
                           <a:latin typeface="Cambria Math" panose="02040503050406030204" pitchFamily="18" charset="0"/>
                           <a:ea typeface="Cambria Math" panose="02040503050406030204" pitchFamily="18" charset="0"/>
                           <a:cs typeface="Calibri" panose="020F0502020204030204" pitchFamily="34" charset="0"/>
@@ -8538,7 +8649,7 @@
             </p:txBody>
           </p:sp>
         </mc:Choice>
-        <mc:Fallback xmlns="">
+        <mc:Fallback>
           <p:sp>
             <p:nvSpPr>
               <p:cNvPr id="3" name="מציין מיקום תוכן 2"/>
@@ -8552,12 +8663,12 @@
             <p:spPr>
               <a:xfrm>
                 <a:off x="1104291" y="1487488"/>
-                <a:ext cx="8946541" cy="4425155"/>
+                <a:ext cx="8946541" cy="4886808"/>
               </a:xfrm>
               <a:blipFill>
                 <a:blip r:embed="rId2"/>
                 <a:stretch>
-                  <a:fillRect t="-2066" r="-1362"/>
+                  <a:fillRect t="-1870" r="-1362"/>
                 </a:stretch>
               </a:blipFill>
             </p:spPr>
@@ -8655,8 +8766,8 @@
         </p:nvSpPr>
         <p:spPr>
           <a:xfrm>
-            <a:off x="3115162" y="1925491"/>
-            <a:ext cx="8659743" cy="2677656"/>
+            <a:off x="3520640" y="1925491"/>
+            <a:ext cx="8254265" cy="3539430"/>
           </a:xfrm>
           <a:prstGeom prst="rect">
             <a:avLst/>
@@ -8664,7 +8775,7 @@
           <a:noFill/>
         </p:spPr>
         <p:txBody>
-          <a:bodyPr wrap="none" rtlCol="1">
+          <a:bodyPr wrap="square" rtlCol="1">
             <a:spAutoFit/>
           </a:bodyPr>
           <a:lstStyle/>
@@ -8674,7 +8785,7 @@
               <a:buChar char="•"/>
             </a:pPr>
             <a:r>
-              <a:rPr lang="he-IL" sz="2800" dirty="0">
+              <a:rPr lang="he-IL" sz="3200" dirty="0">
                 <a:latin typeface="Calibri" panose="020F0502020204030204" pitchFamily="34" charset="0"/>
                 <a:cs typeface="Calibri" panose="020F0502020204030204" pitchFamily="34" charset="0"/>
               </a:rPr>
@@ -8686,7 +8797,7 @@
               <a:buFont typeface="Arial" panose="020B0604020202020204" pitchFamily="34" charset="0"/>
               <a:buChar char="•"/>
             </a:pPr>
-            <a:endParaRPr lang="he-IL" sz="2800" dirty="0">
+            <a:endParaRPr lang="he-IL" sz="3200" dirty="0">
               <a:latin typeface="Calibri" panose="020F0502020204030204" pitchFamily="34" charset="0"/>
               <a:cs typeface="Calibri" panose="020F0502020204030204" pitchFamily="34" charset="0"/>
             </a:endParaRPr>
@@ -8696,7 +8807,7 @@
               <a:buFont typeface="Arial" panose="020B0604020202020204" pitchFamily="34" charset="0"/>
               <a:buChar char="•"/>
             </a:pPr>
-            <a:endParaRPr lang="he-IL" sz="2800" dirty="0">
+            <a:endParaRPr lang="he-IL" sz="3200" dirty="0">
               <a:latin typeface="Calibri" panose="020F0502020204030204" pitchFamily="34" charset="0"/>
               <a:cs typeface="Calibri" panose="020F0502020204030204" pitchFamily="34" charset="0"/>
             </a:endParaRPr>
@@ -8706,7 +8817,7 @@
               <a:buFont typeface="Arial" panose="020B0604020202020204" pitchFamily="34" charset="0"/>
               <a:buChar char="•"/>
             </a:pPr>
-            <a:endParaRPr lang="he-IL" sz="2800" dirty="0">
+            <a:endParaRPr lang="he-IL" sz="3200" dirty="0">
               <a:latin typeface="Calibri" panose="020F0502020204030204" pitchFamily="34" charset="0"/>
               <a:cs typeface="Calibri" panose="020F0502020204030204" pitchFamily="34" charset="0"/>
             </a:endParaRPr>
@@ -8716,7 +8827,7 @@
               <a:buFont typeface="Arial" panose="020B0604020202020204" pitchFamily="34" charset="0"/>
               <a:buChar char="•"/>
             </a:pPr>
-            <a:endParaRPr lang="he-IL" sz="2800" dirty="0">
+            <a:endParaRPr lang="he-IL" sz="3200" dirty="0">
               <a:latin typeface="Calibri" panose="020F0502020204030204" pitchFamily="34" charset="0"/>
               <a:cs typeface="Calibri" panose="020F0502020204030204" pitchFamily="34" charset="0"/>
             </a:endParaRPr>
@@ -8727,7 +8838,7 @@
               <a:buChar char="•"/>
             </a:pPr>
             <a:r>
-              <a:rPr lang="he-IL" sz="2800" dirty="0">
+              <a:rPr lang="he-IL" sz="3200" dirty="0">
                 <a:latin typeface="Calibri" panose="020F0502020204030204" pitchFamily="34" charset="0"/>
                 <a:cs typeface="Calibri" panose="020F0502020204030204" pitchFamily="34" charset="0"/>
               </a:rPr>
@@ -8994,7 +9105,7 @@
         <p:spPr>
           <a:xfrm>
             <a:off x="1470212" y="1785386"/>
-            <a:ext cx="9251576" cy="2677656"/>
+            <a:ext cx="9251576" cy="2246769"/>
           </a:xfrm>
           <a:prstGeom prst="rect">
             <a:avLst/>
@@ -9005,16 +9116,6 @@
             <a:spAutoFit/>
           </a:bodyPr>
           <a:lstStyle/>
-          <a:p>
-            <a:pPr marL="457200" indent="-457200">
-              <a:buFont typeface="Arial" panose="020B0604020202020204" pitchFamily="34" charset="0"/>
-              <a:buChar char="•"/>
-            </a:pPr>
-            <a:endParaRPr lang="he-IL" sz="2800" dirty="0">
-              <a:latin typeface="Calibri" panose="020F0502020204030204" pitchFamily="34" charset="0"/>
-              <a:cs typeface="Calibri" panose="020F0502020204030204" pitchFamily="34" charset="0"/>
-            </a:endParaRPr>
-          </a:p>
           <a:p>
             <a:pPr marL="457200" indent="-457200">
               <a:buFont typeface="Arial" panose="020B0604020202020204" pitchFamily="34" charset="0"/>
@@ -9098,7 +9199,7 @@
         </p:blipFill>
         <p:spPr>
           <a:xfrm>
-            <a:off x="6096000" y="4067501"/>
+            <a:off x="6096000" y="4040997"/>
             <a:ext cx="2439848" cy="2737088"/>
           </a:xfrm>
           <a:prstGeom prst="rect">
@@ -9234,7 +9335,7 @@
         </p:blipFill>
         <p:spPr>
           <a:xfrm>
-            <a:off x="3311415" y="4061480"/>
+            <a:off x="3311415" y="4034976"/>
             <a:ext cx="2466680" cy="2743109"/>
           </a:xfrm>
           <a:prstGeom prst="rect">
